--- a/PPTs/Pythonv1.pptx
+++ b/PPTs/Pythonv1.pptx
@@ -5,7 +5,7 @@
     <p:sldMasterId id="2147483648" r:id="rId1"/>
   </p:sldMasterIdLst>
   <p:notesMasterIdLst>
-    <p:notesMasterId r:id="rId11"/>
+    <p:notesMasterId r:id="rId13"/>
   </p:notesMasterIdLst>
   <p:sldIdLst>
     <p:sldId id="271" r:id="rId2"/>
@@ -15,8 +15,10 @@
     <p:sldId id="268" r:id="rId6"/>
     <p:sldId id="273" r:id="rId7"/>
     <p:sldId id="274" r:id="rId8"/>
-    <p:sldId id="275" r:id="rId9"/>
-    <p:sldId id="270" r:id="rId10"/>
+    <p:sldId id="278" r:id="rId9"/>
+    <p:sldId id="279" r:id="rId10"/>
+    <p:sldId id="275" r:id="rId11"/>
+    <p:sldId id="270" r:id="rId12"/>
   </p:sldIdLst>
   <p:sldSz cx="9144000" cy="6858000" type="screen4x3"/>
   <p:notesSz cx="6858000" cy="9144000"/>
@@ -200,7 +202,8 @@
           <a:p>
             <a:fld id="{9550518B-01FE-4825-AEED-44890B9C7E8D}" type="datetimeFigureOut">
               <a:rPr lang="en-US" smtClean="0"/>
-              <a:t>12/7/2019</a:t>
+              <a:pPr/>
+              <a:t>2/18/2020</a:t>
             </a:fld>
             <a:endParaRPr lang="en-US"/>
           </a:p>
@@ -359,6 +362,7 @@
           <a:p>
             <a:fld id="{2C20E168-ACB5-4692-83B7-4FE2ED71C2D1}" type="slidenum">
               <a:rPr lang="en-US" smtClean="0"/>
+              <a:pPr/>
               <a:t>‹#›</a:t>
             </a:fld>
             <a:endParaRPr lang="en-US"/>
@@ -368,7 +372,7 @@
     </p:spTree>
     <p:extLst>
       <p:ext uri="{BB962C8B-B14F-4D97-AF65-F5344CB8AC3E}">
-        <p14:creationId xmlns:p14="http://schemas.microsoft.com/office/powerpoint/2010/main" val="4048949055"/>
+        <p14:creationId xmlns="" xmlns:p14="http://schemas.microsoft.com/office/powerpoint/2010/main" val="4048949055"/>
       </p:ext>
     </p:extLst>
   </p:cSld>
@@ -550,6 +554,7 @@
           <a:p>
             <a:fld id="{CA9C61C9-9D17-4586-B2E5-E1A115DE627B}" type="slidenum">
               <a:rPr lang="en-ID" smtClean="0"/>
+              <a:pPr/>
               <a:t>1</a:t>
             </a:fld>
             <a:endParaRPr lang="en-ID"/>
@@ -559,7 +564,7 @@
     </p:spTree>
     <p:extLst>
       <p:ext uri="{BB962C8B-B14F-4D97-AF65-F5344CB8AC3E}">
-        <p14:creationId xmlns:p14="http://schemas.microsoft.com/office/powerpoint/2010/main" val="587443820"/>
+        <p14:creationId xmlns="" xmlns:p14="http://schemas.microsoft.com/office/powerpoint/2010/main" val="587443820"/>
       </p:ext>
     </p:extLst>
   </p:cSld>
@@ -651,6 +656,7 @@
           <a:p>
             <a:fld id="{CA9C61C9-9D17-4586-B2E5-E1A115DE627B}" type="slidenum">
               <a:rPr lang="en-ID" smtClean="0"/>
+              <a:pPr/>
               <a:t>2</a:t>
             </a:fld>
             <a:endParaRPr lang="en-ID"/>
@@ -660,7 +666,7 @@
     </p:spTree>
     <p:extLst>
       <p:ext uri="{BB962C8B-B14F-4D97-AF65-F5344CB8AC3E}">
-        <p14:creationId xmlns:p14="http://schemas.microsoft.com/office/powerpoint/2010/main" val="587443820"/>
+        <p14:creationId xmlns="" xmlns:p14="http://schemas.microsoft.com/office/powerpoint/2010/main" val="587443820"/>
       </p:ext>
     </p:extLst>
   </p:cSld>
@@ -752,6 +758,7 @@
           <a:p>
             <a:fld id="{CA9C61C9-9D17-4586-B2E5-E1A115DE627B}" type="slidenum">
               <a:rPr lang="en-ID" smtClean="0"/>
+              <a:pPr/>
               <a:t>3</a:t>
             </a:fld>
             <a:endParaRPr lang="en-ID"/>
@@ -761,7 +768,7 @@
     </p:spTree>
     <p:extLst>
       <p:ext uri="{BB962C8B-B14F-4D97-AF65-F5344CB8AC3E}">
-        <p14:creationId xmlns:p14="http://schemas.microsoft.com/office/powerpoint/2010/main" val="587443820"/>
+        <p14:creationId xmlns="" xmlns:p14="http://schemas.microsoft.com/office/powerpoint/2010/main" val="587443820"/>
       </p:ext>
     </p:extLst>
   </p:cSld>
@@ -853,6 +860,7 @@
           <a:p>
             <a:fld id="{CA9C61C9-9D17-4586-B2E5-E1A115DE627B}" type="slidenum">
               <a:rPr lang="en-ID" smtClean="0"/>
+              <a:pPr/>
               <a:t>4</a:t>
             </a:fld>
             <a:endParaRPr lang="en-ID"/>
@@ -862,7 +870,7 @@
     </p:spTree>
     <p:extLst>
       <p:ext uri="{BB962C8B-B14F-4D97-AF65-F5344CB8AC3E}">
-        <p14:creationId xmlns:p14="http://schemas.microsoft.com/office/powerpoint/2010/main" val="587443820"/>
+        <p14:creationId xmlns="" xmlns:p14="http://schemas.microsoft.com/office/powerpoint/2010/main" val="587443820"/>
       </p:ext>
     </p:extLst>
   </p:cSld>
@@ -937,6 +945,7 @@
           <a:p>
             <a:fld id="{CA9C61C9-9D17-4586-B2E5-E1A115DE627B}" type="slidenum">
               <a:rPr lang="en-ID" smtClean="0"/>
+              <a:pPr/>
               <a:t>5</a:t>
             </a:fld>
             <a:endParaRPr lang="en-ID"/>
@@ -946,7 +955,7 @@
     </p:spTree>
     <p:extLst>
       <p:ext uri="{BB962C8B-B14F-4D97-AF65-F5344CB8AC3E}">
-        <p14:creationId xmlns:p14="http://schemas.microsoft.com/office/powerpoint/2010/main" val="1748355160"/>
+        <p14:creationId xmlns="" xmlns:p14="http://schemas.microsoft.com/office/powerpoint/2010/main" val="1748355160"/>
       </p:ext>
     </p:extLst>
   </p:cSld>
@@ -1038,6 +1047,7 @@
           <a:p>
             <a:fld id="{CA9C61C9-9D17-4586-B2E5-E1A115DE627B}" type="slidenum">
               <a:rPr lang="en-ID" smtClean="0"/>
+              <a:pPr/>
               <a:t>6</a:t>
             </a:fld>
             <a:endParaRPr lang="en-ID"/>
@@ -1047,7 +1057,7 @@
     </p:spTree>
     <p:extLst>
       <p:ext uri="{BB962C8B-B14F-4D97-AF65-F5344CB8AC3E}">
-        <p14:creationId xmlns:p14="http://schemas.microsoft.com/office/powerpoint/2010/main" val="587443820"/>
+        <p14:creationId xmlns="" xmlns:p14="http://schemas.microsoft.com/office/powerpoint/2010/main" val="587443820"/>
       </p:ext>
     </p:extLst>
   </p:cSld>
@@ -1139,6 +1149,7 @@
           <a:p>
             <a:fld id="{CA9C61C9-9D17-4586-B2E5-E1A115DE627B}" type="slidenum">
               <a:rPr lang="en-ID" smtClean="0"/>
+              <a:pPr/>
               <a:t>7</a:t>
             </a:fld>
             <a:endParaRPr lang="en-ID"/>
@@ -1148,7 +1159,7 @@
     </p:spTree>
     <p:extLst>
       <p:ext uri="{BB962C8B-B14F-4D97-AF65-F5344CB8AC3E}">
-        <p14:creationId xmlns:p14="http://schemas.microsoft.com/office/powerpoint/2010/main" val="587443820"/>
+        <p14:creationId xmlns="" xmlns:p14="http://schemas.microsoft.com/office/powerpoint/2010/main" val="587443820"/>
       </p:ext>
     </p:extLst>
   </p:cSld>
@@ -1240,7 +1251,8 @@
           <a:p>
             <a:fld id="{CA9C61C9-9D17-4586-B2E5-E1A115DE627B}" type="slidenum">
               <a:rPr lang="en-ID" smtClean="0"/>
-              <a:t>8</a:t>
+              <a:pPr/>
+              <a:t>10</a:t>
             </a:fld>
             <a:endParaRPr lang="en-ID"/>
           </a:p>
@@ -1249,7 +1261,7 @@
     </p:spTree>
     <p:extLst>
       <p:ext uri="{BB962C8B-B14F-4D97-AF65-F5344CB8AC3E}">
-        <p14:creationId xmlns:p14="http://schemas.microsoft.com/office/powerpoint/2010/main" val="587443820"/>
+        <p14:creationId xmlns="" xmlns:p14="http://schemas.microsoft.com/office/powerpoint/2010/main" val="587443820"/>
       </p:ext>
     </p:extLst>
   </p:cSld>
@@ -1341,7 +1353,8 @@
           <a:p>
             <a:fld id="{CA9C61C9-9D17-4586-B2E5-E1A115DE627B}" type="slidenum">
               <a:rPr lang="en-ID" smtClean="0"/>
-              <a:t>9</a:t>
+              <a:pPr/>
+              <a:t>11</a:t>
             </a:fld>
             <a:endParaRPr lang="en-ID"/>
           </a:p>
@@ -1350,7 +1363,7 @@
     </p:spTree>
     <p:extLst>
       <p:ext uri="{BB962C8B-B14F-4D97-AF65-F5344CB8AC3E}">
-        <p14:creationId xmlns:p14="http://schemas.microsoft.com/office/powerpoint/2010/main" val="2502646200"/>
+        <p14:creationId xmlns="" xmlns:p14="http://schemas.microsoft.com/office/powerpoint/2010/main" val="2502646200"/>
       </p:ext>
     </p:extLst>
   </p:cSld>
@@ -1542,7 +1555,7 @@
             <a:fld id="{1D8BD707-D9CF-40AE-B4C6-C98DA3205C09}" type="datetimeFigureOut">
               <a:rPr lang="en-US" smtClean="0"/>
               <a:pPr/>
-              <a:t>12/7/2019</a:t>
+              <a:t>2/18/2020</a:t>
             </a:fld>
             <a:endParaRPr lang="en-US"/>
           </a:p>
@@ -1709,7 +1722,7 @@
             <a:fld id="{1D8BD707-D9CF-40AE-B4C6-C98DA3205C09}" type="datetimeFigureOut">
               <a:rPr lang="en-US" smtClean="0"/>
               <a:pPr/>
-              <a:t>12/7/2019</a:t>
+              <a:t>2/18/2020</a:t>
             </a:fld>
             <a:endParaRPr lang="en-US"/>
           </a:p>
@@ -1886,7 +1899,7 @@
             <a:fld id="{1D8BD707-D9CF-40AE-B4C6-C98DA3205C09}" type="datetimeFigureOut">
               <a:rPr lang="en-US" smtClean="0"/>
               <a:pPr/>
-              <a:t>12/7/2019</a:t>
+              <a:t>2/18/2020</a:t>
             </a:fld>
             <a:endParaRPr lang="en-US"/>
           </a:p>
@@ -1983,7 +1996,8 @@
           <a:p>
             <a:fld id="{402912F1-713C-47C6-A296-1FE83FC1A59A}" type="datetimeFigureOut">
               <a:rPr lang="en-ID" smtClean="0"/>
-              <a:t>07/12/2019</a:t>
+              <a:pPr/>
+              <a:t>18/02/2020</a:t>
             </a:fld>
             <a:endParaRPr lang="en-ID"/>
           </a:p>
@@ -2037,6 +2051,7 @@
           <a:p>
             <a:fld id="{8DABB50B-6253-4500-AA51-A1B10E09B9A7}" type="slidenum">
               <a:rPr lang="en-ID" smtClean="0"/>
+              <a:pPr/>
               <a:t>‹#›</a:t>
             </a:fld>
             <a:endParaRPr lang="en-ID"/>
@@ -2378,7 +2393,7 @@
     </p:spTree>
     <p:extLst>
       <p:ext uri="{BB962C8B-B14F-4D97-AF65-F5344CB8AC3E}">
-        <p14:creationId xmlns:p14="http://schemas.microsoft.com/office/powerpoint/2010/main" val="1696057223"/>
+        <p14:creationId xmlns="" xmlns:p14="http://schemas.microsoft.com/office/powerpoint/2010/main" val="1696057223"/>
       </p:ext>
     </p:extLst>
   </p:cSld>
@@ -2428,7 +2443,8 @@
           <a:p>
             <a:fld id="{402912F1-713C-47C6-A296-1FE83FC1A59A}" type="datetimeFigureOut">
               <a:rPr lang="en-ID" smtClean="0"/>
-              <a:t>07/12/2019</a:t>
+              <a:pPr/>
+              <a:t>18/02/2020</a:t>
             </a:fld>
             <a:endParaRPr lang="en-ID"/>
           </a:p>
@@ -2482,6 +2498,7 @@
           <a:p>
             <a:fld id="{8DABB50B-6253-4500-AA51-A1B10E09B9A7}" type="slidenum">
               <a:rPr lang="en-ID" smtClean="0"/>
+              <a:pPr/>
               <a:t>‹#›</a:t>
             </a:fld>
             <a:endParaRPr lang="en-ID"/>
@@ -2823,7 +2840,7 @@
     </p:spTree>
     <p:extLst>
       <p:ext uri="{BB962C8B-B14F-4D97-AF65-F5344CB8AC3E}">
-        <p14:creationId xmlns:p14="http://schemas.microsoft.com/office/powerpoint/2010/main" val="4221248713"/>
+        <p14:creationId xmlns="" xmlns:p14="http://schemas.microsoft.com/office/powerpoint/2010/main" val="4221248713"/>
       </p:ext>
     </p:extLst>
   </p:cSld>
@@ -2873,7 +2890,8 @@
           <a:p>
             <a:fld id="{402912F1-713C-47C6-A296-1FE83FC1A59A}" type="datetimeFigureOut">
               <a:rPr lang="en-ID" smtClean="0"/>
-              <a:t>07/12/2019</a:t>
+              <a:pPr/>
+              <a:t>18/02/2020</a:t>
             </a:fld>
             <a:endParaRPr lang="en-ID"/>
           </a:p>
@@ -2927,6 +2945,7 @@
           <a:p>
             <a:fld id="{8DABB50B-6253-4500-AA51-A1B10E09B9A7}" type="slidenum">
               <a:rPr lang="en-ID" smtClean="0"/>
+              <a:pPr/>
               <a:t>‹#›</a:t>
             </a:fld>
             <a:endParaRPr lang="en-ID"/>
@@ -3839,7 +3858,7 @@
     </p:spTree>
     <p:extLst>
       <p:ext uri="{BB962C8B-B14F-4D97-AF65-F5344CB8AC3E}">
-        <p14:creationId xmlns:p14="http://schemas.microsoft.com/office/powerpoint/2010/main" val="1118793351"/>
+        <p14:creationId xmlns="" xmlns:p14="http://schemas.microsoft.com/office/powerpoint/2010/main" val="1118793351"/>
       </p:ext>
     </p:extLst>
   </p:cSld>
@@ -3959,7 +3978,7 @@
             <a:fld id="{1D8BD707-D9CF-40AE-B4C6-C98DA3205C09}" type="datetimeFigureOut">
               <a:rPr lang="en-US" smtClean="0"/>
               <a:pPr/>
-              <a:t>12/7/2019</a:t>
+              <a:t>2/18/2020</a:t>
             </a:fld>
             <a:endParaRPr lang="en-US"/>
           </a:p>
@@ -4202,7 +4221,7 @@
             <a:fld id="{1D8BD707-D9CF-40AE-B4C6-C98DA3205C09}" type="datetimeFigureOut">
               <a:rPr lang="en-US" smtClean="0"/>
               <a:pPr/>
-              <a:t>12/7/2019</a:t>
+              <a:t>2/18/2020</a:t>
             </a:fld>
             <a:endParaRPr lang="en-US"/>
           </a:p>
@@ -4487,7 +4506,7 @@
             <a:fld id="{1D8BD707-D9CF-40AE-B4C6-C98DA3205C09}" type="datetimeFigureOut">
               <a:rPr lang="en-US" smtClean="0"/>
               <a:pPr/>
-              <a:t>12/7/2019</a:t>
+              <a:t>2/18/2020</a:t>
             </a:fld>
             <a:endParaRPr lang="en-US"/>
           </a:p>
@@ -4906,7 +4925,7 @@
             <a:fld id="{1D8BD707-D9CF-40AE-B4C6-C98DA3205C09}" type="datetimeFigureOut">
               <a:rPr lang="en-US" smtClean="0"/>
               <a:pPr/>
-              <a:t>12/7/2019</a:t>
+              <a:t>2/18/2020</a:t>
             </a:fld>
             <a:endParaRPr lang="en-US"/>
           </a:p>
@@ -5021,7 +5040,7 @@
             <a:fld id="{1D8BD707-D9CF-40AE-B4C6-C98DA3205C09}" type="datetimeFigureOut">
               <a:rPr lang="en-US" smtClean="0"/>
               <a:pPr/>
-              <a:t>12/7/2019</a:t>
+              <a:t>2/18/2020</a:t>
             </a:fld>
             <a:endParaRPr lang="en-US"/>
           </a:p>
@@ -5113,7 +5132,7 @@
             <a:fld id="{1D8BD707-D9CF-40AE-B4C6-C98DA3205C09}" type="datetimeFigureOut">
               <a:rPr lang="en-US" smtClean="0"/>
               <a:pPr/>
-              <a:t>12/7/2019</a:t>
+              <a:t>2/18/2020</a:t>
             </a:fld>
             <a:endParaRPr lang="en-US"/>
           </a:p>
@@ -5387,7 +5406,7 @@
             <a:fld id="{1D8BD707-D9CF-40AE-B4C6-C98DA3205C09}" type="datetimeFigureOut">
               <a:rPr lang="en-US" smtClean="0"/>
               <a:pPr/>
-              <a:t>12/7/2019</a:t>
+              <a:t>2/18/2020</a:t>
             </a:fld>
             <a:endParaRPr lang="en-US"/>
           </a:p>
@@ -5637,7 +5656,7 @@
             <a:fld id="{1D8BD707-D9CF-40AE-B4C6-C98DA3205C09}" type="datetimeFigureOut">
               <a:rPr lang="en-US" smtClean="0"/>
               <a:pPr/>
-              <a:t>12/7/2019</a:t>
+              <a:t>2/18/2020</a:t>
             </a:fld>
             <a:endParaRPr lang="en-US"/>
           </a:p>
@@ -5847,7 +5866,7 @@
             <a:fld id="{1D8BD707-D9CF-40AE-B4C6-C98DA3205C09}" type="datetimeFigureOut">
               <a:rPr lang="en-US" smtClean="0"/>
               <a:pPr/>
-              <a:t>12/7/2019</a:t>
+              <a:t>2/18/2020</a:t>
             </a:fld>
             <a:endParaRPr lang="en-US"/>
           </a:p>
@@ -6504,7 +6523,7 @@
           <a:blip r:embed="rId5">
             <a:extLst>
               <a:ext uri="{28A0092B-C50C-407E-A947-70E740481C1C}">
-                <a14:useLocalDpi xmlns:a14="http://schemas.microsoft.com/office/drawing/2010/main" val="0"/>
+                <a14:useLocalDpi xmlns="" xmlns:a14="http://schemas.microsoft.com/office/drawing/2010/main" val="0"/>
               </a:ext>
             </a:extLst>
           </a:blip>
@@ -6528,14 +6547,14 @@
           <a:effectLst/>
           <a:extLst>
             <a:ext uri="{909E8E84-426E-40DD-AFC4-6F175D3DCCD1}">
-              <a14:hiddenFill xmlns:a14="http://schemas.microsoft.com/office/drawing/2010/main">
+              <a14:hiddenFill xmlns="" xmlns:a14="http://schemas.microsoft.com/office/drawing/2010/main">
                 <a:solidFill>
                   <a:schemeClr val="accent1"/>
                 </a:solidFill>
               </a14:hiddenFill>
             </a:ext>
             <a:ext uri="{91240B29-F687-4F45-9708-019B960494DF}">
-              <a14:hiddenLine xmlns:a14="http://schemas.microsoft.com/office/drawing/2010/main" w="9525">
+              <a14:hiddenLine xmlns="" xmlns:a14="http://schemas.microsoft.com/office/drawing/2010/main" w="9525">
                 <a:solidFill>
                   <a:schemeClr val="tx1"/>
                 </a:solidFill>
@@ -6545,7 +6564,7 @@
               </a14:hiddenLine>
             </a:ext>
             <a:ext uri="{AF507438-7753-43E0-B8FC-AC1667EBCBE1}">
-              <a14:hiddenEffects xmlns:a14="http://schemas.microsoft.com/office/drawing/2010/main">
+              <a14:hiddenEffects xmlns="" xmlns:a14="http://schemas.microsoft.com/office/drawing/2010/main">
                 <a:effectLst>
                   <a:outerShdw dist="35921" dir="2700000" algn="ctr" rotWithShape="0">
                     <a:schemeClr val="bg2"/>
@@ -6559,7 +6578,7 @@
     </p:spTree>
     <p:extLst>
       <p:ext uri="{BB962C8B-B14F-4D97-AF65-F5344CB8AC3E}">
-        <p14:creationId xmlns:p14="http://schemas.microsoft.com/office/powerpoint/2010/main" val="1972784577"/>
+        <p14:creationId xmlns="" xmlns:p14="http://schemas.microsoft.com/office/powerpoint/2010/main" val="1972784577"/>
       </p:ext>
     </p:extLst>
   </p:cSld>
@@ -6569,233 +6588,1816 @@
   <p:timing>
     <p:tnLst>
       <p:par>
-        <p:cTn id="1" dur="indefinite" restart="never" nodeType="tmRoot">
-          <p:childTnLst>
-            <p:seq concurrent="1" nextAc="seek">
-              <p:cTn id="2" dur="indefinite" nodeType="mainSeq">
-                <p:childTnLst>
-                  <p:par>
-                    <p:cTn id="3" fill="hold">
-                      <p:stCondLst>
-                        <p:cond delay="indefinite"/>
-                      </p:stCondLst>
-                      <p:childTnLst>
-                        <p:par>
-                          <p:cTn id="4" fill="hold">
-                            <p:stCondLst>
-                              <p:cond delay="0"/>
-                            </p:stCondLst>
-                            <p:childTnLst>
-                              <p:par>
-                                <p:cTn id="5" presetID="42" presetClass="entr" presetSubtype="0" fill="hold" grpId="0" nodeType="clickEffect">
-                                  <p:stCondLst>
-                                    <p:cond delay="0"/>
-                                  </p:stCondLst>
-                                  <p:childTnLst>
-                                    <p:set>
-                                      <p:cBhvr>
-                                        <p:cTn id="6" dur="1" fill="hold">
-                                          <p:stCondLst>
-                                            <p:cond delay="0"/>
-                                          </p:stCondLst>
-                                        </p:cTn>
-                                        <p:tgtEl>
-                                          <p:spTgt spid="34"/>
-                                        </p:tgtEl>
-                                        <p:attrNameLst>
-                                          <p:attrName>style.visibility</p:attrName>
-                                        </p:attrNameLst>
-                                      </p:cBhvr>
-                                      <p:to>
-                                        <p:strVal val="visible"/>
-                                      </p:to>
-                                    </p:set>
-                                    <p:animEffect transition="in" filter="fade">
-                                      <p:cBhvr>
-                                        <p:cTn id="7" dur="1000"/>
-                                        <p:tgtEl>
-                                          <p:spTgt spid="34"/>
-                                        </p:tgtEl>
-                                      </p:cBhvr>
-                                    </p:animEffect>
-                                    <p:anim calcmode="lin" valueType="num">
-                                      <p:cBhvr>
-                                        <p:cTn id="8" dur="1000" fill="hold"/>
-                                        <p:tgtEl>
-                                          <p:spTgt spid="34"/>
-                                        </p:tgtEl>
-                                        <p:attrNameLst>
-                                          <p:attrName>ppt_x</p:attrName>
-                                        </p:attrNameLst>
-                                      </p:cBhvr>
-                                      <p:tavLst>
-                                        <p:tav tm="0">
-                                          <p:val>
-                                            <p:strVal val="#ppt_x"/>
-                                          </p:val>
-                                        </p:tav>
-                                        <p:tav tm="100000">
-                                          <p:val>
-                                            <p:strVal val="#ppt_x"/>
-                                          </p:val>
-                                        </p:tav>
-                                      </p:tavLst>
-                                    </p:anim>
-                                    <p:anim calcmode="lin" valueType="num">
-                                      <p:cBhvr>
-                                        <p:cTn id="9" dur="1000" fill="hold"/>
-                                        <p:tgtEl>
-                                          <p:spTgt spid="34"/>
-                                        </p:tgtEl>
-                                        <p:attrNameLst>
-                                          <p:attrName>ppt_y</p:attrName>
-                                        </p:attrNameLst>
-                                      </p:cBhvr>
-                                      <p:tavLst>
-                                        <p:tav tm="0">
-                                          <p:val>
-                                            <p:strVal val="#ppt_y+.1"/>
-                                          </p:val>
-                                        </p:tav>
-                                        <p:tav tm="100000">
-                                          <p:val>
-                                            <p:strVal val="#ppt_y"/>
-                                          </p:val>
-                                        </p:tav>
-                                      </p:tavLst>
-                                    </p:anim>
-                                  </p:childTnLst>
-                                </p:cTn>
-                              </p:par>
-                            </p:childTnLst>
-                          </p:cTn>
-                        </p:par>
-                      </p:childTnLst>
-                    </p:cTn>
-                  </p:par>
-                  <p:par>
-                    <p:cTn id="10" fill="hold">
-                      <p:stCondLst>
-                        <p:cond delay="indefinite"/>
-                      </p:stCondLst>
-                      <p:childTnLst>
-                        <p:par>
-                          <p:cTn id="11" fill="hold">
-                            <p:stCondLst>
-                              <p:cond delay="0"/>
-                            </p:stCondLst>
-                            <p:childTnLst>
-                              <p:par>
-                                <p:cTn id="12" presetID="42" presetClass="entr" presetSubtype="0" fill="hold" nodeType="clickEffect">
-                                  <p:stCondLst>
-                                    <p:cond delay="0"/>
-                                  </p:stCondLst>
-                                  <p:childTnLst>
-                                    <p:set>
-                                      <p:cBhvr>
-                                        <p:cTn id="13" dur="1" fill="hold">
-                                          <p:stCondLst>
-                                            <p:cond delay="0"/>
-                                          </p:stCondLst>
-                                        </p:cTn>
-                                        <p:tgtEl>
-                                          <p:spTgt spid="1026"/>
-                                        </p:tgtEl>
-                                        <p:attrNameLst>
-                                          <p:attrName>style.visibility</p:attrName>
-                                        </p:attrNameLst>
-                                      </p:cBhvr>
-                                      <p:to>
-                                        <p:strVal val="visible"/>
-                                      </p:to>
-                                    </p:set>
-                                    <p:animEffect transition="in" filter="fade">
-                                      <p:cBhvr>
-                                        <p:cTn id="14" dur="1000"/>
-                                        <p:tgtEl>
-                                          <p:spTgt spid="1026"/>
-                                        </p:tgtEl>
-                                      </p:cBhvr>
-                                    </p:animEffect>
-                                    <p:anim calcmode="lin" valueType="num">
-                                      <p:cBhvr>
-                                        <p:cTn id="15" dur="1000" fill="hold"/>
-                                        <p:tgtEl>
-                                          <p:spTgt spid="1026"/>
-                                        </p:tgtEl>
-                                        <p:attrNameLst>
-                                          <p:attrName>ppt_x</p:attrName>
-                                        </p:attrNameLst>
-                                      </p:cBhvr>
-                                      <p:tavLst>
-                                        <p:tav tm="0">
-                                          <p:val>
-                                            <p:strVal val="#ppt_x"/>
-                                          </p:val>
-                                        </p:tav>
-                                        <p:tav tm="100000">
-                                          <p:val>
-                                            <p:strVal val="#ppt_x"/>
-                                          </p:val>
-                                        </p:tav>
-                                      </p:tavLst>
-                                    </p:anim>
-                                    <p:anim calcmode="lin" valueType="num">
-                                      <p:cBhvr>
-                                        <p:cTn id="16" dur="1000" fill="hold"/>
-                                        <p:tgtEl>
-                                          <p:spTgt spid="1026"/>
-                                        </p:tgtEl>
-                                        <p:attrNameLst>
-                                          <p:attrName>ppt_y</p:attrName>
-                                        </p:attrNameLst>
-                                      </p:cBhvr>
-                                      <p:tavLst>
-                                        <p:tav tm="0">
-                                          <p:val>
-                                            <p:strVal val="#ppt_y+.1"/>
-                                          </p:val>
-                                        </p:tav>
-                                        <p:tav tm="100000">
-                                          <p:val>
-                                            <p:strVal val="#ppt_y"/>
-                                          </p:val>
-                                        </p:tav>
-                                      </p:tavLst>
-                                    </p:anim>
-                                  </p:childTnLst>
-                                </p:cTn>
-                              </p:par>
-                            </p:childTnLst>
-                          </p:cTn>
-                        </p:par>
-                      </p:childTnLst>
-                    </p:cTn>
-                  </p:par>
-                </p:childTnLst>
-              </p:cTn>
-              <p:prevCondLst>
-                <p:cond evt="onPrev" delay="0">
-                  <p:tgtEl>
-                    <p:sldTgt/>
-                  </p:tgtEl>
-                </p:cond>
-              </p:prevCondLst>
-              <p:nextCondLst>
-                <p:cond evt="onNext" delay="0">
-                  <p:tgtEl>
-                    <p:sldTgt/>
-                  </p:tgtEl>
-                </p:cond>
-              </p:nextCondLst>
-            </p:seq>
-          </p:childTnLst>
-        </p:cTn>
+        <p:cTn id="1" dur="indefinite" restart="never" nodeType="tmRoot"/>
       </p:par>
     </p:tnLst>
-    <p:bldLst>
-      <p:bldP spid="34" grpId="0"/>
-    </p:bldLst>
+  </p:timing>
+</p:sld>
+</file>
+
+<file path=ppt/slides/slide10.xml><?xml version="1.0" encoding="utf-8"?>
+<p:sld xmlns:a="http://schemas.openxmlformats.org/drawingml/2006/main" xmlns:r="http://schemas.openxmlformats.org/officeDocument/2006/relationships" xmlns:p="http://schemas.openxmlformats.org/presentationml/2006/main">
+  <p:cSld>
+    <p:spTree>
+      <p:nvGrpSpPr>
+        <p:cNvPr id="1" name=""/>
+        <p:cNvGrpSpPr/>
+        <p:nvPr/>
+      </p:nvGrpSpPr>
+      <p:grpSpPr>
+        <a:xfrm>
+          <a:off x="0" y="0"/>
+          <a:ext cx="0" cy="0"/>
+          <a:chOff x="0" y="0"/>
+          <a:chExt cx="0" cy="0"/>
+        </a:xfrm>
+      </p:grpSpPr>
+      <p:grpSp>
+        <p:nvGrpSpPr>
+          <p:cNvPr id="6" name="Group 5"/>
+          <p:cNvGrpSpPr/>
+          <p:nvPr/>
+        </p:nvGrpSpPr>
+        <p:grpSpPr>
+          <a:xfrm>
+            <a:off x="1634850" y="1433956"/>
+            <a:ext cx="5932437" cy="4923657"/>
+            <a:chOff x="1814004" y="1544166"/>
+            <a:chExt cx="4572000" cy="4532042"/>
+          </a:xfrm>
+        </p:grpSpPr>
+        <p:grpSp>
+          <p:nvGrpSpPr>
+            <p:cNvPr id="7" name="Group 6"/>
+            <p:cNvGrpSpPr/>
+            <p:nvPr/>
+          </p:nvGrpSpPr>
+          <p:grpSpPr>
+            <a:xfrm>
+              <a:off x="1814004" y="1544166"/>
+              <a:ext cx="4572000" cy="600122"/>
+              <a:chOff x="870474" y="1122231"/>
+              <a:chExt cx="4572000" cy="545565"/>
+            </a:xfrm>
+          </p:grpSpPr>
+          <p:sp>
+            <p:nvSpPr>
+              <p:cNvPr id="32" name="Rectangle: Top Corners Rounded 69">
+                <a:extLst>
+                  <a:ext uri="{FF2B5EF4-FFF2-40B4-BE49-F238E27FC236}">
+                    <a16:creationId xmlns:a16="http://schemas.microsoft.com/office/drawing/2014/main" xmlns="" id="{26FEAD48-C54F-4EA2-85D2-D847AE0E5FBA}"/>
+                  </a:ext>
+                </a:extLst>
+              </p:cNvPr>
+              <p:cNvSpPr/>
+              <p:nvPr/>
+            </p:nvSpPr>
+            <p:spPr>
+              <a:xfrm rot="5400000">
+                <a:off x="2927874" y="-935169"/>
+                <a:ext cx="457200" cy="4572000"/>
+              </a:xfrm>
+              <a:prstGeom prst="round2SameRect">
+                <a:avLst>
+                  <a:gd name="adj1" fmla="val 50000"/>
+                  <a:gd name="adj2" fmla="val 0"/>
+                </a:avLst>
+              </a:prstGeom>
+              <a:ln/>
+            </p:spPr>
+            <p:style>
+              <a:lnRef idx="1">
+                <a:schemeClr val="accent5"/>
+              </a:lnRef>
+              <a:fillRef idx="2">
+                <a:schemeClr val="accent5"/>
+              </a:fillRef>
+              <a:effectRef idx="1">
+                <a:schemeClr val="accent5"/>
+              </a:effectRef>
+              <a:fontRef idx="minor">
+                <a:schemeClr val="dk1"/>
+              </a:fontRef>
+            </p:style>
+            <p:txBody>
+              <a:bodyPr tIns="0" bIns="0" rtlCol="0" anchor="ctr"/>
+              <a:lstStyle/>
+              <a:p>
+                <a:pPr algn="ctr"/>
+                <a:endParaRPr lang="en-ID" dirty="0"/>
+              </a:p>
+            </p:txBody>
+          </p:sp>
+          <p:sp>
+            <p:nvSpPr>
+              <p:cNvPr id="33" name="TextBox 32">
+                <a:extLst>
+                  <a:ext uri="{FF2B5EF4-FFF2-40B4-BE49-F238E27FC236}">
+                    <a16:creationId xmlns="" xmlns:a16="http://schemas.microsoft.com/office/drawing/2014/main" id="{37617BA8-4B08-4BF4-9472-C431DF73FFEC}"/>
+                  </a:ext>
+                </a:extLst>
+              </p:cNvPr>
+              <p:cNvSpPr txBox="1"/>
+              <p:nvPr/>
+            </p:nvSpPr>
+            <p:spPr>
+              <a:xfrm>
+                <a:off x="937800" y="1152711"/>
+                <a:ext cx="3523541" cy="515085"/>
+              </a:xfrm>
+              <a:prstGeom prst="rect">
+                <a:avLst/>
+              </a:prstGeom>
+              <a:noFill/>
+              <a:ln>
+                <a:noFill/>
+              </a:ln>
+            </p:spPr>
+            <p:style>
+              <a:lnRef idx="1">
+                <a:schemeClr val="accent5"/>
+              </a:lnRef>
+              <a:fillRef idx="2">
+                <a:schemeClr val="accent5"/>
+              </a:fillRef>
+              <a:effectRef idx="1">
+                <a:schemeClr val="accent5"/>
+              </a:effectRef>
+              <a:fontRef idx="minor">
+                <a:schemeClr val="dk1"/>
+              </a:fontRef>
+            </p:style>
+            <p:txBody>
+              <a:bodyPr wrap="square" lIns="0" tIns="0" rIns="0" bIns="0" rtlCol="0">
+                <a:spAutoFit/>
+              </a:bodyPr>
+              <a:lstStyle/>
+              <a:p>
+                <a:r>
+                  <a:rPr lang="en-US" sz="2000" b="1" dirty="0">
+                    <a:solidFill>
+                      <a:srgbClr val="115EC7"/>
+                    </a:solidFill>
+                  </a:rPr>
+                  <a:t>Define empty list</a:t>
+                </a:r>
+              </a:p>
+              <a:p>
+                <a:endParaRPr lang="en-ID" sz="2000" b="1" dirty="0">
+                  <a:solidFill>
+                    <a:srgbClr val="115EC7"/>
+                  </a:solidFill>
+                </a:endParaRPr>
+              </a:p>
+            </p:txBody>
+          </p:sp>
+        </p:grpSp>
+        <p:grpSp>
+          <p:nvGrpSpPr>
+            <p:cNvPr id="8" name="Group 7"/>
+            <p:cNvGrpSpPr/>
+            <p:nvPr/>
+          </p:nvGrpSpPr>
+          <p:grpSpPr>
+            <a:xfrm>
+              <a:off x="1814004" y="2108044"/>
+              <a:ext cx="4572000" cy="600120"/>
+              <a:chOff x="870474" y="1122231"/>
+              <a:chExt cx="4572000" cy="545564"/>
+            </a:xfrm>
+          </p:grpSpPr>
+          <p:sp>
+            <p:nvSpPr>
+              <p:cNvPr id="30" name="Rectangle: Top Corners Rounded 69">
+                <a:extLst>
+                  <a:ext uri="{FF2B5EF4-FFF2-40B4-BE49-F238E27FC236}">
+                    <a16:creationId xmlns:a16="http://schemas.microsoft.com/office/drawing/2014/main" xmlns="" id="{26FEAD48-C54F-4EA2-85D2-D847AE0E5FBA}"/>
+                  </a:ext>
+                </a:extLst>
+              </p:cNvPr>
+              <p:cNvSpPr/>
+              <p:nvPr/>
+            </p:nvSpPr>
+            <p:spPr>
+              <a:xfrm rot="5400000">
+                <a:off x="2927874" y="-935169"/>
+                <a:ext cx="457200" cy="4572000"/>
+              </a:xfrm>
+              <a:prstGeom prst="round2SameRect">
+                <a:avLst>
+                  <a:gd name="adj1" fmla="val 50000"/>
+                  <a:gd name="adj2" fmla="val 0"/>
+                </a:avLst>
+              </a:prstGeom>
+              <a:ln/>
+            </p:spPr>
+            <p:style>
+              <a:lnRef idx="1">
+                <a:schemeClr val="accent5"/>
+              </a:lnRef>
+              <a:fillRef idx="2">
+                <a:schemeClr val="accent5"/>
+              </a:fillRef>
+              <a:effectRef idx="1">
+                <a:schemeClr val="accent5"/>
+              </a:effectRef>
+              <a:fontRef idx="minor">
+                <a:schemeClr val="dk1"/>
+              </a:fontRef>
+            </p:style>
+            <p:txBody>
+              <a:bodyPr tIns="0" bIns="0" rtlCol="0" anchor="ctr"/>
+              <a:lstStyle/>
+              <a:p>
+                <a:pPr algn="ctr"/>
+                <a:endParaRPr lang="en-ID" dirty="0"/>
+              </a:p>
+            </p:txBody>
+          </p:sp>
+          <p:sp>
+            <p:nvSpPr>
+              <p:cNvPr id="31" name="TextBox 30">
+                <a:extLst>
+                  <a:ext uri="{FF2B5EF4-FFF2-40B4-BE49-F238E27FC236}">
+                    <a16:creationId xmlns="" xmlns:a16="http://schemas.microsoft.com/office/drawing/2014/main" id="{37617BA8-4B08-4BF4-9472-C431DF73FFEC}"/>
+                  </a:ext>
+                </a:extLst>
+              </p:cNvPr>
+              <p:cNvSpPr txBox="1"/>
+              <p:nvPr/>
+            </p:nvSpPr>
+            <p:spPr>
+              <a:xfrm>
+                <a:off x="937803" y="1152710"/>
+                <a:ext cx="2818833" cy="515085"/>
+              </a:xfrm>
+              <a:prstGeom prst="rect">
+                <a:avLst/>
+              </a:prstGeom>
+              <a:noFill/>
+              <a:ln>
+                <a:noFill/>
+              </a:ln>
+            </p:spPr>
+            <p:style>
+              <a:lnRef idx="1">
+                <a:schemeClr val="accent5"/>
+              </a:lnRef>
+              <a:fillRef idx="2">
+                <a:schemeClr val="accent5"/>
+              </a:fillRef>
+              <a:effectRef idx="1">
+                <a:schemeClr val="accent5"/>
+              </a:effectRef>
+              <a:fontRef idx="minor">
+                <a:schemeClr val="dk1"/>
+              </a:fontRef>
+            </p:style>
+            <p:txBody>
+              <a:bodyPr wrap="square" lIns="0" tIns="0" rIns="0" bIns="0" rtlCol="0">
+                <a:spAutoFit/>
+              </a:bodyPr>
+              <a:lstStyle/>
+              <a:p>
+                <a:r>
+                  <a:rPr lang="en-US" sz="2000" b="1" dirty="0">
+                    <a:solidFill>
+                      <a:srgbClr val="115EC7"/>
+                    </a:solidFill>
+                  </a:rPr>
+                  <a:t>Define and assign items</a:t>
+                </a:r>
+              </a:p>
+              <a:p>
+                <a:endParaRPr lang="en-US" sz="2000" b="1" dirty="0">
+                  <a:solidFill>
+                    <a:srgbClr val="115EC7"/>
+                  </a:solidFill>
+                </a:endParaRPr>
+              </a:p>
+            </p:txBody>
+          </p:sp>
+        </p:grpSp>
+        <p:grpSp>
+          <p:nvGrpSpPr>
+            <p:cNvPr id="9" name="Group 8"/>
+            <p:cNvGrpSpPr/>
+            <p:nvPr/>
+          </p:nvGrpSpPr>
+          <p:grpSpPr>
+            <a:xfrm>
+              <a:off x="1814004" y="2671927"/>
+              <a:ext cx="4572000" cy="600122"/>
+              <a:chOff x="870474" y="1122231"/>
+              <a:chExt cx="4572000" cy="545565"/>
+            </a:xfrm>
+          </p:grpSpPr>
+          <p:sp>
+            <p:nvSpPr>
+              <p:cNvPr id="28" name="Rectangle: Top Corners Rounded 69">
+                <a:extLst>
+                  <a:ext uri="{FF2B5EF4-FFF2-40B4-BE49-F238E27FC236}">
+                    <a16:creationId xmlns:a16="http://schemas.microsoft.com/office/drawing/2014/main" xmlns="" id="{26FEAD48-C54F-4EA2-85D2-D847AE0E5FBA}"/>
+                  </a:ext>
+                </a:extLst>
+              </p:cNvPr>
+              <p:cNvSpPr/>
+              <p:nvPr/>
+            </p:nvSpPr>
+            <p:spPr>
+              <a:xfrm rot="5400000">
+                <a:off x="2927874" y="-935169"/>
+                <a:ext cx="457200" cy="4572000"/>
+              </a:xfrm>
+              <a:prstGeom prst="round2SameRect">
+                <a:avLst>
+                  <a:gd name="adj1" fmla="val 50000"/>
+                  <a:gd name="adj2" fmla="val 0"/>
+                </a:avLst>
+              </a:prstGeom>
+              <a:ln/>
+            </p:spPr>
+            <p:style>
+              <a:lnRef idx="1">
+                <a:schemeClr val="accent5"/>
+              </a:lnRef>
+              <a:fillRef idx="2">
+                <a:schemeClr val="accent5"/>
+              </a:fillRef>
+              <a:effectRef idx="1">
+                <a:schemeClr val="accent5"/>
+              </a:effectRef>
+              <a:fontRef idx="minor">
+                <a:schemeClr val="dk1"/>
+              </a:fontRef>
+            </p:style>
+            <p:txBody>
+              <a:bodyPr tIns="0" bIns="0" rtlCol="0" anchor="ctr"/>
+              <a:lstStyle/>
+              <a:p>
+                <a:pPr algn="ctr"/>
+                <a:endParaRPr lang="en-ID" dirty="0"/>
+              </a:p>
+            </p:txBody>
+          </p:sp>
+          <p:sp>
+            <p:nvSpPr>
+              <p:cNvPr id="29" name="TextBox 28">
+                <a:extLst>
+                  <a:ext uri="{FF2B5EF4-FFF2-40B4-BE49-F238E27FC236}">
+                    <a16:creationId xmlns="" xmlns:a16="http://schemas.microsoft.com/office/drawing/2014/main" id="{37617BA8-4B08-4BF4-9472-C431DF73FFEC}"/>
+                  </a:ext>
+                </a:extLst>
+              </p:cNvPr>
+              <p:cNvSpPr txBox="1"/>
+              <p:nvPr/>
+            </p:nvSpPr>
+            <p:spPr>
+              <a:xfrm>
+                <a:off x="937803" y="1152711"/>
+                <a:ext cx="2818833" cy="515085"/>
+              </a:xfrm>
+              <a:prstGeom prst="rect">
+                <a:avLst/>
+              </a:prstGeom>
+              <a:noFill/>
+              <a:ln>
+                <a:noFill/>
+              </a:ln>
+            </p:spPr>
+            <p:style>
+              <a:lnRef idx="1">
+                <a:schemeClr val="accent5"/>
+              </a:lnRef>
+              <a:fillRef idx="2">
+                <a:schemeClr val="accent5"/>
+              </a:fillRef>
+              <a:effectRef idx="1">
+                <a:schemeClr val="accent5"/>
+              </a:effectRef>
+              <a:fontRef idx="minor">
+                <a:schemeClr val="dk1"/>
+              </a:fontRef>
+            </p:style>
+            <p:txBody>
+              <a:bodyPr wrap="square" lIns="0" tIns="0" rIns="0" bIns="0" rtlCol="0">
+                <a:spAutoFit/>
+              </a:bodyPr>
+              <a:lstStyle/>
+              <a:p>
+                <a:r>
+                  <a:rPr lang="en-US" sz="2000" b="1" dirty="0">
+                    <a:solidFill>
+                      <a:srgbClr val="115EC7"/>
+                    </a:solidFill>
+                  </a:rPr>
+                  <a:t>Printing items</a:t>
+                </a:r>
+              </a:p>
+              <a:p>
+                <a:endParaRPr lang="en-ID" sz="2000" b="1" dirty="0">
+                  <a:solidFill>
+                    <a:srgbClr val="115EC7"/>
+                  </a:solidFill>
+                </a:endParaRPr>
+              </a:p>
+            </p:txBody>
+          </p:sp>
+        </p:grpSp>
+        <p:grpSp>
+          <p:nvGrpSpPr>
+            <p:cNvPr id="10" name="Group 9"/>
+            <p:cNvGrpSpPr/>
+            <p:nvPr/>
+          </p:nvGrpSpPr>
+          <p:grpSpPr>
+            <a:xfrm>
+              <a:off x="1814004" y="3235804"/>
+              <a:ext cx="4572000" cy="600120"/>
+              <a:chOff x="870474" y="1122231"/>
+              <a:chExt cx="4572000" cy="545564"/>
+            </a:xfrm>
+          </p:grpSpPr>
+          <p:sp>
+            <p:nvSpPr>
+              <p:cNvPr id="26" name="Rectangle: Top Corners Rounded 69">
+                <a:extLst>
+                  <a:ext uri="{FF2B5EF4-FFF2-40B4-BE49-F238E27FC236}">
+                    <a16:creationId xmlns:a16="http://schemas.microsoft.com/office/drawing/2014/main" xmlns="" id="{26FEAD48-C54F-4EA2-85D2-D847AE0E5FBA}"/>
+                  </a:ext>
+                </a:extLst>
+              </p:cNvPr>
+              <p:cNvSpPr/>
+              <p:nvPr/>
+            </p:nvSpPr>
+            <p:spPr>
+              <a:xfrm rot="5400000">
+                <a:off x="2927874" y="-935169"/>
+                <a:ext cx="457200" cy="4572000"/>
+              </a:xfrm>
+              <a:prstGeom prst="round2SameRect">
+                <a:avLst>
+                  <a:gd name="adj1" fmla="val 50000"/>
+                  <a:gd name="adj2" fmla="val 0"/>
+                </a:avLst>
+              </a:prstGeom>
+              <a:ln/>
+            </p:spPr>
+            <p:style>
+              <a:lnRef idx="1">
+                <a:schemeClr val="accent5"/>
+              </a:lnRef>
+              <a:fillRef idx="2">
+                <a:schemeClr val="accent5"/>
+              </a:fillRef>
+              <a:effectRef idx="1">
+                <a:schemeClr val="accent5"/>
+              </a:effectRef>
+              <a:fontRef idx="minor">
+                <a:schemeClr val="dk1"/>
+              </a:fontRef>
+            </p:style>
+            <p:txBody>
+              <a:bodyPr tIns="0" bIns="0" rtlCol="0" anchor="ctr"/>
+              <a:lstStyle/>
+              <a:p>
+                <a:pPr algn="ctr"/>
+                <a:endParaRPr lang="en-ID" dirty="0"/>
+              </a:p>
+            </p:txBody>
+          </p:sp>
+          <p:sp>
+            <p:nvSpPr>
+              <p:cNvPr id="27" name="TextBox 26">
+                <a:extLst>
+                  <a:ext uri="{FF2B5EF4-FFF2-40B4-BE49-F238E27FC236}">
+                    <a16:creationId xmlns="" xmlns:a16="http://schemas.microsoft.com/office/drawing/2014/main" id="{37617BA8-4B08-4BF4-9472-C431DF73FFEC}"/>
+                  </a:ext>
+                </a:extLst>
+              </p:cNvPr>
+              <p:cNvSpPr txBox="1"/>
+              <p:nvPr/>
+            </p:nvSpPr>
+            <p:spPr>
+              <a:xfrm>
+                <a:off x="937803" y="1152710"/>
+                <a:ext cx="2818833" cy="515085"/>
+              </a:xfrm>
+              <a:prstGeom prst="rect">
+                <a:avLst/>
+              </a:prstGeom>
+              <a:noFill/>
+              <a:ln>
+                <a:noFill/>
+              </a:ln>
+            </p:spPr>
+            <p:style>
+              <a:lnRef idx="1">
+                <a:schemeClr val="accent5"/>
+              </a:lnRef>
+              <a:fillRef idx="2">
+                <a:schemeClr val="accent5"/>
+              </a:fillRef>
+              <a:effectRef idx="1">
+                <a:schemeClr val="accent5"/>
+              </a:effectRef>
+              <a:fontRef idx="minor">
+                <a:schemeClr val="dk1"/>
+              </a:fontRef>
+            </p:style>
+            <p:txBody>
+              <a:bodyPr wrap="square" lIns="0" tIns="0" rIns="0" bIns="0" rtlCol="0">
+                <a:spAutoFit/>
+              </a:bodyPr>
+              <a:lstStyle>
+                <a:defPPr>
+                  <a:defRPr lang="en-US"/>
+                </a:defPPr>
+                <a:lvl1pPr>
+                  <a:defRPr sz="2000" b="1">
+                    <a:solidFill>
+                      <a:srgbClr val="115EC7"/>
+                    </a:solidFill>
+                  </a:defRPr>
+                </a:lvl1pPr>
+              </a:lstStyle>
+              <a:p>
+                <a:r>
+                  <a:rPr lang="en-US" dirty="0"/>
+                  <a:t>Access by index</a:t>
+                </a:r>
+              </a:p>
+              <a:p>
+                <a:endParaRPr lang="en-ID" dirty="0"/>
+              </a:p>
+            </p:txBody>
+          </p:sp>
+        </p:grpSp>
+        <p:grpSp>
+          <p:nvGrpSpPr>
+            <p:cNvPr id="11" name="Group 10"/>
+            <p:cNvGrpSpPr/>
+            <p:nvPr/>
+          </p:nvGrpSpPr>
+          <p:grpSpPr>
+            <a:xfrm>
+              <a:off x="1814004" y="3784444"/>
+              <a:ext cx="4572000" cy="600120"/>
+              <a:chOff x="870474" y="1122231"/>
+              <a:chExt cx="4572000" cy="545564"/>
+            </a:xfrm>
+          </p:grpSpPr>
+          <p:sp>
+            <p:nvSpPr>
+              <p:cNvPr id="24" name="Rectangle: Top Corners Rounded 69">
+                <a:extLst>
+                  <a:ext uri="{FF2B5EF4-FFF2-40B4-BE49-F238E27FC236}">
+                    <a16:creationId xmlns:a16="http://schemas.microsoft.com/office/drawing/2014/main" xmlns="" id="{26FEAD48-C54F-4EA2-85D2-D847AE0E5FBA}"/>
+                  </a:ext>
+                </a:extLst>
+              </p:cNvPr>
+              <p:cNvSpPr/>
+              <p:nvPr/>
+            </p:nvSpPr>
+            <p:spPr>
+              <a:xfrm rot="5400000">
+                <a:off x="2927874" y="-935169"/>
+                <a:ext cx="457200" cy="4572000"/>
+              </a:xfrm>
+              <a:prstGeom prst="round2SameRect">
+                <a:avLst>
+                  <a:gd name="adj1" fmla="val 50000"/>
+                  <a:gd name="adj2" fmla="val 0"/>
+                </a:avLst>
+              </a:prstGeom>
+              <a:ln/>
+            </p:spPr>
+            <p:style>
+              <a:lnRef idx="1">
+                <a:schemeClr val="accent5"/>
+              </a:lnRef>
+              <a:fillRef idx="2">
+                <a:schemeClr val="accent5"/>
+              </a:fillRef>
+              <a:effectRef idx="1">
+                <a:schemeClr val="accent5"/>
+              </a:effectRef>
+              <a:fontRef idx="minor">
+                <a:schemeClr val="dk1"/>
+              </a:fontRef>
+            </p:style>
+            <p:txBody>
+              <a:bodyPr tIns="0" bIns="0" rtlCol="0" anchor="ctr"/>
+              <a:lstStyle/>
+              <a:p>
+                <a:pPr algn="ctr"/>
+                <a:endParaRPr lang="en-ID" dirty="0"/>
+              </a:p>
+            </p:txBody>
+          </p:sp>
+          <p:sp>
+            <p:nvSpPr>
+              <p:cNvPr id="25" name="TextBox 24">
+                <a:extLst>
+                  <a:ext uri="{FF2B5EF4-FFF2-40B4-BE49-F238E27FC236}">
+                    <a16:creationId xmlns="" xmlns:a16="http://schemas.microsoft.com/office/drawing/2014/main" id="{37617BA8-4B08-4BF4-9472-C431DF73FFEC}"/>
+                  </a:ext>
+                </a:extLst>
+              </p:cNvPr>
+              <p:cNvSpPr txBox="1"/>
+              <p:nvPr/>
+            </p:nvSpPr>
+            <p:spPr>
+              <a:xfrm>
+                <a:off x="937803" y="1152710"/>
+                <a:ext cx="2818833" cy="515085"/>
+              </a:xfrm>
+              <a:prstGeom prst="rect">
+                <a:avLst/>
+              </a:prstGeom>
+              <a:noFill/>
+              <a:ln>
+                <a:noFill/>
+              </a:ln>
+            </p:spPr>
+            <p:style>
+              <a:lnRef idx="1">
+                <a:schemeClr val="accent5"/>
+              </a:lnRef>
+              <a:fillRef idx="2">
+                <a:schemeClr val="accent5"/>
+              </a:fillRef>
+              <a:effectRef idx="1">
+                <a:schemeClr val="accent5"/>
+              </a:effectRef>
+              <a:fontRef idx="minor">
+                <a:schemeClr val="dk1"/>
+              </a:fontRef>
+            </p:style>
+            <p:txBody>
+              <a:bodyPr wrap="square" lIns="0" tIns="0" rIns="0" bIns="0" rtlCol="0">
+                <a:spAutoFit/>
+              </a:bodyPr>
+              <a:lstStyle>
+                <a:defPPr>
+                  <a:defRPr lang="en-US"/>
+                </a:defPPr>
+                <a:lvl1pPr>
+                  <a:defRPr sz="2000" b="1">
+                    <a:solidFill>
+                      <a:srgbClr val="115EC7"/>
+                    </a:solidFill>
+                  </a:defRPr>
+                </a:lvl1pPr>
+              </a:lstStyle>
+              <a:p>
+                <a:r>
+                  <a:rPr lang="en-US" dirty="0"/>
+                  <a:t>len() function</a:t>
+                </a:r>
+              </a:p>
+              <a:p>
+                <a:endParaRPr lang="en-ID" dirty="0"/>
+              </a:p>
+            </p:txBody>
+          </p:sp>
+        </p:grpSp>
+        <p:grpSp>
+          <p:nvGrpSpPr>
+            <p:cNvPr id="15" name="Group 14"/>
+            <p:cNvGrpSpPr/>
+            <p:nvPr/>
+          </p:nvGrpSpPr>
+          <p:grpSpPr>
+            <a:xfrm>
+              <a:off x="1814004" y="4348326"/>
+              <a:ext cx="4572000" cy="600122"/>
+              <a:chOff x="870474" y="1122231"/>
+              <a:chExt cx="4572000" cy="545565"/>
+            </a:xfrm>
+          </p:grpSpPr>
+          <p:sp>
+            <p:nvSpPr>
+              <p:cNvPr id="22" name="Rectangle: Top Corners Rounded 69">
+                <a:extLst>
+                  <a:ext uri="{FF2B5EF4-FFF2-40B4-BE49-F238E27FC236}">
+                    <a16:creationId xmlns:a16="http://schemas.microsoft.com/office/drawing/2014/main" xmlns="" id="{26FEAD48-C54F-4EA2-85D2-D847AE0E5FBA}"/>
+                  </a:ext>
+                </a:extLst>
+              </p:cNvPr>
+              <p:cNvSpPr/>
+              <p:nvPr/>
+            </p:nvSpPr>
+            <p:spPr>
+              <a:xfrm rot="5400000">
+                <a:off x="2927874" y="-935169"/>
+                <a:ext cx="457200" cy="4572000"/>
+              </a:xfrm>
+              <a:prstGeom prst="round2SameRect">
+                <a:avLst>
+                  <a:gd name="adj1" fmla="val 50000"/>
+                  <a:gd name="adj2" fmla="val 0"/>
+                </a:avLst>
+              </a:prstGeom>
+              <a:ln/>
+            </p:spPr>
+            <p:style>
+              <a:lnRef idx="1">
+                <a:schemeClr val="accent5"/>
+              </a:lnRef>
+              <a:fillRef idx="2">
+                <a:schemeClr val="accent5"/>
+              </a:fillRef>
+              <a:effectRef idx="1">
+                <a:schemeClr val="accent5"/>
+              </a:effectRef>
+              <a:fontRef idx="minor">
+                <a:schemeClr val="dk1"/>
+              </a:fontRef>
+            </p:style>
+            <p:txBody>
+              <a:bodyPr tIns="0" bIns="0" rtlCol="0" anchor="ctr"/>
+              <a:lstStyle/>
+              <a:p>
+                <a:pPr algn="ctr"/>
+                <a:endParaRPr lang="en-ID" dirty="0"/>
+              </a:p>
+            </p:txBody>
+          </p:sp>
+          <p:sp>
+            <p:nvSpPr>
+              <p:cNvPr id="23" name="TextBox 22">
+                <a:extLst>
+                  <a:ext uri="{FF2B5EF4-FFF2-40B4-BE49-F238E27FC236}">
+                    <a16:creationId xmlns="" xmlns:a16="http://schemas.microsoft.com/office/drawing/2014/main" id="{37617BA8-4B08-4BF4-9472-C431DF73FFEC}"/>
+                  </a:ext>
+                </a:extLst>
+              </p:cNvPr>
+              <p:cNvSpPr txBox="1"/>
+              <p:nvPr/>
+            </p:nvSpPr>
+            <p:spPr>
+              <a:xfrm>
+                <a:off x="937803" y="1152711"/>
+                <a:ext cx="2818833" cy="515085"/>
+              </a:xfrm>
+              <a:prstGeom prst="rect">
+                <a:avLst/>
+              </a:prstGeom>
+              <a:noFill/>
+              <a:ln>
+                <a:noFill/>
+              </a:ln>
+            </p:spPr>
+            <p:style>
+              <a:lnRef idx="1">
+                <a:schemeClr val="accent5"/>
+              </a:lnRef>
+              <a:fillRef idx="2">
+                <a:schemeClr val="accent5"/>
+              </a:fillRef>
+              <a:effectRef idx="1">
+                <a:schemeClr val="accent5"/>
+              </a:effectRef>
+              <a:fontRef idx="minor">
+                <a:schemeClr val="dk1"/>
+              </a:fontRef>
+            </p:style>
+            <p:txBody>
+              <a:bodyPr wrap="square" lIns="0" tIns="0" rIns="0" bIns="0" rtlCol="0">
+                <a:spAutoFit/>
+              </a:bodyPr>
+              <a:lstStyle>
+                <a:defPPr>
+                  <a:defRPr lang="en-US"/>
+                </a:defPPr>
+                <a:lvl1pPr>
+                  <a:defRPr sz="2000" b="1">
+                    <a:solidFill>
+                      <a:srgbClr val="115EC7"/>
+                    </a:solidFill>
+                  </a:defRPr>
+                </a:lvl1pPr>
+              </a:lstStyle>
+              <a:p>
+                <a:r>
+                  <a:rPr lang="en-US" dirty="0"/>
+                  <a:t>remove() function</a:t>
+                </a:r>
+              </a:p>
+              <a:p>
+                <a:endParaRPr lang="en-ID" dirty="0"/>
+              </a:p>
+            </p:txBody>
+          </p:sp>
+        </p:grpSp>
+        <p:grpSp>
+          <p:nvGrpSpPr>
+            <p:cNvPr id="16" name="Group 15"/>
+            <p:cNvGrpSpPr/>
+            <p:nvPr/>
+          </p:nvGrpSpPr>
+          <p:grpSpPr>
+            <a:xfrm>
+              <a:off x="1814004" y="4912204"/>
+              <a:ext cx="4572000" cy="600119"/>
+              <a:chOff x="870474" y="1122231"/>
+              <a:chExt cx="4572000" cy="545563"/>
+            </a:xfrm>
+          </p:grpSpPr>
+          <p:sp>
+            <p:nvSpPr>
+              <p:cNvPr id="20" name="Rectangle: Top Corners Rounded 69">
+                <a:extLst>
+                  <a:ext uri="{FF2B5EF4-FFF2-40B4-BE49-F238E27FC236}">
+                    <a16:creationId xmlns:a16="http://schemas.microsoft.com/office/drawing/2014/main" xmlns="" id="{26FEAD48-C54F-4EA2-85D2-D847AE0E5FBA}"/>
+                  </a:ext>
+                </a:extLst>
+              </p:cNvPr>
+              <p:cNvSpPr/>
+              <p:nvPr/>
+            </p:nvSpPr>
+            <p:spPr>
+              <a:xfrm rot="5400000">
+                <a:off x="2927874" y="-935169"/>
+                <a:ext cx="457200" cy="4572000"/>
+              </a:xfrm>
+              <a:prstGeom prst="round2SameRect">
+                <a:avLst>
+                  <a:gd name="adj1" fmla="val 50000"/>
+                  <a:gd name="adj2" fmla="val 0"/>
+                </a:avLst>
+              </a:prstGeom>
+              <a:ln/>
+            </p:spPr>
+            <p:style>
+              <a:lnRef idx="1">
+                <a:schemeClr val="accent5"/>
+              </a:lnRef>
+              <a:fillRef idx="2">
+                <a:schemeClr val="accent5"/>
+              </a:fillRef>
+              <a:effectRef idx="1">
+                <a:schemeClr val="accent5"/>
+              </a:effectRef>
+              <a:fontRef idx="minor">
+                <a:schemeClr val="dk1"/>
+              </a:fontRef>
+            </p:style>
+            <p:txBody>
+              <a:bodyPr tIns="0" bIns="0" rtlCol="0" anchor="ctr"/>
+              <a:lstStyle/>
+              <a:p>
+                <a:pPr algn="ctr"/>
+                <a:endParaRPr lang="en-ID" dirty="0"/>
+              </a:p>
+            </p:txBody>
+          </p:sp>
+          <p:sp>
+            <p:nvSpPr>
+              <p:cNvPr id="21" name="TextBox 20">
+                <a:extLst>
+                  <a:ext uri="{FF2B5EF4-FFF2-40B4-BE49-F238E27FC236}">
+                    <a16:creationId xmlns="" xmlns:a16="http://schemas.microsoft.com/office/drawing/2014/main" id="{37617BA8-4B08-4BF4-9472-C431DF73FFEC}"/>
+                  </a:ext>
+                </a:extLst>
+              </p:cNvPr>
+              <p:cNvSpPr txBox="1"/>
+              <p:nvPr/>
+            </p:nvSpPr>
+            <p:spPr>
+              <a:xfrm>
+                <a:off x="937803" y="1152709"/>
+                <a:ext cx="2818833" cy="515085"/>
+              </a:xfrm>
+              <a:prstGeom prst="rect">
+                <a:avLst/>
+              </a:prstGeom>
+              <a:noFill/>
+              <a:ln>
+                <a:noFill/>
+              </a:ln>
+            </p:spPr>
+            <p:style>
+              <a:lnRef idx="1">
+                <a:schemeClr val="accent5"/>
+              </a:lnRef>
+              <a:fillRef idx="2">
+                <a:schemeClr val="accent5"/>
+              </a:fillRef>
+              <a:effectRef idx="1">
+                <a:schemeClr val="accent5"/>
+              </a:effectRef>
+              <a:fontRef idx="minor">
+                <a:schemeClr val="dk1"/>
+              </a:fontRef>
+            </p:style>
+            <p:txBody>
+              <a:bodyPr wrap="square" lIns="0" tIns="0" rIns="0" bIns="0" rtlCol="0">
+                <a:spAutoFit/>
+              </a:bodyPr>
+              <a:lstStyle>
+                <a:defPPr>
+                  <a:defRPr lang="en-US"/>
+                </a:defPPr>
+                <a:lvl1pPr>
+                  <a:defRPr sz="2000" b="1">
+                    <a:solidFill>
+                      <a:srgbClr val="115EC7"/>
+                    </a:solidFill>
+                  </a:defRPr>
+                </a:lvl1pPr>
+              </a:lstStyle>
+              <a:p>
+                <a:r>
+                  <a:rPr lang="en-US" dirty="0"/>
+                  <a:t>append() function</a:t>
+                </a:r>
+              </a:p>
+              <a:p>
+                <a:endParaRPr lang="en-ID" dirty="0"/>
+              </a:p>
+            </p:txBody>
+          </p:sp>
+        </p:grpSp>
+        <p:grpSp>
+          <p:nvGrpSpPr>
+            <p:cNvPr id="17" name="Group 16"/>
+            <p:cNvGrpSpPr/>
+            <p:nvPr/>
+          </p:nvGrpSpPr>
+          <p:grpSpPr>
+            <a:xfrm>
+              <a:off x="1814004" y="5476086"/>
+              <a:ext cx="4572000" cy="600122"/>
+              <a:chOff x="870474" y="1122231"/>
+              <a:chExt cx="4572000" cy="545565"/>
+            </a:xfrm>
+          </p:grpSpPr>
+          <p:sp>
+            <p:nvSpPr>
+              <p:cNvPr id="18" name="Rectangle: Top Corners Rounded 69">
+                <a:extLst>
+                  <a:ext uri="{FF2B5EF4-FFF2-40B4-BE49-F238E27FC236}">
+                    <a16:creationId xmlns:a16="http://schemas.microsoft.com/office/drawing/2014/main" xmlns="" id="{26FEAD48-C54F-4EA2-85D2-D847AE0E5FBA}"/>
+                  </a:ext>
+                </a:extLst>
+              </p:cNvPr>
+              <p:cNvSpPr/>
+              <p:nvPr/>
+            </p:nvSpPr>
+            <p:spPr>
+              <a:xfrm rot="5400000">
+                <a:off x="2927874" y="-935169"/>
+                <a:ext cx="457200" cy="4572000"/>
+              </a:xfrm>
+              <a:prstGeom prst="round2SameRect">
+                <a:avLst>
+                  <a:gd name="adj1" fmla="val 50000"/>
+                  <a:gd name="adj2" fmla="val 0"/>
+                </a:avLst>
+              </a:prstGeom>
+              <a:ln/>
+            </p:spPr>
+            <p:style>
+              <a:lnRef idx="1">
+                <a:schemeClr val="accent5"/>
+              </a:lnRef>
+              <a:fillRef idx="2">
+                <a:schemeClr val="accent5"/>
+              </a:fillRef>
+              <a:effectRef idx="1">
+                <a:schemeClr val="accent5"/>
+              </a:effectRef>
+              <a:fontRef idx="minor">
+                <a:schemeClr val="dk1"/>
+              </a:fontRef>
+            </p:style>
+            <p:txBody>
+              <a:bodyPr tIns="0" bIns="0" rtlCol="0" anchor="ctr"/>
+              <a:lstStyle/>
+              <a:p>
+                <a:pPr algn="ctr"/>
+                <a:endParaRPr lang="en-ID" dirty="0"/>
+              </a:p>
+            </p:txBody>
+          </p:sp>
+          <p:sp>
+            <p:nvSpPr>
+              <p:cNvPr id="19" name="TextBox 18">
+                <a:extLst>
+                  <a:ext uri="{FF2B5EF4-FFF2-40B4-BE49-F238E27FC236}">
+                    <a16:creationId xmlns="" xmlns:a16="http://schemas.microsoft.com/office/drawing/2014/main" id="{37617BA8-4B08-4BF4-9472-C431DF73FFEC}"/>
+                  </a:ext>
+                </a:extLst>
+              </p:cNvPr>
+              <p:cNvSpPr txBox="1"/>
+              <p:nvPr/>
+            </p:nvSpPr>
+            <p:spPr>
+              <a:xfrm>
+                <a:off x="937803" y="1152711"/>
+                <a:ext cx="2818833" cy="515085"/>
+              </a:xfrm>
+              <a:prstGeom prst="rect">
+                <a:avLst/>
+              </a:prstGeom>
+              <a:noFill/>
+              <a:ln>
+                <a:noFill/>
+              </a:ln>
+            </p:spPr>
+            <p:style>
+              <a:lnRef idx="1">
+                <a:schemeClr val="accent5"/>
+              </a:lnRef>
+              <a:fillRef idx="2">
+                <a:schemeClr val="accent5"/>
+              </a:fillRef>
+              <a:effectRef idx="1">
+                <a:schemeClr val="accent5"/>
+              </a:effectRef>
+              <a:fontRef idx="minor">
+                <a:schemeClr val="dk1"/>
+              </a:fontRef>
+            </p:style>
+            <p:txBody>
+              <a:bodyPr wrap="square" lIns="0" tIns="0" rIns="0" bIns="0" rtlCol="0">
+                <a:spAutoFit/>
+              </a:bodyPr>
+              <a:lstStyle>
+                <a:defPPr>
+                  <a:defRPr lang="en-US"/>
+                </a:defPPr>
+                <a:lvl1pPr>
+                  <a:defRPr sz="2000" b="1">
+                    <a:solidFill>
+                      <a:srgbClr val="115EC7"/>
+                    </a:solidFill>
+                  </a:defRPr>
+                </a:lvl1pPr>
+              </a:lstStyle>
+              <a:p>
+                <a:r>
+                  <a:rPr lang="en-US" dirty="0"/>
+                  <a:t>Insert(</a:t>
+                </a:r>
+                <a:r>
+                  <a:rPr lang="en-US" dirty="0" err="1"/>
+                  <a:t>index,object</a:t>
+                </a:r>
+                <a:r>
+                  <a:rPr lang="en-US" dirty="0"/>
+                  <a:t>)</a:t>
+                </a:r>
+              </a:p>
+              <a:p>
+                <a:endParaRPr lang="en-ID" dirty="0"/>
+              </a:p>
+            </p:txBody>
+          </p:sp>
+        </p:grpSp>
+      </p:grpSp>
+      <p:sp>
+        <p:nvSpPr>
+          <p:cNvPr id="34" name="TextBox 33">
+            <a:extLst>
+              <a:ext uri="{FF2B5EF4-FFF2-40B4-BE49-F238E27FC236}">
+                <a16:creationId xmlns:a16="http://schemas.microsoft.com/office/drawing/2014/main" xmlns="" id="{024BFC35-B5E8-4439-83D0-19E2AFB2B4E7}"/>
+              </a:ext>
+            </a:extLst>
+          </p:cNvPr>
+          <p:cNvSpPr txBox="1"/>
+          <p:nvPr/>
+        </p:nvSpPr>
+        <p:spPr>
+          <a:xfrm>
+            <a:off x="467916" y="500840"/>
+            <a:ext cx="7990279" cy="615553"/>
+          </a:xfrm>
+          <a:prstGeom prst="rect">
+            <a:avLst/>
+          </a:prstGeom>
+          <a:noFill/>
+        </p:spPr>
+        <p:txBody>
+          <a:bodyPr wrap="square" lIns="0" tIns="0" rIns="0" bIns="0" rtlCol="0">
+            <a:spAutoFit/>
+          </a:bodyPr>
+          <a:lstStyle/>
+          <a:p>
+            <a:r>
+              <a:rPr lang="en-US" sz="4000" b="1" dirty="0">
+                <a:solidFill>
+                  <a:srgbClr val="115EC7"/>
+                </a:solidFill>
+              </a:rPr>
+              <a:t>Lists</a:t>
+            </a:r>
+            <a:endParaRPr lang="en-ID" sz="4000" b="1" dirty="0">
+              <a:solidFill>
+                <a:srgbClr val="115EC7"/>
+              </a:solidFill>
+            </a:endParaRPr>
+          </a:p>
+        </p:txBody>
+      </p:sp>
+      <p:grpSp>
+        <p:nvGrpSpPr>
+          <p:cNvPr id="36" name="Group 35">
+            <a:extLst>
+              <a:ext uri="{FF2B5EF4-FFF2-40B4-BE49-F238E27FC236}">
+                <a16:creationId xmlns:a16="http://schemas.microsoft.com/office/drawing/2014/main" xmlns="" id="{5D8DE4FD-E6D1-4C54-B938-C6F866A57542}"/>
+              </a:ext>
+            </a:extLst>
+          </p:cNvPr>
+          <p:cNvGrpSpPr/>
+          <p:nvPr/>
+        </p:nvGrpSpPr>
+        <p:grpSpPr>
+          <a:xfrm>
+            <a:off x="467915" y="1134412"/>
+            <a:ext cx="271704" cy="73025"/>
+            <a:chOff x="7340600" y="4686300"/>
+            <a:chExt cx="504030" cy="101600"/>
+          </a:xfrm>
+          <a:solidFill>
+            <a:srgbClr val="5EE2B1"/>
+          </a:solidFill>
+        </p:grpSpPr>
+        <p:sp>
+          <p:nvSpPr>
+            <p:cNvPr id="37" name="Oval 36">
+              <a:extLst>
+                <a:ext uri="{FF2B5EF4-FFF2-40B4-BE49-F238E27FC236}">
+                  <a16:creationId xmlns:a16="http://schemas.microsoft.com/office/drawing/2014/main" xmlns="" id="{455DBA60-1427-45CD-9944-E2F57D44E38D}"/>
+                </a:ext>
+              </a:extLst>
+            </p:cNvPr>
+            <p:cNvSpPr/>
+            <p:nvPr/>
+          </p:nvSpPr>
+          <p:spPr>
+            <a:xfrm>
+              <a:off x="7340600" y="4686300"/>
+              <a:ext cx="101600" cy="101600"/>
+            </a:xfrm>
+            <a:prstGeom prst="ellipse">
+              <a:avLst/>
+            </a:prstGeom>
+            <a:grpFill/>
+            <a:ln w="9525">
+              <a:noFill/>
+            </a:ln>
+          </p:spPr>
+          <p:style>
+            <a:lnRef idx="2">
+              <a:schemeClr val="accent1">
+                <a:shade val="50000"/>
+              </a:schemeClr>
+            </a:lnRef>
+            <a:fillRef idx="1">
+              <a:schemeClr val="accent1"/>
+            </a:fillRef>
+            <a:effectRef idx="0">
+              <a:schemeClr val="accent1"/>
+            </a:effectRef>
+            <a:fontRef idx="minor">
+              <a:schemeClr val="lt1"/>
+            </a:fontRef>
+          </p:style>
+          <p:txBody>
+            <a:bodyPr rtlCol="0" anchor="ctr"/>
+            <a:lstStyle/>
+            <a:p>
+              <a:pPr algn="ctr"/>
+              <a:endParaRPr lang="en-ID"/>
+            </a:p>
+          </p:txBody>
+        </p:sp>
+        <p:sp>
+          <p:nvSpPr>
+            <p:cNvPr id="38" name="Oval 37">
+              <a:extLst>
+                <a:ext uri="{FF2B5EF4-FFF2-40B4-BE49-F238E27FC236}">
+                  <a16:creationId xmlns:a16="http://schemas.microsoft.com/office/drawing/2014/main" xmlns="" id="{A9BB70D0-8988-49AE-B212-B65BB6ABD56E}"/>
+                </a:ext>
+              </a:extLst>
+            </p:cNvPr>
+            <p:cNvSpPr/>
+            <p:nvPr/>
+          </p:nvSpPr>
+          <p:spPr>
+            <a:xfrm>
+              <a:off x="7541815" y="4686300"/>
+              <a:ext cx="101600" cy="101600"/>
+            </a:xfrm>
+            <a:prstGeom prst="ellipse">
+              <a:avLst/>
+            </a:prstGeom>
+            <a:grpFill/>
+            <a:ln w="9525">
+              <a:noFill/>
+            </a:ln>
+          </p:spPr>
+          <p:style>
+            <a:lnRef idx="2">
+              <a:schemeClr val="accent1">
+                <a:shade val="50000"/>
+              </a:schemeClr>
+            </a:lnRef>
+            <a:fillRef idx="1">
+              <a:schemeClr val="accent1"/>
+            </a:fillRef>
+            <a:effectRef idx="0">
+              <a:schemeClr val="accent1"/>
+            </a:effectRef>
+            <a:fontRef idx="minor">
+              <a:schemeClr val="lt1"/>
+            </a:fontRef>
+          </p:style>
+          <p:txBody>
+            <a:bodyPr rtlCol="0" anchor="ctr"/>
+            <a:lstStyle/>
+            <a:p>
+              <a:pPr algn="ctr"/>
+              <a:endParaRPr lang="en-ID"/>
+            </a:p>
+          </p:txBody>
+        </p:sp>
+        <p:sp>
+          <p:nvSpPr>
+            <p:cNvPr id="39" name="Oval 38">
+              <a:extLst>
+                <a:ext uri="{FF2B5EF4-FFF2-40B4-BE49-F238E27FC236}">
+                  <a16:creationId xmlns:a16="http://schemas.microsoft.com/office/drawing/2014/main" xmlns="" id="{90784469-927E-4927-AEBC-C484D3B27A7F}"/>
+                </a:ext>
+              </a:extLst>
+            </p:cNvPr>
+            <p:cNvSpPr/>
+            <p:nvPr/>
+          </p:nvSpPr>
+          <p:spPr>
+            <a:xfrm>
+              <a:off x="7743030" y="4686300"/>
+              <a:ext cx="101600" cy="101600"/>
+            </a:xfrm>
+            <a:prstGeom prst="ellipse">
+              <a:avLst/>
+            </a:prstGeom>
+            <a:grpFill/>
+            <a:ln w="9525">
+              <a:noFill/>
+            </a:ln>
+          </p:spPr>
+          <p:style>
+            <a:lnRef idx="2">
+              <a:schemeClr val="accent1">
+                <a:shade val="50000"/>
+              </a:schemeClr>
+            </a:lnRef>
+            <a:fillRef idx="1">
+              <a:schemeClr val="accent1"/>
+            </a:fillRef>
+            <a:effectRef idx="0">
+              <a:schemeClr val="accent1"/>
+            </a:effectRef>
+            <a:fontRef idx="minor">
+              <a:schemeClr val="lt1"/>
+            </a:fontRef>
+          </p:style>
+          <p:txBody>
+            <a:bodyPr rtlCol="0" anchor="ctr"/>
+            <a:lstStyle/>
+            <a:p>
+              <a:pPr algn="ctr"/>
+              <a:endParaRPr lang="en-ID"/>
+            </a:p>
+          </p:txBody>
+        </p:sp>
+      </p:grpSp>
+      <p:pic>
+        <p:nvPicPr>
+          <p:cNvPr id="40" name="Picture 9" descr="C:\Users\hi\Desktop\1.png"/>
+          <p:cNvPicPr>
+            <a:picLocks noChangeAspect="1" noChangeArrowheads="1"/>
+          </p:cNvPicPr>
+          <p:nvPr/>
+        </p:nvPicPr>
+        <p:blipFill>
+          <a:blip r:embed="rId3"/>
+          <a:srcRect/>
+          <a:stretch>
+            <a:fillRect/>
+          </a:stretch>
+        </p:blipFill>
+        <p:spPr bwMode="auto">
+          <a:xfrm>
+            <a:off x="7772400" y="5867400"/>
+            <a:ext cx="523875" cy="523875"/>
+          </a:xfrm>
+          <a:prstGeom prst="rect">
+            <a:avLst/>
+          </a:prstGeom>
+          <a:noFill/>
+        </p:spPr>
+      </p:pic>
+      <p:pic>
+        <p:nvPicPr>
+          <p:cNvPr id="41" name="Picture 10" descr="C:\Users\hi\Desktop\2.png"/>
+          <p:cNvPicPr>
+            <a:picLocks noChangeAspect="1" noChangeArrowheads="1"/>
+          </p:cNvPicPr>
+          <p:nvPr/>
+        </p:nvPicPr>
+        <p:blipFill>
+          <a:blip r:embed="rId4"/>
+          <a:srcRect/>
+          <a:stretch>
+            <a:fillRect/>
+          </a:stretch>
+        </p:blipFill>
+        <p:spPr bwMode="auto">
+          <a:xfrm>
+            <a:off x="6096000" y="6353175"/>
+            <a:ext cx="2324100" cy="504825"/>
+          </a:xfrm>
+          <a:prstGeom prst="rect">
+            <a:avLst/>
+          </a:prstGeom>
+          <a:noFill/>
+        </p:spPr>
+      </p:pic>
+    </p:spTree>
+    <p:extLst>
+      <p:ext uri="{BB962C8B-B14F-4D97-AF65-F5344CB8AC3E}">
+        <p14:creationId xmlns="" xmlns:p14="http://schemas.microsoft.com/office/powerpoint/2010/main" val="690575643"/>
+      </p:ext>
+    </p:extLst>
+  </p:cSld>
+  <p:clrMapOvr>
+    <a:masterClrMapping/>
+  </p:clrMapOvr>
+  <p:timing>
+    <p:tnLst>
+      <p:par>
+        <p:cTn id="1" dur="indefinite" restart="never" nodeType="tmRoot"/>
+      </p:par>
+    </p:tnLst>
+  </p:timing>
+</p:sld>
+</file>
+
+<file path=ppt/slides/slide11.xml><?xml version="1.0" encoding="utf-8"?>
+<p:sld xmlns:a="http://schemas.openxmlformats.org/drawingml/2006/main" xmlns:r="http://schemas.openxmlformats.org/officeDocument/2006/relationships" xmlns:p="http://schemas.openxmlformats.org/presentationml/2006/main">
+  <p:cSld>
+    <p:spTree>
+      <p:nvGrpSpPr>
+        <p:cNvPr id="1" name=""/>
+        <p:cNvGrpSpPr/>
+        <p:nvPr/>
+      </p:nvGrpSpPr>
+      <p:grpSpPr>
+        <a:xfrm>
+          <a:off x="0" y="0"/>
+          <a:ext cx="0" cy="0"/>
+          <a:chOff x="0" y="0"/>
+          <a:chExt cx="0" cy="0"/>
+        </a:xfrm>
+      </p:grpSpPr>
+      <p:sp>
+        <p:nvSpPr>
+          <p:cNvPr id="2027" name="Freeform: Shape 2026">
+            <a:extLst>
+              <a:ext uri="{FF2B5EF4-FFF2-40B4-BE49-F238E27FC236}">
+                <a16:creationId xmlns:a16="http://schemas.microsoft.com/office/drawing/2014/main" xmlns="" id="{EB16E126-2224-47E1-8E05-1A64845B74F2}"/>
+              </a:ext>
+            </a:extLst>
+          </p:cNvPr>
+          <p:cNvSpPr/>
+          <p:nvPr/>
+        </p:nvSpPr>
+        <p:spPr>
+          <a:xfrm>
+            <a:off x="-11196466" y="2095727"/>
+            <a:ext cx="11303" cy="15070"/>
+          </a:xfrm>
+          <a:custGeom>
+            <a:avLst/>
+            <a:gdLst/>
+            <a:ahLst/>
+            <a:cxnLst/>
+            <a:rect l="l" t="t" r="r" b="b"/>
+            <a:pathLst>
+              <a:path/>
+            </a:pathLst>
+          </a:custGeom>
+          <a:noFill/>
+          <a:ln w="15064" cap="flat">
+            <a:noFill/>
+            <a:prstDash val="solid"/>
+            <a:miter/>
+          </a:ln>
+        </p:spPr>
+        <p:txBody>
+          <a:bodyPr rtlCol="0" anchor="ctr"/>
+          <a:lstStyle/>
+          <a:p>
+            <a:endParaRPr lang="en-ID"/>
+          </a:p>
+        </p:txBody>
+      </p:sp>
+      <p:grpSp>
+        <p:nvGrpSpPr>
+          <p:cNvPr id="5" name="Group 4">
+            <a:extLst>
+              <a:ext uri="{FF2B5EF4-FFF2-40B4-BE49-F238E27FC236}">
+                <a16:creationId xmlns:a16="http://schemas.microsoft.com/office/drawing/2014/main" xmlns="" id="{3A9FF41D-44EE-4D9C-ADC1-831CAA1535C3}"/>
+              </a:ext>
+            </a:extLst>
+          </p:cNvPr>
+          <p:cNvGrpSpPr/>
+          <p:nvPr/>
+        </p:nvGrpSpPr>
+        <p:grpSpPr>
+          <a:xfrm>
+            <a:off x="5806508" y="2202653"/>
+            <a:ext cx="2869578" cy="997074"/>
+            <a:chOff x="6095998" y="2208008"/>
+            <a:chExt cx="3826104" cy="997074"/>
+          </a:xfrm>
+        </p:grpSpPr>
+        <p:sp>
+          <p:nvSpPr>
+            <p:cNvPr id="25" name="TextBox 24">
+              <a:extLst>
+                <a:ext uri="{FF2B5EF4-FFF2-40B4-BE49-F238E27FC236}">
+                  <a16:creationId xmlns:a16="http://schemas.microsoft.com/office/drawing/2014/main" xmlns="" id="{C063EEBF-654A-46E5-933D-B35C37933986}"/>
+                </a:ext>
+              </a:extLst>
+            </p:cNvPr>
+            <p:cNvSpPr txBox="1"/>
+            <p:nvPr/>
+          </p:nvSpPr>
+          <p:spPr>
+            <a:xfrm>
+              <a:off x="6096000" y="2466418"/>
+              <a:ext cx="3826102" cy="738664"/>
+            </a:xfrm>
+            <a:prstGeom prst="rect">
+              <a:avLst/>
+            </a:prstGeom>
+            <a:noFill/>
+          </p:spPr>
+          <p:txBody>
+            <a:bodyPr wrap="square" lIns="0" tIns="0" rIns="0" bIns="0" rtlCol="0">
+              <a:spAutoFit/>
+            </a:bodyPr>
+            <a:lstStyle/>
+            <a:p>
+              <a:r>
+                <a:rPr lang="en-US" sz="4800" b="1" dirty="0">
+                  <a:solidFill>
+                    <a:srgbClr val="115EC7"/>
+                  </a:solidFill>
+                </a:rPr>
+                <a:t>Thank You</a:t>
+              </a:r>
+              <a:endParaRPr lang="en-ID" sz="4800" b="1" dirty="0">
+                <a:solidFill>
+                  <a:srgbClr val="115EC7"/>
+                </a:solidFill>
+              </a:endParaRPr>
+            </a:p>
+          </p:txBody>
+        </p:sp>
+        <p:grpSp>
+          <p:nvGrpSpPr>
+            <p:cNvPr id="28" name="Group 27">
+              <a:extLst>
+                <a:ext uri="{FF2B5EF4-FFF2-40B4-BE49-F238E27FC236}">
+                  <a16:creationId xmlns:a16="http://schemas.microsoft.com/office/drawing/2014/main" xmlns="" id="{82BF499E-F381-4274-93D7-6AFECA403872}"/>
+                </a:ext>
+              </a:extLst>
+            </p:cNvPr>
+            <p:cNvGrpSpPr/>
+            <p:nvPr/>
+          </p:nvGrpSpPr>
+          <p:grpSpPr>
+            <a:xfrm>
+              <a:off x="6095998" y="2208008"/>
+              <a:ext cx="2415542" cy="73718"/>
+              <a:chOff x="6095998" y="2141926"/>
+              <a:chExt cx="2415542" cy="73718"/>
+            </a:xfrm>
+          </p:grpSpPr>
+          <p:sp>
+            <p:nvSpPr>
+              <p:cNvPr id="29" name="Rectangle: Rounded Corners 28">
+                <a:extLst>
+                  <a:ext uri="{FF2B5EF4-FFF2-40B4-BE49-F238E27FC236}">
+                    <a16:creationId xmlns:a16="http://schemas.microsoft.com/office/drawing/2014/main" xmlns="" id="{007A8125-9D7A-4999-924B-2F792D9C4BBE}"/>
+                  </a:ext>
+                </a:extLst>
+              </p:cNvPr>
+              <p:cNvSpPr/>
+              <p:nvPr/>
+            </p:nvSpPr>
+            <p:spPr>
+              <a:xfrm flipH="1">
+                <a:off x="6095998" y="2141926"/>
+                <a:ext cx="540546" cy="73718"/>
+              </a:xfrm>
+              <a:prstGeom prst="roundRect">
+                <a:avLst>
+                  <a:gd name="adj" fmla="val 50000"/>
+                </a:avLst>
+              </a:prstGeom>
+              <a:solidFill>
+                <a:srgbClr val="115EC7"/>
+              </a:solidFill>
+              <a:ln>
+                <a:noFill/>
+              </a:ln>
+            </p:spPr>
+            <p:style>
+              <a:lnRef idx="2">
+                <a:schemeClr val="accent1">
+                  <a:shade val="50000"/>
+                </a:schemeClr>
+              </a:lnRef>
+              <a:fillRef idx="1">
+                <a:schemeClr val="accent1"/>
+              </a:fillRef>
+              <a:effectRef idx="0">
+                <a:schemeClr val="accent1"/>
+              </a:effectRef>
+              <a:fontRef idx="minor">
+                <a:schemeClr val="lt1"/>
+              </a:fontRef>
+            </p:style>
+            <p:txBody>
+              <a:bodyPr rtlCol="0" anchor="ctr"/>
+              <a:lstStyle/>
+              <a:p>
+                <a:pPr algn="ctr"/>
+                <a:endParaRPr lang="en-ID" sz="1400" dirty="0">
+                  <a:solidFill>
+                    <a:srgbClr val="115EC7"/>
+                  </a:solidFill>
+                </a:endParaRPr>
+              </a:p>
+            </p:txBody>
+          </p:sp>
+          <p:cxnSp>
+            <p:nvCxnSpPr>
+              <p:cNvPr id="30" name="Straight Connector 29">
+                <a:extLst>
+                  <a:ext uri="{FF2B5EF4-FFF2-40B4-BE49-F238E27FC236}">
+                    <a16:creationId xmlns:a16="http://schemas.microsoft.com/office/drawing/2014/main" xmlns="" id="{6A775C84-AAF9-4999-BEEE-9CB0F6433497}"/>
+                  </a:ext>
+                </a:extLst>
+              </p:cNvPr>
+              <p:cNvCxnSpPr>
+                <a:cxnSpLocks/>
+                <a:stCxn id="29" idx="1"/>
+              </p:cNvCxnSpPr>
+              <p:nvPr/>
+            </p:nvCxnSpPr>
+            <p:spPr>
+              <a:xfrm>
+                <a:off x="6636544" y="2178785"/>
+                <a:ext cx="1874996" cy="0"/>
+              </a:xfrm>
+              <a:prstGeom prst="line">
+                <a:avLst/>
+              </a:prstGeom>
+              <a:ln w="6350">
+                <a:gradFill flip="none" rotWithShape="1">
+                  <a:gsLst>
+                    <a:gs pos="0">
+                      <a:srgbClr val="115EC7"/>
+                    </a:gs>
+                    <a:gs pos="100000">
+                      <a:srgbClr val="5EE2B1"/>
+                    </a:gs>
+                  </a:gsLst>
+                  <a:lin ang="0" scaled="1"/>
+                  <a:tileRect/>
+                </a:gradFill>
+                <a:tailEnd type="diamond"/>
+              </a:ln>
+            </p:spPr>
+            <p:style>
+              <a:lnRef idx="1">
+                <a:schemeClr val="accent1"/>
+              </a:lnRef>
+              <a:fillRef idx="0">
+                <a:schemeClr val="accent1"/>
+              </a:fillRef>
+              <a:effectRef idx="0">
+                <a:schemeClr val="accent1"/>
+              </a:effectRef>
+              <a:fontRef idx="minor">
+                <a:schemeClr val="tx1"/>
+              </a:fontRef>
+            </p:style>
+          </p:cxnSp>
+        </p:grpSp>
+      </p:grpSp>
+      <p:grpSp>
+        <p:nvGrpSpPr>
+          <p:cNvPr id="6" name="Group 5">
+            <a:extLst>
+              <a:ext uri="{FF2B5EF4-FFF2-40B4-BE49-F238E27FC236}">
+                <a16:creationId xmlns:a16="http://schemas.microsoft.com/office/drawing/2014/main" xmlns="" id="{D5CCD555-EDE4-4332-90D8-81E61806DB1E}"/>
+              </a:ext>
+            </a:extLst>
+          </p:cNvPr>
+          <p:cNvGrpSpPr/>
+          <p:nvPr/>
+        </p:nvGrpSpPr>
+        <p:grpSpPr>
+          <a:xfrm>
+            <a:off x="5806508" y="3347907"/>
+            <a:ext cx="271704" cy="73025"/>
+            <a:chOff x="9288257" y="5173813"/>
+            <a:chExt cx="362272" cy="73025"/>
+          </a:xfrm>
+        </p:grpSpPr>
+        <p:sp>
+          <p:nvSpPr>
+            <p:cNvPr id="35" name="Oval 34">
+              <a:extLst>
+                <a:ext uri="{FF2B5EF4-FFF2-40B4-BE49-F238E27FC236}">
+                  <a16:creationId xmlns:a16="http://schemas.microsoft.com/office/drawing/2014/main" xmlns="" id="{30633530-4923-4F2F-B22E-BD9A67F14FC8}"/>
+                </a:ext>
+              </a:extLst>
+            </p:cNvPr>
+            <p:cNvSpPr/>
+            <p:nvPr/>
+          </p:nvSpPr>
+          <p:spPr>
+            <a:xfrm>
+              <a:off x="9288257" y="5173813"/>
+              <a:ext cx="73025" cy="73025"/>
+            </a:xfrm>
+            <a:prstGeom prst="ellipse">
+              <a:avLst/>
+            </a:prstGeom>
+            <a:solidFill>
+              <a:srgbClr val="5EE2B1"/>
+            </a:solidFill>
+            <a:ln w="9525">
+              <a:noFill/>
+            </a:ln>
+          </p:spPr>
+          <p:style>
+            <a:lnRef idx="2">
+              <a:schemeClr val="accent1">
+                <a:shade val="50000"/>
+              </a:schemeClr>
+            </a:lnRef>
+            <a:fillRef idx="1">
+              <a:schemeClr val="accent1"/>
+            </a:fillRef>
+            <a:effectRef idx="0">
+              <a:schemeClr val="accent1"/>
+            </a:effectRef>
+            <a:fontRef idx="minor">
+              <a:schemeClr val="lt1"/>
+            </a:fontRef>
+          </p:style>
+          <p:txBody>
+            <a:bodyPr rtlCol="0" anchor="ctr"/>
+            <a:lstStyle/>
+            <a:p>
+              <a:pPr algn="ctr"/>
+              <a:endParaRPr lang="en-ID"/>
+            </a:p>
+          </p:txBody>
+        </p:sp>
+        <p:sp>
+          <p:nvSpPr>
+            <p:cNvPr id="36" name="Oval 35">
+              <a:extLst>
+                <a:ext uri="{FF2B5EF4-FFF2-40B4-BE49-F238E27FC236}">
+                  <a16:creationId xmlns:a16="http://schemas.microsoft.com/office/drawing/2014/main" xmlns="" id="{E0FE56E5-1737-429F-AA10-1430992A9640}"/>
+                </a:ext>
+              </a:extLst>
+            </p:cNvPr>
+            <p:cNvSpPr/>
+            <p:nvPr/>
+          </p:nvSpPr>
+          <p:spPr>
+            <a:xfrm>
+              <a:off x="9432880" y="5173813"/>
+              <a:ext cx="73025" cy="73025"/>
+            </a:xfrm>
+            <a:prstGeom prst="ellipse">
+              <a:avLst/>
+            </a:prstGeom>
+            <a:solidFill>
+              <a:srgbClr val="5EE2B1"/>
+            </a:solidFill>
+            <a:ln w="9525">
+              <a:noFill/>
+            </a:ln>
+          </p:spPr>
+          <p:style>
+            <a:lnRef idx="2">
+              <a:schemeClr val="accent1">
+                <a:shade val="50000"/>
+              </a:schemeClr>
+            </a:lnRef>
+            <a:fillRef idx="1">
+              <a:schemeClr val="accent1"/>
+            </a:fillRef>
+            <a:effectRef idx="0">
+              <a:schemeClr val="accent1"/>
+            </a:effectRef>
+            <a:fontRef idx="minor">
+              <a:schemeClr val="lt1"/>
+            </a:fontRef>
+          </p:style>
+          <p:txBody>
+            <a:bodyPr rtlCol="0" anchor="ctr"/>
+            <a:lstStyle/>
+            <a:p>
+              <a:pPr algn="ctr"/>
+              <a:endParaRPr lang="en-ID"/>
+            </a:p>
+          </p:txBody>
+        </p:sp>
+        <p:sp>
+          <p:nvSpPr>
+            <p:cNvPr id="37" name="Oval 36">
+              <a:extLst>
+                <a:ext uri="{FF2B5EF4-FFF2-40B4-BE49-F238E27FC236}">
+                  <a16:creationId xmlns:a16="http://schemas.microsoft.com/office/drawing/2014/main" xmlns="" id="{20EB77FB-BB1A-468D-AF41-1FBBA48C0A91}"/>
+                </a:ext>
+              </a:extLst>
+            </p:cNvPr>
+            <p:cNvSpPr/>
+            <p:nvPr/>
+          </p:nvSpPr>
+          <p:spPr>
+            <a:xfrm>
+              <a:off x="9577504" y="5173813"/>
+              <a:ext cx="73025" cy="73025"/>
+            </a:xfrm>
+            <a:prstGeom prst="ellipse">
+              <a:avLst/>
+            </a:prstGeom>
+            <a:solidFill>
+              <a:srgbClr val="5EE2B1"/>
+            </a:solidFill>
+            <a:ln w="9525">
+              <a:noFill/>
+            </a:ln>
+          </p:spPr>
+          <p:style>
+            <a:lnRef idx="2">
+              <a:schemeClr val="accent1">
+                <a:shade val="50000"/>
+              </a:schemeClr>
+            </a:lnRef>
+            <a:fillRef idx="1">
+              <a:schemeClr val="accent1"/>
+            </a:fillRef>
+            <a:effectRef idx="0">
+              <a:schemeClr val="accent1"/>
+            </a:effectRef>
+            <a:fontRef idx="minor">
+              <a:schemeClr val="lt1"/>
+            </a:fontRef>
+          </p:style>
+          <p:txBody>
+            <a:bodyPr rtlCol="0" anchor="ctr"/>
+            <a:lstStyle/>
+            <a:p>
+              <a:pPr algn="ctr"/>
+              <a:endParaRPr lang="en-ID"/>
+            </a:p>
+          </p:txBody>
+        </p:sp>
+      </p:grpSp>
+    </p:spTree>
+    <p:extLst>
+      <p:ext uri="{BB962C8B-B14F-4D97-AF65-F5344CB8AC3E}">
+        <p14:creationId xmlns="" xmlns:p14="http://schemas.microsoft.com/office/powerpoint/2010/main" val="1478642158"/>
+      </p:ext>
+    </p:extLst>
+  </p:cSld>
+  <p:clrMapOvr>
+    <a:masterClrMapping/>
+  </p:clrMapOvr>
+  <p:timing>
+    <p:tnLst>
+      <p:par>
+        <p:cTn id="1" dur="indefinite" restart="never" nodeType="tmRoot"/>
+      </p:par>
+    </p:tnLst>
   </p:timing>
 </p:sld>
 </file>
@@ -6831,8 +8433,8 @@
         </p:nvSpPr>
         <p:spPr>
           <a:xfrm>
-            <a:off x="467916" y="500840"/>
-            <a:ext cx="7990279" cy="615553"/>
+            <a:off x="381000" y="457200"/>
+            <a:ext cx="8153395" cy="615553"/>
           </a:xfrm>
           <a:prstGeom prst="rect">
             <a:avLst/>
@@ -7615,7 +9217,7 @@
     </p:spTree>
     <p:extLst>
       <p:ext uri="{BB962C8B-B14F-4D97-AF65-F5344CB8AC3E}">
-        <p14:creationId xmlns:p14="http://schemas.microsoft.com/office/powerpoint/2010/main" val="1146903840"/>
+        <p14:creationId xmlns="" xmlns:p14="http://schemas.microsoft.com/office/powerpoint/2010/main" val="1146903840"/>
       </p:ext>
     </p:extLst>
   </p:cSld>
@@ -7625,566 +9227,9 @@
   <p:timing>
     <p:tnLst>
       <p:par>
-        <p:cTn id="1" dur="indefinite" restart="never" nodeType="tmRoot">
-          <p:childTnLst>
-            <p:seq concurrent="1" nextAc="seek">
-              <p:cTn id="2" dur="indefinite" nodeType="mainSeq">
-                <p:childTnLst>
-                  <p:par>
-                    <p:cTn id="3" fill="hold">
-                      <p:stCondLst>
-                        <p:cond delay="indefinite"/>
-                      </p:stCondLst>
-                      <p:childTnLst>
-                        <p:par>
-                          <p:cTn id="4" fill="hold">
-                            <p:stCondLst>
-                              <p:cond delay="0"/>
-                            </p:stCondLst>
-                            <p:childTnLst>
-                              <p:par>
-                                <p:cTn id="5" presetID="42" presetClass="entr" presetSubtype="0" fill="hold" grpId="0" nodeType="clickEffect">
-                                  <p:stCondLst>
-                                    <p:cond delay="0"/>
-                                  </p:stCondLst>
-                                  <p:childTnLst>
-                                    <p:set>
-                                      <p:cBhvr>
-                                        <p:cTn id="6" dur="1" fill="hold">
-                                          <p:stCondLst>
-                                            <p:cond delay="0"/>
-                                          </p:stCondLst>
-                                        </p:cTn>
-                                        <p:tgtEl>
-                                          <p:spTgt spid="34"/>
-                                        </p:tgtEl>
-                                        <p:attrNameLst>
-                                          <p:attrName>style.visibility</p:attrName>
-                                        </p:attrNameLst>
-                                      </p:cBhvr>
-                                      <p:to>
-                                        <p:strVal val="visible"/>
-                                      </p:to>
-                                    </p:set>
-                                    <p:animEffect transition="in" filter="fade">
-                                      <p:cBhvr>
-                                        <p:cTn id="7" dur="1000"/>
-                                        <p:tgtEl>
-                                          <p:spTgt spid="34"/>
-                                        </p:tgtEl>
-                                      </p:cBhvr>
-                                    </p:animEffect>
-                                    <p:anim calcmode="lin" valueType="num">
-                                      <p:cBhvr>
-                                        <p:cTn id="8" dur="1000" fill="hold"/>
-                                        <p:tgtEl>
-                                          <p:spTgt spid="34"/>
-                                        </p:tgtEl>
-                                        <p:attrNameLst>
-                                          <p:attrName>ppt_x</p:attrName>
-                                        </p:attrNameLst>
-                                      </p:cBhvr>
-                                      <p:tavLst>
-                                        <p:tav tm="0">
-                                          <p:val>
-                                            <p:strVal val="#ppt_x"/>
-                                          </p:val>
-                                        </p:tav>
-                                        <p:tav tm="100000">
-                                          <p:val>
-                                            <p:strVal val="#ppt_x"/>
-                                          </p:val>
-                                        </p:tav>
-                                      </p:tavLst>
-                                    </p:anim>
-                                    <p:anim calcmode="lin" valueType="num">
-                                      <p:cBhvr>
-                                        <p:cTn id="9" dur="1000" fill="hold"/>
-                                        <p:tgtEl>
-                                          <p:spTgt spid="34"/>
-                                        </p:tgtEl>
-                                        <p:attrNameLst>
-                                          <p:attrName>ppt_y</p:attrName>
-                                        </p:attrNameLst>
-                                      </p:cBhvr>
-                                      <p:tavLst>
-                                        <p:tav tm="0">
-                                          <p:val>
-                                            <p:strVal val="#ppt_y+.1"/>
-                                          </p:val>
-                                        </p:tav>
-                                        <p:tav tm="100000">
-                                          <p:val>
-                                            <p:strVal val="#ppt_y"/>
-                                          </p:val>
-                                        </p:tav>
-                                      </p:tavLst>
-                                    </p:anim>
-                                  </p:childTnLst>
-                                </p:cTn>
-                              </p:par>
-                            </p:childTnLst>
-                          </p:cTn>
-                        </p:par>
-                      </p:childTnLst>
-                    </p:cTn>
-                  </p:par>
-                  <p:par>
-                    <p:cTn id="10" fill="hold">
-                      <p:stCondLst>
-                        <p:cond delay="indefinite"/>
-                      </p:stCondLst>
-                      <p:childTnLst>
-                        <p:par>
-                          <p:cTn id="11" fill="hold">
-                            <p:stCondLst>
-                              <p:cond delay="0"/>
-                            </p:stCondLst>
-                            <p:childTnLst>
-                              <p:par>
-                                <p:cTn id="12" presetID="10" presetClass="entr" presetSubtype="0" fill="hold" grpId="0" nodeType="clickEffect">
-                                  <p:stCondLst>
-                                    <p:cond delay="0"/>
-                                  </p:stCondLst>
-                                  <p:childTnLst>
-                                    <p:set>
-                                      <p:cBhvr>
-                                        <p:cTn id="13" dur="1" fill="hold">
-                                          <p:stCondLst>
-                                            <p:cond delay="0"/>
-                                          </p:stCondLst>
-                                        </p:cTn>
-                                        <p:tgtEl>
-                                          <p:spTgt spid="33"/>
-                                        </p:tgtEl>
-                                        <p:attrNameLst>
-                                          <p:attrName>style.visibility</p:attrName>
-                                        </p:attrNameLst>
-                                      </p:cBhvr>
-                                      <p:to>
-                                        <p:strVal val="visible"/>
-                                      </p:to>
-                                    </p:set>
-                                    <p:animEffect transition="in" filter="fade">
-                                      <p:cBhvr>
-                                        <p:cTn id="14" dur="500"/>
-                                        <p:tgtEl>
-                                          <p:spTgt spid="33"/>
-                                        </p:tgtEl>
-                                      </p:cBhvr>
-                                    </p:animEffect>
-                                  </p:childTnLst>
-                                </p:cTn>
-                              </p:par>
-                            </p:childTnLst>
-                          </p:cTn>
-                        </p:par>
-                      </p:childTnLst>
-                    </p:cTn>
-                  </p:par>
-                  <p:par>
-                    <p:cTn id="15" fill="hold">
-                      <p:stCondLst>
-                        <p:cond delay="indefinite"/>
-                      </p:stCondLst>
-                      <p:childTnLst>
-                        <p:par>
-                          <p:cTn id="16" fill="hold">
-                            <p:stCondLst>
-                              <p:cond delay="0"/>
-                            </p:stCondLst>
-                            <p:childTnLst>
-                              <p:par>
-                                <p:cTn id="17" presetID="10" presetClass="entr" presetSubtype="0" fill="hold" grpId="0" nodeType="clickEffect">
-                                  <p:stCondLst>
-                                    <p:cond delay="0"/>
-                                  </p:stCondLst>
-                                  <p:childTnLst>
-                                    <p:set>
-                                      <p:cBhvr>
-                                        <p:cTn id="18" dur="1" fill="hold">
-                                          <p:stCondLst>
-                                            <p:cond delay="0"/>
-                                          </p:stCondLst>
-                                        </p:cTn>
-                                        <p:tgtEl>
-                                          <p:spTgt spid="31"/>
-                                        </p:tgtEl>
-                                        <p:attrNameLst>
-                                          <p:attrName>style.visibility</p:attrName>
-                                        </p:attrNameLst>
-                                      </p:cBhvr>
-                                      <p:to>
-                                        <p:strVal val="visible"/>
-                                      </p:to>
-                                    </p:set>
-                                    <p:animEffect transition="in" filter="fade">
-                                      <p:cBhvr>
-                                        <p:cTn id="19" dur="500"/>
-                                        <p:tgtEl>
-                                          <p:spTgt spid="31"/>
-                                        </p:tgtEl>
-                                      </p:cBhvr>
-                                    </p:animEffect>
-                                  </p:childTnLst>
-                                </p:cTn>
-                              </p:par>
-                            </p:childTnLst>
-                          </p:cTn>
-                        </p:par>
-                      </p:childTnLst>
-                    </p:cTn>
-                  </p:par>
-                  <p:par>
-                    <p:cTn id="20" fill="hold">
-                      <p:stCondLst>
-                        <p:cond delay="indefinite"/>
-                      </p:stCondLst>
-                      <p:childTnLst>
-                        <p:par>
-                          <p:cTn id="21" fill="hold">
-                            <p:stCondLst>
-                              <p:cond delay="0"/>
-                            </p:stCondLst>
-                            <p:childTnLst>
-                              <p:par>
-                                <p:cTn id="22" presetID="10" presetClass="entr" presetSubtype="0" fill="hold" grpId="0" nodeType="clickEffect">
-                                  <p:stCondLst>
-                                    <p:cond delay="0"/>
-                                  </p:stCondLst>
-                                  <p:childTnLst>
-                                    <p:set>
-                                      <p:cBhvr>
-                                        <p:cTn id="23" dur="1" fill="hold">
-                                          <p:stCondLst>
-                                            <p:cond delay="0"/>
-                                          </p:stCondLst>
-                                        </p:cTn>
-                                        <p:tgtEl>
-                                          <p:spTgt spid="29"/>
-                                        </p:tgtEl>
-                                        <p:attrNameLst>
-                                          <p:attrName>style.visibility</p:attrName>
-                                        </p:attrNameLst>
-                                      </p:cBhvr>
-                                      <p:to>
-                                        <p:strVal val="visible"/>
-                                      </p:to>
-                                    </p:set>
-                                    <p:animEffect transition="in" filter="fade">
-                                      <p:cBhvr>
-                                        <p:cTn id="24" dur="500"/>
-                                        <p:tgtEl>
-                                          <p:spTgt spid="29"/>
-                                        </p:tgtEl>
-                                      </p:cBhvr>
-                                    </p:animEffect>
-                                  </p:childTnLst>
-                                </p:cTn>
-                              </p:par>
-                            </p:childTnLst>
-                          </p:cTn>
-                        </p:par>
-                      </p:childTnLst>
-                    </p:cTn>
-                  </p:par>
-                  <p:par>
-                    <p:cTn id="25" fill="hold">
-                      <p:stCondLst>
-                        <p:cond delay="indefinite"/>
-                      </p:stCondLst>
-                      <p:childTnLst>
-                        <p:par>
-                          <p:cTn id="26" fill="hold">
-                            <p:stCondLst>
-                              <p:cond delay="0"/>
-                            </p:stCondLst>
-                            <p:childTnLst>
-                              <p:par>
-                                <p:cTn id="27" presetID="10" presetClass="entr" presetSubtype="0" fill="hold" grpId="0" nodeType="clickEffect">
-                                  <p:stCondLst>
-                                    <p:cond delay="0"/>
-                                  </p:stCondLst>
-                                  <p:childTnLst>
-                                    <p:set>
-                                      <p:cBhvr>
-                                        <p:cTn id="28" dur="1" fill="hold">
-                                          <p:stCondLst>
-                                            <p:cond delay="0"/>
-                                          </p:stCondLst>
-                                        </p:cTn>
-                                        <p:tgtEl>
-                                          <p:spTgt spid="27"/>
-                                        </p:tgtEl>
-                                        <p:attrNameLst>
-                                          <p:attrName>style.visibility</p:attrName>
-                                        </p:attrNameLst>
-                                      </p:cBhvr>
-                                      <p:to>
-                                        <p:strVal val="visible"/>
-                                      </p:to>
-                                    </p:set>
-                                    <p:animEffect transition="in" filter="fade">
-                                      <p:cBhvr>
-                                        <p:cTn id="29" dur="500"/>
-                                        <p:tgtEl>
-                                          <p:spTgt spid="27"/>
-                                        </p:tgtEl>
-                                      </p:cBhvr>
-                                    </p:animEffect>
-                                  </p:childTnLst>
-                                </p:cTn>
-                              </p:par>
-                            </p:childTnLst>
-                          </p:cTn>
-                        </p:par>
-                      </p:childTnLst>
-                    </p:cTn>
-                  </p:par>
-                  <p:par>
-                    <p:cTn id="30" fill="hold">
-                      <p:stCondLst>
-                        <p:cond delay="indefinite"/>
-                      </p:stCondLst>
-                      <p:childTnLst>
-                        <p:par>
-                          <p:cTn id="31" fill="hold">
-                            <p:stCondLst>
-                              <p:cond delay="0"/>
-                            </p:stCondLst>
-                            <p:childTnLst>
-                              <p:par>
-                                <p:cTn id="32" presetID="10" presetClass="entr" presetSubtype="0" fill="hold" grpId="0" nodeType="clickEffect">
-                                  <p:stCondLst>
-                                    <p:cond delay="0"/>
-                                  </p:stCondLst>
-                                  <p:childTnLst>
-                                    <p:set>
-                                      <p:cBhvr>
-                                        <p:cTn id="33" dur="1" fill="hold">
-                                          <p:stCondLst>
-                                            <p:cond delay="0"/>
-                                          </p:stCondLst>
-                                        </p:cTn>
-                                        <p:tgtEl>
-                                          <p:spTgt spid="25"/>
-                                        </p:tgtEl>
-                                        <p:attrNameLst>
-                                          <p:attrName>style.visibility</p:attrName>
-                                        </p:attrNameLst>
-                                      </p:cBhvr>
-                                      <p:to>
-                                        <p:strVal val="visible"/>
-                                      </p:to>
-                                    </p:set>
-                                    <p:animEffect transition="in" filter="fade">
-                                      <p:cBhvr>
-                                        <p:cTn id="34" dur="500"/>
-                                        <p:tgtEl>
-                                          <p:spTgt spid="25"/>
-                                        </p:tgtEl>
-                                      </p:cBhvr>
-                                    </p:animEffect>
-                                  </p:childTnLst>
-                                </p:cTn>
-                              </p:par>
-                            </p:childTnLst>
-                          </p:cTn>
-                        </p:par>
-                      </p:childTnLst>
-                    </p:cTn>
-                  </p:par>
-                  <p:par>
-                    <p:cTn id="35" fill="hold">
-                      <p:stCondLst>
-                        <p:cond delay="indefinite"/>
-                      </p:stCondLst>
-                      <p:childTnLst>
-                        <p:par>
-                          <p:cTn id="36" fill="hold">
-                            <p:stCondLst>
-                              <p:cond delay="0"/>
-                            </p:stCondLst>
-                            <p:childTnLst>
-                              <p:par>
-                                <p:cTn id="37" presetID="10" presetClass="entr" presetSubtype="0" fill="hold" grpId="0" nodeType="clickEffect">
-                                  <p:stCondLst>
-                                    <p:cond delay="0"/>
-                                  </p:stCondLst>
-                                  <p:childTnLst>
-                                    <p:set>
-                                      <p:cBhvr>
-                                        <p:cTn id="38" dur="1" fill="hold">
-                                          <p:stCondLst>
-                                            <p:cond delay="0"/>
-                                          </p:stCondLst>
-                                        </p:cTn>
-                                        <p:tgtEl>
-                                          <p:spTgt spid="23"/>
-                                        </p:tgtEl>
-                                        <p:attrNameLst>
-                                          <p:attrName>style.visibility</p:attrName>
-                                        </p:attrNameLst>
-                                      </p:cBhvr>
-                                      <p:to>
-                                        <p:strVal val="visible"/>
-                                      </p:to>
-                                    </p:set>
-                                    <p:animEffect transition="in" filter="fade">
-                                      <p:cBhvr>
-                                        <p:cTn id="39" dur="500"/>
-                                        <p:tgtEl>
-                                          <p:spTgt spid="23"/>
-                                        </p:tgtEl>
-                                      </p:cBhvr>
-                                    </p:animEffect>
-                                  </p:childTnLst>
-                                </p:cTn>
-                              </p:par>
-                            </p:childTnLst>
-                          </p:cTn>
-                        </p:par>
-                      </p:childTnLst>
-                    </p:cTn>
-                  </p:par>
-                  <p:par>
-                    <p:cTn id="40" fill="hold">
-                      <p:stCondLst>
-                        <p:cond delay="indefinite"/>
-                      </p:stCondLst>
-                      <p:childTnLst>
-                        <p:par>
-                          <p:cTn id="41" fill="hold">
-                            <p:stCondLst>
-                              <p:cond delay="0"/>
-                            </p:stCondLst>
-                            <p:childTnLst>
-                              <p:par>
-                                <p:cTn id="42" presetID="10" presetClass="entr" presetSubtype="0" fill="hold" grpId="0" nodeType="clickEffect">
-                                  <p:stCondLst>
-                                    <p:cond delay="0"/>
-                                  </p:stCondLst>
-                                  <p:childTnLst>
-                                    <p:set>
-                                      <p:cBhvr>
-                                        <p:cTn id="43" dur="1" fill="hold">
-                                          <p:stCondLst>
-                                            <p:cond delay="0"/>
-                                          </p:stCondLst>
-                                        </p:cTn>
-                                        <p:tgtEl>
-                                          <p:spTgt spid="21"/>
-                                        </p:tgtEl>
-                                        <p:attrNameLst>
-                                          <p:attrName>style.visibility</p:attrName>
-                                        </p:attrNameLst>
-                                      </p:cBhvr>
-                                      <p:to>
-                                        <p:strVal val="visible"/>
-                                      </p:to>
-                                    </p:set>
-                                    <p:animEffect transition="in" filter="fade">
-                                      <p:cBhvr>
-                                        <p:cTn id="44" dur="500"/>
-                                        <p:tgtEl>
-                                          <p:spTgt spid="21"/>
-                                        </p:tgtEl>
-                                      </p:cBhvr>
-                                    </p:animEffect>
-                                  </p:childTnLst>
-                                </p:cTn>
-                              </p:par>
-                            </p:childTnLst>
-                          </p:cTn>
-                        </p:par>
-                      </p:childTnLst>
-                    </p:cTn>
-                  </p:par>
-                  <p:par>
-                    <p:cTn id="45" fill="hold">
-                      <p:stCondLst>
-                        <p:cond delay="indefinite"/>
-                      </p:stCondLst>
-                      <p:childTnLst>
-                        <p:par>
-                          <p:cTn id="46" fill="hold">
-                            <p:stCondLst>
-                              <p:cond delay="0"/>
-                            </p:stCondLst>
-                            <p:childTnLst>
-                              <p:par>
-                                <p:cTn id="47" presetID="10" presetClass="entr" presetSubtype="0" fill="hold" grpId="0" nodeType="clickEffect">
-                                  <p:stCondLst>
-                                    <p:cond delay="0"/>
-                                  </p:stCondLst>
-                                  <p:childTnLst>
-                                    <p:set>
-                                      <p:cBhvr>
-                                        <p:cTn id="48" dur="1" fill="hold">
-                                          <p:stCondLst>
-                                            <p:cond delay="0"/>
-                                          </p:stCondLst>
-                                        </p:cTn>
-                                        <p:tgtEl>
-                                          <p:spTgt spid="19"/>
-                                        </p:tgtEl>
-                                        <p:attrNameLst>
-                                          <p:attrName>style.visibility</p:attrName>
-                                        </p:attrNameLst>
-                                      </p:cBhvr>
-                                      <p:to>
-                                        <p:strVal val="visible"/>
-                                      </p:to>
-                                    </p:set>
-                                    <p:animEffect transition="in" filter="fade">
-                                      <p:cBhvr>
-                                        <p:cTn id="49" dur="500"/>
-                                        <p:tgtEl>
-                                          <p:spTgt spid="19"/>
-                                        </p:tgtEl>
-                                      </p:cBhvr>
-                                    </p:animEffect>
-                                  </p:childTnLst>
-                                </p:cTn>
-                              </p:par>
-                            </p:childTnLst>
-                          </p:cTn>
-                        </p:par>
-                      </p:childTnLst>
-                    </p:cTn>
-                  </p:par>
-                </p:childTnLst>
-              </p:cTn>
-              <p:prevCondLst>
-                <p:cond evt="onPrev" delay="0">
-                  <p:tgtEl>
-                    <p:sldTgt/>
-                  </p:tgtEl>
-                </p:cond>
-              </p:prevCondLst>
-              <p:nextCondLst>
-                <p:cond evt="onNext" delay="0">
-                  <p:tgtEl>
-                    <p:sldTgt/>
-                  </p:tgtEl>
-                </p:cond>
-              </p:nextCondLst>
-            </p:seq>
-          </p:childTnLst>
-        </p:cTn>
+        <p:cTn id="1" dur="indefinite" restart="never" nodeType="tmRoot"/>
       </p:par>
     </p:tnLst>
-    <p:bldLst>
-      <p:bldP spid="34" grpId="0"/>
-      <p:bldP spid="33" grpId="0"/>
-      <p:bldP spid="31" grpId="0"/>
-      <p:bldP spid="29" grpId="0"/>
-      <p:bldP spid="27" grpId="0"/>
-      <p:bldP spid="25" grpId="0"/>
-      <p:bldP spid="23" grpId="0"/>
-      <p:bldP spid="21" grpId="0"/>
-      <p:bldP spid="19" grpId="0"/>
-    </p:bldLst>
   </p:timing>
 </p:sld>
 </file>
@@ -8305,7 +9350,7 @@
           <a:blip r:embed="rId3">
             <a:extLst>
               <a:ext uri="{BEBA8EAE-BF5A-486C-A8C5-ECC9F3942E4B}">
-                <a14:imgProps xmlns:a14="http://schemas.microsoft.com/office/drawing/2010/main">
+                <a14:imgProps xmlns="" xmlns:a14="http://schemas.microsoft.com/office/drawing/2010/main">
                   <a14:imgLayer r:embed="rId4">
                     <a14:imgEffect>
                       <a14:colorTemperature colorTemp="11200"/>
@@ -8317,7 +9362,7 @@
                 </a14:imgProps>
               </a:ext>
               <a:ext uri="{28A0092B-C50C-407E-A947-70E740481C1C}">
-                <a14:useLocalDpi xmlns:a14="http://schemas.microsoft.com/office/drawing/2010/main" val="0"/>
+                <a14:useLocalDpi xmlns="" xmlns:a14="http://schemas.microsoft.com/office/drawing/2010/main" val="0"/>
               </a:ext>
             </a:extLst>
           </a:blip>
@@ -8341,14 +9386,14 @@
           <a:effectLst/>
           <a:extLst>
             <a:ext uri="{909E8E84-426E-40DD-AFC4-6F175D3DCCD1}">
-              <a14:hiddenFill xmlns:a14="http://schemas.microsoft.com/office/drawing/2010/main">
+              <a14:hiddenFill xmlns="" xmlns:a14="http://schemas.microsoft.com/office/drawing/2010/main">
                 <a:solidFill>
                   <a:schemeClr val="accent1"/>
                 </a:solidFill>
               </a14:hiddenFill>
             </a:ext>
             <a:ext uri="{91240B29-F687-4F45-9708-019B960494DF}">
-              <a14:hiddenLine xmlns:a14="http://schemas.microsoft.com/office/drawing/2010/main" w="9525">
+              <a14:hiddenLine xmlns="" xmlns:a14="http://schemas.microsoft.com/office/drawing/2010/main" w="9525">
                 <a:solidFill>
                   <a:schemeClr val="tx1"/>
                 </a:solidFill>
@@ -8358,7 +9403,7 @@
               </a14:hiddenLine>
             </a:ext>
             <a:ext uri="{AF507438-7753-43E0-B8FC-AC1667EBCBE1}">
-              <a14:hiddenEffects xmlns:a14="http://schemas.microsoft.com/office/drawing/2010/main">
+              <a14:hiddenEffects xmlns="" xmlns:a14="http://schemas.microsoft.com/office/drawing/2010/main">
                 <a:effectLst>
                   <a:outerShdw dist="35921" dir="2700000" algn="ctr" rotWithShape="0">
                     <a:schemeClr val="bg2"/>
@@ -8642,7 +9687,7 @@
     </p:spTree>
     <p:extLst>
       <p:ext uri="{BB962C8B-B14F-4D97-AF65-F5344CB8AC3E}">
-        <p14:creationId xmlns:p14="http://schemas.microsoft.com/office/powerpoint/2010/main" val="481209957"/>
+        <p14:creationId xmlns="" xmlns:p14="http://schemas.microsoft.com/office/powerpoint/2010/main" val="481209957"/>
       </p:ext>
     </p:extLst>
   </p:cSld>
@@ -8652,241 +9697,9 @@
   <p:timing>
     <p:tnLst>
       <p:par>
-        <p:cTn id="1" dur="indefinite" restart="never" nodeType="tmRoot">
-          <p:childTnLst>
-            <p:seq concurrent="1" nextAc="seek">
-              <p:cTn id="2" dur="indefinite" nodeType="mainSeq">
-                <p:childTnLst>
-                  <p:par>
-                    <p:cTn id="3" fill="hold">
-                      <p:stCondLst>
-                        <p:cond delay="indefinite"/>
-                      </p:stCondLst>
-                      <p:childTnLst>
-                        <p:par>
-                          <p:cTn id="4" fill="hold">
-                            <p:stCondLst>
-                              <p:cond delay="0"/>
-                            </p:stCondLst>
-                            <p:childTnLst>
-                              <p:par>
-                                <p:cTn id="5" presetID="16" presetClass="entr" presetSubtype="21" fill="hold" grpId="0" nodeType="clickEffect">
-                                  <p:stCondLst>
-                                    <p:cond delay="0"/>
-                                  </p:stCondLst>
-                                  <p:childTnLst>
-                                    <p:set>
-                                      <p:cBhvr>
-                                        <p:cTn id="6" dur="1" fill="hold">
-                                          <p:stCondLst>
-                                            <p:cond delay="0"/>
-                                          </p:stCondLst>
-                                        </p:cTn>
-                                        <p:tgtEl>
-                                          <p:spTgt spid="20"/>
-                                        </p:tgtEl>
-                                        <p:attrNameLst>
-                                          <p:attrName>style.visibility</p:attrName>
-                                        </p:attrNameLst>
-                                      </p:cBhvr>
-                                      <p:to>
-                                        <p:strVal val="visible"/>
-                                      </p:to>
-                                    </p:set>
-                                    <p:animEffect transition="in" filter="barn(inVertical)">
-                                      <p:cBhvr>
-                                        <p:cTn id="7" dur="2000"/>
-                                        <p:tgtEl>
-                                          <p:spTgt spid="20"/>
-                                        </p:tgtEl>
-                                      </p:cBhvr>
-                                    </p:animEffect>
-                                  </p:childTnLst>
-                                </p:cTn>
-                              </p:par>
-                            </p:childTnLst>
-                          </p:cTn>
-                        </p:par>
-                      </p:childTnLst>
-                    </p:cTn>
-                  </p:par>
-                  <p:par>
-                    <p:cTn id="8" fill="hold">
-                      <p:stCondLst>
-                        <p:cond delay="indefinite"/>
-                      </p:stCondLst>
-                      <p:childTnLst>
-                        <p:par>
-                          <p:cTn id="9" fill="hold">
-                            <p:stCondLst>
-                              <p:cond delay="0"/>
-                            </p:stCondLst>
-                            <p:childTnLst>
-                              <p:par>
-                                <p:cTn id="10" presetID="53" presetClass="entr" presetSubtype="16" fill="hold" grpId="0" nodeType="clickEffect">
-                                  <p:stCondLst>
-                                    <p:cond delay="0"/>
-                                  </p:stCondLst>
-                                  <p:childTnLst>
-                                    <p:set>
-                                      <p:cBhvr>
-                                        <p:cTn id="11" dur="1" fill="hold">
-                                          <p:stCondLst>
-                                            <p:cond delay="0"/>
-                                          </p:stCondLst>
-                                        </p:cTn>
-                                        <p:tgtEl>
-                                          <p:spTgt spid="19"/>
-                                        </p:tgtEl>
-                                        <p:attrNameLst>
-                                          <p:attrName>style.visibility</p:attrName>
-                                        </p:attrNameLst>
-                                      </p:cBhvr>
-                                      <p:to>
-                                        <p:strVal val="visible"/>
-                                      </p:to>
-                                    </p:set>
-                                    <p:anim calcmode="lin" valueType="num">
-                                      <p:cBhvr>
-                                        <p:cTn id="12" dur="2000" fill="hold"/>
-                                        <p:tgtEl>
-                                          <p:spTgt spid="19"/>
-                                        </p:tgtEl>
-                                        <p:attrNameLst>
-                                          <p:attrName>ppt_w</p:attrName>
-                                        </p:attrNameLst>
-                                      </p:cBhvr>
-                                      <p:tavLst>
-                                        <p:tav tm="0">
-                                          <p:val>
-                                            <p:fltVal val="0"/>
-                                          </p:val>
-                                        </p:tav>
-                                        <p:tav tm="100000">
-                                          <p:val>
-                                            <p:strVal val="#ppt_w"/>
-                                          </p:val>
-                                        </p:tav>
-                                      </p:tavLst>
-                                    </p:anim>
-                                    <p:anim calcmode="lin" valueType="num">
-                                      <p:cBhvr>
-                                        <p:cTn id="13" dur="2000" fill="hold"/>
-                                        <p:tgtEl>
-                                          <p:spTgt spid="19"/>
-                                        </p:tgtEl>
-                                        <p:attrNameLst>
-                                          <p:attrName>ppt_h</p:attrName>
-                                        </p:attrNameLst>
-                                      </p:cBhvr>
-                                      <p:tavLst>
-                                        <p:tav tm="0">
-                                          <p:val>
-                                            <p:fltVal val="0"/>
-                                          </p:val>
-                                        </p:tav>
-                                        <p:tav tm="100000">
-                                          <p:val>
-                                            <p:strVal val="#ppt_h"/>
-                                          </p:val>
-                                        </p:tav>
-                                      </p:tavLst>
-                                    </p:anim>
-                                    <p:animEffect transition="in" filter="fade">
-                                      <p:cBhvr>
-                                        <p:cTn id="14" dur="2000"/>
-                                        <p:tgtEl>
-                                          <p:spTgt spid="19"/>
-                                        </p:tgtEl>
-                                      </p:cBhvr>
-                                    </p:animEffect>
-                                  </p:childTnLst>
-                                </p:cTn>
-                              </p:par>
-                            </p:childTnLst>
-                          </p:cTn>
-                        </p:par>
-                      </p:childTnLst>
-                    </p:cTn>
-                  </p:par>
-                  <p:par>
-                    <p:cTn id="15" fill="hold">
-                      <p:stCondLst>
-                        <p:cond delay="indefinite"/>
-                      </p:stCondLst>
-                      <p:childTnLst>
-                        <p:par>
-                          <p:cTn id="16" fill="hold">
-                            <p:stCondLst>
-                              <p:cond delay="0"/>
-                            </p:stCondLst>
-                            <p:childTnLst>
-                              <p:par>
-                                <p:cTn id="17" presetID="6" presetClass="entr" presetSubtype="16" fill="hold" nodeType="clickEffect">
-                                  <p:stCondLst>
-                                    <p:cond delay="0"/>
-                                  </p:stCondLst>
-                                  <p:childTnLst>
-                                    <p:set>
-                                      <p:cBhvr>
-                                        <p:cTn id="18" dur="1" fill="hold">
-                                          <p:stCondLst>
-                                            <p:cond delay="0"/>
-                                          </p:stCondLst>
-                                        </p:cTn>
-                                        <p:tgtEl>
-                                          <p:spTgt spid="14"/>
-                                        </p:tgtEl>
-                                        <p:attrNameLst>
-                                          <p:attrName>style.visibility</p:attrName>
-                                        </p:attrNameLst>
-                                      </p:cBhvr>
-                                      <p:to>
-                                        <p:strVal val="visible"/>
-                                      </p:to>
-                                    </p:set>
-                                    <p:animEffect transition="in" filter="circle(in)">
-                                      <p:cBhvr>
-                                        <p:cTn id="19" dur="2000"/>
-                                        <p:tgtEl>
-                                          <p:spTgt spid="14"/>
-                                        </p:tgtEl>
-                                      </p:cBhvr>
-                                    </p:animEffect>
-                                  </p:childTnLst>
-                                </p:cTn>
-                              </p:par>
-                            </p:childTnLst>
-                          </p:cTn>
-                        </p:par>
-                      </p:childTnLst>
-                    </p:cTn>
-                  </p:par>
-                </p:childTnLst>
-              </p:cTn>
-              <p:prevCondLst>
-                <p:cond evt="onPrev" delay="0">
-                  <p:tgtEl>
-                    <p:sldTgt/>
-                  </p:tgtEl>
-                </p:cond>
-              </p:prevCondLst>
-              <p:nextCondLst>
-                <p:cond evt="onNext" delay="0">
-                  <p:tgtEl>
-                    <p:sldTgt/>
-                  </p:tgtEl>
-                </p:cond>
-              </p:nextCondLst>
-            </p:seq>
-          </p:childTnLst>
-        </p:cTn>
+        <p:cTn id="1" dur="indefinite" restart="never" nodeType="tmRoot"/>
       </p:par>
     </p:tnLst>
-    <p:bldLst>
-      <p:bldP spid="19" grpId="0"/>
-      <p:bldP spid="20" grpId="0"/>
-    </p:bldLst>
   </p:timing>
 </p:sld>
 </file>
@@ -9566,7 +10379,7 @@
     </p:spTree>
     <p:extLst>
       <p:ext uri="{BB962C8B-B14F-4D97-AF65-F5344CB8AC3E}">
-        <p14:creationId xmlns:p14="http://schemas.microsoft.com/office/powerpoint/2010/main" val="1753997831"/>
+        <p14:creationId xmlns="" xmlns:p14="http://schemas.microsoft.com/office/powerpoint/2010/main" val="1753997831"/>
       </p:ext>
     </p:extLst>
   </p:cSld>
@@ -9618,7 +10431,7 @@
           <a:blip r:embed="rId3" cstate="print">
             <a:extLst>
               <a:ext uri="{28A0092B-C50C-407E-A947-70E740481C1C}">
-                <a14:useLocalDpi xmlns:a14="http://schemas.microsoft.com/office/drawing/2010/main" val="0"/>
+                <a14:useLocalDpi xmlns="" xmlns:a14="http://schemas.microsoft.com/office/drawing/2010/main" val="0"/>
               </a:ext>
             </a:extLst>
           </a:blip>
@@ -10773,11 +11586,6 @@
                 </a:rPr>
                 <a:t>Syntax  - Comments</a:t>
               </a:r>
-              <a:endParaRPr lang="en-US" sz="2000" b="1" dirty="0">
-                <a:solidFill>
-                  <a:srgbClr val="115EC7"/>
-                </a:solidFill>
-              </a:endParaRPr>
             </a:p>
           </p:txBody>
         </p:sp>
@@ -10874,11 +11682,6 @@
                 </a:rPr>
                 <a:t>Syntax – Keywords</a:t>
               </a:r>
-              <a:endParaRPr lang="en-US" sz="2000" b="1" dirty="0">
-                <a:solidFill>
-                  <a:srgbClr val="115EC7"/>
-                </a:solidFill>
-              </a:endParaRPr>
             </a:p>
           </p:txBody>
         </p:sp>
@@ -10975,11 +11778,6 @@
                 </a:rPr>
                 <a:t>Syntax - Indentation</a:t>
               </a:r>
-              <a:endParaRPr lang="en-US" sz="2000" b="1" dirty="0">
-                <a:solidFill>
-                  <a:srgbClr val="115EC7"/>
-                </a:solidFill>
-              </a:endParaRPr>
             </a:p>
           </p:txBody>
         </p:sp>
@@ -11233,7 +12031,7 @@
               </a:ln>
               <a:extLst>
                 <a:ext uri="{909E8E84-426E-40DD-AFC4-6F175D3DCCD1}">
-                  <a14:hiddenFill xmlns:a14="http://schemas.microsoft.com/office/drawing/2010/main">
+                  <a14:hiddenFill xmlns="" xmlns:a14="http://schemas.microsoft.com/office/drawing/2010/main">
                     <a:solidFill>
                       <a:srgbClr val="FFFFFF"/>
                     </a:solidFill>
@@ -11458,7 +12256,7 @@
               </a:ln>
               <a:extLst>
                 <a:ext uri="{909E8E84-426E-40DD-AFC4-6F175D3DCCD1}">
-                  <a14:hiddenFill xmlns:a14="http://schemas.microsoft.com/office/drawing/2010/main">
+                  <a14:hiddenFill xmlns="" xmlns:a14="http://schemas.microsoft.com/office/drawing/2010/main">
                     <a:solidFill>
                       <a:srgbClr val="FFFFFF"/>
                     </a:solidFill>
@@ -11655,7 +12453,7 @@
               </a:ln>
               <a:extLst>
                 <a:ext uri="{909E8E84-426E-40DD-AFC4-6F175D3DCCD1}">
-                  <a14:hiddenFill xmlns:a14="http://schemas.microsoft.com/office/drawing/2010/main">
+                  <a14:hiddenFill xmlns="" xmlns:a14="http://schemas.microsoft.com/office/drawing/2010/main">
                     <a:solidFill>
                       <a:srgbClr val="FFFFFF"/>
                     </a:solidFill>
@@ -11803,7 +12601,7 @@
               </a:ln>
               <a:extLst>
                 <a:ext uri="{909E8E84-426E-40DD-AFC4-6F175D3DCCD1}">
-                  <a14:hiddenFill xmlns:a14="http://schemas.microsoft.com/office/drawing/2010/main">
+                  <a14:hiddenFill xmlns="" xmlns:a14="http://schemas.microsoft.com/office/drawing/2010/main">
                     <a:noFill/>
                   </a14:hiddenFill>
                 </a:ext>
@@ -11949,7 +12747,7 @@
               </a:ln>
               <a:extLst>
                 <a:ext uri="{909E8E84-426E-40DD-AFC4-6F175D3DCCD1}">
-                  <a14:hiddenFill xmlns:a14="http://schemas.microsoft.com/office/drawing/2010/main">
+                  <a14:hiddenFill xmlns="" xmlns:a14="http://schemas.microsoft.com/office/drawing/2010/main">
                     <a:noFill/>
                   </a14:hiddenFill>
                 </a:ext>
@@ -12154,7 +12952,7 @@
               </a:ln>
               <a:extLst>
                 <a:ext uri="{909E8E84-426E-40DD-AFC4-6F175D3DCCD1}">
-                  <a14:hiddenFill xmlns:a14="http://schemas.microsoft.com/office/drawing/2010/main">
+                  <a14:hiddenFill xmlns="" xmlns:a14="http://schemas.microsoft.com/office/drawing/2010/main">
                     <a:solidFill>
                       <a:srgbClr val="FFFFFF"/>
                     </a:solidFill>
@@ -12302,7 +13100,7 @@
               </a:ln>
               <a:extLst>
                 <a:ext uri="{909E8E84-426E-40DD-AFC4-6F175D3DCCD1}">
-                  <a14:hiddenFill xmlns:a14="http://schemas.microsoft.com/office/drawing/2010/main">
+                  <a14:hiddenFill xmlns="" xmlns:a14="http://schemas.microsoft.com/office/drawing/2010/main">
                     <a:noFill/>
                   </a14:hiddenFill>
                 </a:ext>
@@ -12448,7 +13246,7 @@
               </a:ln>
               <a:extLst>
                 <a:ext uri="{909E8E84-426E-40DD-AFC4-6F175D3DCCD1}">
-                  <a14:hiddenFill xmlns:a14="http://schemas.microsoft.com/office/drawing/2010/main">
+                  <a14:hiddenFill xmlns="" xmlns:a14="http://schemas.microsoft.com/office/drawing/2010/main">
                     <a:solidFill>
                       <a:srgbClr val="FFFFFF"/>
                     </a:solidFill>
@@ -12596,7 +13394,7 @@
               </a:ln>
               <a:extLst>
                 <a:ext uri="{909E8E84-426E-40DD-AFC4-6F175D3DCCD1}">
-                  <a14:hiddenFill xmlns:a14="http://schemas.microsoft.com/office/drawing/2010/main">
+                  <a14:hiddenFill xmlns="" xmlns:a14="http://schemas.microsoft.com/office/drawing/2010/main">
                     <a:noFill/>
                   </a14:hiddenFill>
                 </a:ext>
@@ -12742,7 +13540,7 @@
               </a:ln>
               <a:extLst>
                 <a:ext uri="{909E8E84-426E-40DD-AFC4-6F175D3DCCD1}">
-                  <a14:hiddenFill xmlns:a14="http://schemas.microsoft.com/office/drawing/2010/main">
+                  <a14:hiddenFill xmlns="" xmlns:a14="http://schemas.microsoft.com/office/drawing/2010/main">
                     <a:noFill/>
                   </a14:hiddenFill>
                 </a:ext>
@@ -12888,7 +13686,7 @@
               </a:ln>
               <a:extLst>
                 <a:ext uri="{909E8E84-426E-40DD-AFC4-6F175D3DCCD1}">
-                  <a14:hiddenFill xmlns:a14="http://schemas.microsoft.com/office/drawing/2010/main">
+                  <a14:hiddenFill xmlns="" xmlns:a14="http://schemas.microsoft.com/office/drawing/2010/main">
                     <a:noFill/>
                   </a14:hiddenFill>
                 </a:ext>
@@ -13034,7 +13832,7 @@
               </a:ln>
               <a:extLst>
                 <a:ext uri="{909E8E84-426E-40DD-AFC4-6F175D3DCCD1}">
-                  <a14:hiddenFill xmlns:a14="http://schemas.microsoft.com/office/drawing/2010/main">
+                  <a14:hiddenFill xmlns="" xmlns:a14="http://schemas.microsoft.com/office/drawing/2010/main">
                     <a:noFill/>
                   </a14:hiddenFill>
                 </a:ext>
@@ -13260,7 +14058,7 @@
               </a:ln>
               <a:extLst>
                 <a:ext uri="{909E8E84-426E-40DD-AFC4-6F175D3DCCD1}">
-                  <a14:hiddenFill xmlns:a14="http://schemas.microsoft.com/office/drawing/2010/main">
+                  <a14:hiddenFill xmlns="" xmlns:a14="http://schemas.microsoft.com/office/drawing/2010/main">
                     <a:solidFill>
                       <a:srgbClr val="FFFFFF"/>
                     </a:solidFill>
@@ -13476,7 +14274,7 @@
               </a:ln>
               <a:extLst>
                 <a:ext uri="{909E8E84-426E-40DD-AFC4-6F175D3DCCD1}">
-                  <a14:hiddenFill xmlns:a14="http://schemas.microsoft.com/office/drawing/2010/main">
+                  <a14:hiddenFill xmlns="" xmlns:a14="http://schemas.microsoft.com/office/drawing/2010/main">
                     <a:solidFill>
                       <a:srgbClr val="FFFFFF"/>
                     </a:solidFill>
@@ -13741,7 +14539,7 @@
               </a:ln>
               <a:extLst>
                 <a:ext uri="{909E8E84-426E-40DD-AFC4-6F175D3DCCD1}">
-                  <a14:hiddenFill xmlns:a14="http://schemas.microsoft.com/office/drawing/2010/main">
+                  <a14:hiddenFill xmlns="" xmlns:a14="http://schemas.microsoft.com/office/drawing/2010/main">
                     <a:solidFill>
                       <a:srgbClr val="FFFFFF"/>
                     </a:solidFill>
@@ -13889,7 +14687,7 @@
               </a:ln>
               <a:extLst>
                 <a:ext uri="{909E8E84-426E-40DD-AFC4-6F175D3DCCD1}">
-                  <a14:hiddenFill xmlns:a14="http://schemas.microsoft.com/office/drawing/2010/main">
+                  <a14:hiddenFill xmlns="" xmlns:a14="http://schemas.microsoft.com/office/drawing/2010/main">
                     <a:noFill/>
                   </a14:hiddenFill>
                 </a:ext>
@@ -14035,7 +14833,7 @@
               </a:ln>
               <a:extLst>
                 <a:ext uri="{909E8E84-426E-40DD-AFC4-6F175D3DCCD1}">
-                  <a14:hiddenFill xmlns:a14="http://schemas.microsoft.com/office/drawing/2010/main">
+                  <a14:hiddenFill xmlns="" xmlns:a14="http://schemas.microsoft.com/office/drawing/2010/main">
                     <a:noFill/>
                   </a14:hiddenFill>
                 </a:ext>
@@ -14181,7 +14979,7 @@
               </a:ln>
               <a:extLst>
                 <a:ext uri="{909E8E84-426E-40DD-AFC4-6F175D3DCCD1}">
-                  <a14:hiddenFill xmlns:a14="http://schemas.microsoft.com/office/drawing/2010/main">
+                  <a14:hiddenFill xmlns="" xmlns:a14="http://schemas.microsoft.com/office/drawing/2010/main">
                     <a:solidFill>
                       <a:srgbClr val="FFFFFF"/>
                     </a:solidFill>
@@ -14329,7 +15127,7 @@
               </a:ln>
               <a:extLst>
                 <a:ext uri="{909E8E84-426E-40DD-AFC4-6F175D3DCCD1}">
-                  <a14:hiddenFill xmlns:a14="http://schemas.microsoft.com/office/drawing/2010/main">
+                  <a14:hiddenFill xmlns="" xmlns:a14="http://schemas.microsoft.com/office/drawing/2010/main">
                     <a:solidFill>
                       <a:srgbClr val="FFFFFF"/>
                     </a:solidFill>
@@ -14477,7 +15275,7 @@
               </a:ln>
               <a:extLst>
                 <a:ext uri="{909E8E84-426E-40DD-AFC4-6F175D3DCCD1}">
-                  <a14:hiddenFill xmlns:a14="http://schemas.microsoft.com/office/drawing/2010/main">
+                  <a14:hiddenFill xmlns="" xmlns:a14="http://schemas.microsoft.com/office/drawing/2010/main">
                     <a:solidFill>
                       <a:srgbClr val="FFFFFF"/>
                     </a:solidFill>
@@ -14625,7 +15423,7 @@
               </a:ln>
               <a:extLst>
                 <a:ext uri="{909E8E84-426E-40DD-AFC4-6F175D3DCCD1}">
-                  <a14:hiddenFill xmlns:a14="http://schemas.microsoft.com/office/drawing/2010/main">
+                  <a14:hiddenFill xmlns="" xmlns:a14="http://schemas.microsoft.com/office/drawing/2010/main">
                     <a:noFill/>
                   </a14:hiddenFill>
                 </a:ext>
@@ -14771,7 +15569,7 @@
               </a:ln>
               <a:extLst>
                 <a:ext uri="{909E8E84-426E-40DD-AFC4-6F175D3DCCD1}">
-                  <a14:hiddenFill xmlns:a14="http://schemas.microsoft.com/office/drawing/2010/main">
+                  <a14:hiddenFill xmlns="" xmlns:a14="http://schemas.microsoft.com/office/drawing/2010/main">
                     <a:noFill/>
                   </a14:hiddenFill>
                 </a:ext>
@@ -14966,7 +15764,7 @@
               </a:ln>
               <a:extLst>
                 <a:ext uri="{909E8E84-426E-40DD-AFC4-6F175D3DCCD1}">
-                  <a14:hiddenFill xmlns:a14="http://schemas.microsoft.com/office/drawing/2010/main">
+                  <a14:hiddenFill xmlns="" xmlns:a14="http://schemas.microsoft.com/office/drawing/2010/main">
                     <a:solidFill>
                       <a:srgbClr val="FFFFFF"/>
                     </a:solidFill>
@@ -15142,7 +15940,7 @@
               </a:ln>
               <a:extLst>
                 <a:ext uri="{909E8E84-426E-40DD-AFC4-6F175D3DCCD1}">
-                  <a14:hiddenFill xmlns:a14="http://schemas.microsoft.com/office/drawing/2010/main">
+                  <a14:hiddenFill xmlns="" xmlns:a14="http://schemas.microsoft.com/office/drawing/2010/main">
                     <a:solidFill>
                       <a:srgbClr val="FFFFFF"/>
                     </a:solidFill>
@@ -15318,7 +16116,7 @@
               </a:ln>
               <a:extLst>
                 <a:ext uri="{909E8E84-426E-40DD-AFC4-6F175D3DCCD1}">
-                  <a14:hiddenFill xmlns:a14="http://schemas.microsoft.com/office/drawing/2010/main">
+                  <a14:hiddenFill xmlns="" xmlns:a14="http://schemas.microsoft.com/office/drawing/2010/main">
                     <a:solidFill>
                       <a:srgbClr val="FFFFFF"/>
                     </a:solidFill>
@@ -15494,7 +16292,7 @@
               </a:ln>
               <a:extLst>
                 <a:ext uri="{909E8E84-426E-40DD-AFC4-6F175D3DCCD1}">
-                  <a14:hiddenFill xmlns:a14="http://schemas.microsoft.com/office/drawing/2010/main">
+                  <a14:hiddenFill xmlns="" xmlns:a14="http://schemas.microsoft.com/office/drawing/2010/main">
                     <a:solidFill>
                       <a:srgbClr val="FFFFFF"/>
                     </a:solidFill>
@@ -15670,7 +16468,7 @@
               </a:ln>
               <a:extLst>
                 <a:ext uri="{909E8E84-426E-40DD-AFC4-6F175D3DCCD1}">
-                  <a14:hiddenFill xmlns:a14="http://schemas.microsoft.com/office/drawing/2010/main">
+                  <a14:hiddenFill xmlns="" xmlns:a14="http://schemas.microsoft.com/office/drawing/2010/main">
                     <a:solidFill>
                       <a:srgbClr val="FFFFFF"/>
                     </a:solidFill>
@@ -15846,7 +16644,7 @@
               </a:ln>
               <a:extLst>
                 <a:ext uri="{909E8E84-426E-40DD-AFC4-6F175D3DCCD1}">
-                  <a14:hiddenFill xmlns:a14="http://schemas.microsoft.com/office/drawing/2010/main">
+                  <a14:hiddenFill xmlns="" xmlns:a14="http://schemas.microsoft.com/office/drawing/2010/main">
                     <a:solidFill>
                       <a:srgbClr val="FFFFFF"/>
                     </a:solidFill>
@@ -16022,7 +16820,7 @@
               </a:ln>
               <a:extLst>
                 <a:ext uri="{909E8E84-426E-40DD-AFC4-6F175D3DCCD1}">
-                  <a14:hiddenFill xmlns:a14="http://schemas.microsoft.com/office/drawing/2010/main">
+                  <a14:hiddenFill xmlns="" xmlns:a14="http://schemas.microsoft.com/office/drawing/2010/main">
                     <a:solidFill>
                       <a:srgbClr val="FFFFFF"/>
                     </a:solidFill>
@@ -16198,7 +16996,7 @@
               </a:ln>
               <a:extLst>
                 <a:ext uri="{909E8E84-426E-40DD-AFC4-6F175D3DCCD1}">
-                  <a14:hiddenFill xmlns:a14="http://schemas.microsoft.com/office/drawing/2010/main">
+                  <a14:hiddenFill xmlns="" xmlns:a14="http://schemas.microsoft.com/office/drawing/2010/main">
                     <a:solidFill>
                       <a:srgbClr val="FFFFFF"/>
                     </a:solidFill>
@@ -16372,7 +17170,7 @@
               </a:ln>
               <a:extLst>
                 <a:ext uri="{909E8E84-426E-40DD-AFC4-6F175D3DCCD1}">
-                  <a14:hiddenFill xmlns:a14="http://schemas.microsoft.com/office/drawing/2010/main">
+                  <a14:hiddenFill xmlns="" xmlns:a14="http://schemas.microsoft.com/office/drawing/2010/main">
                     <a:solidFill>
                       <a:srgbClr val="FFFFFF"/>
                     </a:solidFill>
@@ -16548,7 +17346,7 @@
               </a:ln>
               <a:extLst>
                 <a:ext uri="{909E8E84-426E-40DD-AFC4-6F175D3DCCD1}">
-                  <a14:hiddenFill xmlns:a14="http://schemas.microsoft.com/office/drawing/2010/main">
+                  <a14:hiddenFill xmlns="" xmlns:a14="http://schemas.microsoft.com/office/drawing/2010/main">
                     <a:solidFill>
                       <a:srgbClr val="FFFFFF"/>
                     </a:solidFill>
@@ -16734,7 +17532,7 @@
               </a:ln>
               <a:extLst>
                 <a:ext uri="{909E8E84-426E-40DD-AFC4-6F175D3DCCD1}">
-                  <a14:hiddenFill xmlns:a14="http://schemas.microsoft.com/office/drawing/2010/main">
+                  <a14:hiddenFill xmlns="" xmlns:a14="http://schemas.microsoft.com/office/drawing/2010/main">
                     <a:solidFill>
                       <a:srgbClr val="FFFFFF"/>
                     </a:solidFill>
@@ -16910,7 +17708,7 @@
               </a:ln>
               <a:extLst>
                 <a:ext uri="{909E8E84-426E-40DD-AFC4-6F175D3DCCD1}">
-                  <a14:hiddenFill xmlns:a14="http://schemas.microsoft.com/office/drawing/2010/main">
+                  <a14:hiddenFill xmlns="" xmlns:a14="http://schemas.microsoft.com/office/drawing/2010/main">
                     <a:solidFill>
                       <a:srgbClr val="FFFFFF"/>
                     </a:solidFill>
@@ -17086,7 +17884,7 @@
               </a:ln>
               <a:extLst>
                 <a:ext uri="{909E8E84-426E-40DD-AFC4-6F175D3DCCD1}">
-                  <a14:hiddenFill xmlns:a14="http://schemas.microsoft.com/office/drawing/2010/main">
+                  <a14:hiddenFill xmlns="" xmlns:a14="http://schemas.microsoft.com/office/drawing/2010/main">
                     <a:solidFill>
                       <a:srgbClr val="FFFFFF"/>
                     </a:solidFill>
@@ -17262,7 +18060,7 @@
               </a:ln>
               <a:extLst>
                 <a:ext uri="{909E8E84-426E-40DD-AFC4-6F175D3DCCD1}">
-                  <a14:hiddenFill xmlns:a14="http://schemas.microsoft.com/office/drawing/2010/main">
+                  <a14:hiddenFill xmlns="" xmlns:a14="http://schemas.microsoft.com/office/drawing/2010/main">
                     <a:solidFill>
                       <a:srgbClr val="FFFFFF"/>
                     </a:solidFill>
@@ -17438,7 +18236,7 @@
               </a:ln>
               <a:extLst>
                 <a:ext uri="{909E8E84-426E-40DD-AFC4-6F175D3DCCD1}">
-                  <a14:hiddenFill xmlns:a14="http://schemas.microsoft.com/office/drawing/2010/main">
+                  <a14:hiddenFill xmlns="" xmlns:a14="http://schemas.microsoft.com/office/drawing/2010/main">
                     <a:solidFill>
                       <a:srgbClr val="FFFFFF"/>
                     </a:solidFill>
@@ -17614,7 +18412,7 @@
               </a:ln>
               <a:extLst>
                 <a:ext uri="{909E8E84-426E-40DD-AFC4-6F175D3DCCD1}">
-                  <a14:hiddenFill xmlns:a14="http://schemas.microsoft.com/office/drawing/2010/main">
+                  <a14:hiddenFill xmlns="" xmlns:a14="http://schemas.microsoft.com/office/drawing/2010/main">
                     <a:solidFill>
                       <a:srgbClr val="FFFFFF"/>
                     </a:solidFill>
@@ -17790,7 +18588,7 @@
               </a:ln>
               <a:extLst>
                 <a:ext uri="{909E8E84-426E-40DD-AFC4-6F175D3DCCD1}">
-                  <a14:hiddenFill xmlns:a14="http://schemas.microsoft.com/office/drawing/2010/main">
+                  <a14:hiddenFill xmlns="" xmlns:a14="http://schemas.microsoft.com/office/drawing/2010/main">
                     <a:solidFill>
                       <a:srgbClr val="FFFFFF"/>
                     </a:solidFill>
@@ -17966,7 +18764,7 @@
               </a:ln>
               <a:extLst>
                 <a:ext uri="{909E8E84-426E-40DD-AFC4-6F175D3DCCD1}">
-                  <a14:hiddenFill xmlns:a14="http://schemas.microsoft.com/office/drawing/2010/main">
+                  <a14:hiddenFill xmlns="" xmlns:a14="http://schemas.microsoft.com/office/drawing/2010/main">
                     <a:solidFill>
                       <a:srgbClr val="FFFFFF"/>
                     </a:solidFill>
@@ -18114,7 +18912,7 @@
               </a:ln>
               <a:extLst>
                 <a:ext uri="{909E8E84-426E-40DD-AFC4-6F175D3DCCD1}">
-                  <a14:hiddenFill xmlns:a14="http://schemas.microsoft.com/office/drawing/2010/main">
+                  <a14:hiddenFill xmlns="" xmlns:a14="http://schemas.microsoft.com/office/drawing/2010/main">
                     <a:solidFill>
                       <a:srgbClr val="FFFFFF"/>
                     </a:solidFill>
@@ -18262,7 +19060,7 @@
               </a:ln>
               <a:extLst>
                 <a:ext uri="{909E8E84-426E-40DD-AFC4-6F175D3DCCD1}">
-                  <a14:hiddenFill xmlns:a14="http://schemas.microsoft.com/office/drawing/2010/main">
+                  <a14:hiddenFill xmlns="" xmlns:a14="http://schemas.microsoft.com/office/drawing/2010/main">
                     <a:solidFill>
                       <a:srgbClr val="FFFFFF"/>
                     </a:solidFill>
@@ -18410,7 +19208,7 @@
               </a:ln>
               <a:extLst>
                 <a:ext uri="{909E8E84-426E-40DD-AFC4-6F175D3DCCD1}">
-                  <a14:hiddenFill xmlns:a14="http://schemas.microsoft.com/office/drawing/2010/main">
+                  <a14:hiddenFill xmlns="" xmlns:a14="http://schemas.microsoft.com/office/drawing/2010/main">
                     <a:solidFill>
                       <a:srgbClr val="FFFFFF"/>
                     </a:solidFill>
@@ -18558,7 +19356,7 @@
               </a:ln>
               <a:extLst>
                 <a:ext uri="{909E8E84-426E-40DD-AFC4-6F175D3DCCD1}">
-                  <a14:hiddenFill xmlns:a14="http://schemas.microsoft.com/office/drawing/2010/main">
+                  <a14:hiddenFill xmlns="" xmlns:a14="http://schemas.microsoft.com/office/drawing/2010/main">
                     <a:solidFill>
                       <a:srgbClr val="FFFFFF"/>
                     </a:solidFill>
@@ -18706,7 +19504,7 @@
               </a:ln>
               <a:extLst>
                 <a:ext uri="{909E8E84-426E-40DD-AFC4-6F175D3DCCD1}">
-                  <a14:hiddenFill xmlns:a14="http://schemas.microsoft.com/office/drawing/2010/main">
+                  <a14:hiddenFill xmlns="" xmlns:a14="http://schemas.microsoft.com/office/drawing/2010/main">
                     <a:solidFill>
                       <a:srgbClr val="FFFFFF"/>
                     </a:solidFill>
@@ -18854,7 +19652,7 @@
               </a:ln>
               <a:extLst>
                 <a:ext uri="{909E8E84-426E-40DD-AFC4-6F175D3DCCD1}">
-                  <a14:hiddenFill xmlns:a14="http://schemas.microsoft.com/office/drawing/2010/main">
+                  <a14:hiddenFill xmlns="" xmlns:a14="http://schemas.microsoft.com/office/drawing/2010/main">
                     <a:solidFill>
                       <a:srgbClr val="FFFFFF"/>
                     </a:solidFill>
@@ -19116,7 +19914,6 @@
               <a:rPr lang="en-ID" dirty="0"/>
               <a:t>3</a:t>
             </a:r>
-            <a:endParaRPr lang="en-ID" dirty="0"/>
           </a:p>
         </p:txBody>
       </p:sp>
@@ -19172,7 +19969,7 @@
     </p:spTree>
     <p:extLst>
       <p:ext uri="{BB962C8B-B14F-4D97-AF65-F5344CB8AC3E}">
-        <p14:creationId xmlns:p14="http://schemas.microsoft.com/office/powerpoint/2010/main" val="3911755976"/>
+        <p14:creationId xmlns="" xmlns:p14="http://schemas.microsoft.com/office/powerpoint/2010/main" val="3911755976"/>
       </p:ext>
     </p:extLst>
   </p:cSld>
@@ -20230,21 +21027,13 @@
               </a:rPr>
               <a:t>await</a:t>
             </a:r>
-            <a:endParaRPr lang="en-US" dirty="0" smtClean="0">
-              <a:solidFill>
-                <a:schemeClr val="tx2">
-                  <a:lumMod val="60000"/>
-                  <a:lumOff val="40000"/>
-                </a:schemeClr>
-              </a:solidFill>
-            </a:endParaRPr>
           </a:p>
         </p:txBody>
       </p:sp>
     </p:spTree>
     <p:extLst>
       <p:ext uri="{BB962C8B-B14F-4D97-AF65-F5344CB8AC3E}">
-        <p14:creationId xmlns:p14="http://schemas.microsoft.com/office/powerpoint/2010/main" val="396211831"/>
+        <p14:creationId xmlns="" xmlns:p14="http://schemas.microsoft.com/office/powerpoint/2010/main" val="396211831"/>
       </p:ext>
     </p:extLst>
   </p:cSld>
@@ -20505,7 +21294,7 @@
           <p:nvPr/>
         </p:nvPicPr>
         <p:blipFill>
-          <a:blip r:embed="rId4"/>
+          <a:blip r:embed="rId3"/>
           <a:srcRect/>
           <a:stretch>
             <a:fillRect/>
@@ -20531,7 +21320,7 @@
           <p:nvPr/>
         </p:nvPicPr>
         <p:blipFill>
-          <a:blip r:embed="rId5"/>
+          <a:blip r:embed="rId4"/>
           <a:srcRect/>
           <a:stretch>
             <a:fillRect/>
@@ -20729,18 +21518,7 @@
                   </a:schemeClr>
                 </a:solidFill>
               </a:rPr>
-              <a:t>An identifier can be a combination of uppercase letters, lowercase letters, underscores, and digits (0-9). </a:t>
-            </a:r>
-            <a:r>
-              <a:rPr lang="en-US" sz="1600" dirty="0">
-                <a:solidFill>
-                  <a:schemeClr val="tx2">
-                    <a:lumMod val="60000"/>
-                    <a:lumOff val="40000"/>
-                  </a:schemeClr>
-                </a:solidFill>
-              </a:rPr>
-              <a:t>Hence, the following are valid identifiers: MyClass, my_variable, var_1, and print_hello_world. </a:t>
+              <a:t>An identifier can be a combination of uppercase letters, lowercase letters, underscores, and digits (0-9). Hence, the following are valid identifiers: MyClass, my_variable, var_1, and print_hello_world. </a:t>
             </a:r>
           </a:p>
           <a:p>
@@ -20820,21 +21598,13 @@
               </a:rPr>
               <a:t>Use relevant variable name such as count = 2.</a:t>
             </a:r>
-            <a:endParaRPr lang="en-US" sz="1600" dirty="0">
-              <a:solidFill>
-                <a:schemeClr val="tx2">
-                  <a:lumMod val="60000"/>
-                  <a:lumOff val="40000"/>
-                </a:schemeClr>
-              </a:solidFill>
-            </a:endParaRPr>
           </a:p>
         </p:txBody>
       </p:sp>
     </p:spTree>
     <p:extLst>
       <p:ext uri="{BB962C8B-B14F-4D97-AF65-F5344CB8AC3E}">
-        <p14:creationId xmlns:p14="http://schemas.microsoft.com/office/powerpoint/2010/main" val="3368793948"/>
+        <p14:creationId xmlns="" xmlns:p14="http://schemas.microsoft.com/office/powerpoint/2010/main" val="3368793948"/>
       </p:ext>
     </p:extLst>
   </p:cSld>
@@ -20844,427 +21614,7 @@
   <p:timing>
     <p:tnLst>
       <p:par>
-        <p:cTn id="1" dur="indefinite" restart="never" nodeType="tmRoot">
-          <p:childTnLst>
-            <p:seq concurrent="1" nextAc="seek">
-              <p:cTn id="2" dur="indefinite" nodeType="mainSeq">
-                <p:childTnLst>
-                  <p:par>
-                    <p:cTn id="3" fill="hold">
-                      <p:stCondLst>
-                        <p:cond delay="indefinite"/>
-                      </p:stCondLst>
-                      <p:childTnLst>
-                        <p:par>
-                          <p:cTn id="4" fill="hold">
-                            <p:stCondLst>
-                              <p:cond delay="0"/>
-                            </p:stCondLst>
-                            <p:childTnLst>
-                              <p:par>
-                                <p:cTn id="5" presetID="41" presetClass="entr" presetSubtype="0" fill="hold" nodeType="clickEffect">
-                                  <p:stCondLst>
-                                    <p:cond delay="0"/>
-                                  </p:stCondLst>
-                                  <p:iterate type="lt">
-                                    <p:tmPct val="10000"/>
-                                  </p:iterate>
-                                  <p:childTnLst>
-                                    <p:set>
-                                      <p:cBhvr>
-                                        <p:cTn id="6" dur="1" fill="hold">
-                                          <p:stCondLst>
-                                            <p:cond delay="0"/>
-                                          </p:stCondLst>
-                                        </p:cTn>
-                                        <p:tgtEl>
-                                          <p:spTgt spid="10">
-                                            <p:txEl>
-                                              <p:pRg st="0" end="0"/>
-                                            </p:txEl>
-                                          </p:spTgt>
-                                        </p:tgtEl>
-                                        <p:attrNameLst>
-                                          <p:attrName>style.visibility</p:attrName>
-                                        </p:attrNameLst>
-                                      </p:cBhvr>
-                                      <p:to>
-                                        <p:strVal val="visible"/>
-                                      </p:to>
-                                    </p:set>
-                                    <p:anim calcmode="lin" valueType="num">
-                                      <p:cBhvr>
-                                        <p:cTn id="7" dur="500" fill="hold"/>
-                                        <p:tgtEl>
-                                          <p:spTgt spid="10">
-                                            <p:txEl>
-                                              <p:pRg st="0" end="0"/>
-                                            </p:txEl>
-                                          </p:spTgt>
-                                        </p:tgtEl>
-                                        <p:attrNameLst>
-                                          <p:attrName>ppt_x</p:attrName>
-                                        </p:attrNameLst>
-                                      </p:cBhvr>
-                                      <p:tavLst>
-                                        <p:tav tm="0">
-                                          <p:val>
-                                            <p:strVal val="#ppt_x"/>
-                                          </p:val>
-                                        </p:tav>
-                                        <p:tav tm="50000">
-                                          <p:val>
-                                            <p:strVal val="#ppt_x+.1"/>
-                                          </p:val>
-                                        </p:tav>
-                                        <p:tav tm="100000">
-                                          <p:val>
-                                            <p:strVal val="#ppt_x"/>
-                                          </p:val>
-                                        </p:tav>
-                                      </p:tavLst>
-                                    </p:anim>
-                                    <p:anim calcmode="lin" valueType="num">
-                                      <p:cBhvr>
-                                        <p:cTn id="8" dur="500" fill="hold"/>
-                                        <p:tgtEl>
-                                          <p:spTgt spid="10">
-                                            <p:txEl>
-                                              <p:pRg st="0" end="0"/>
-                                            </p:txEl>
-                                          </p:spTgt>
-                                        </p:tgtEl>
-                                        <p:attrNameLst>
-                                          <p:attrName>ppt_y</p:attrName>
-                                        </p:attrNameLst>
-                                      </p:cBhvr>
-                                      <p:tavLst>
-                                        <p:tav tm="0">
-                                          <p:val>
-                                            <p:strVal val="#ppt_y"/>
-                                          </p:val>
-                                        </p:tav>
-                                        <p:tav tm="100000">
-                                          <p:val>
-                                            <p:strVal val="#ppt_y"/>
-                                          </p:val>
-                                        </p:tav>
-                                      </p:tavLst>
-                                    </p:anim>
-                                    <p:anim calcmode="lin" valueType="num">
-                                      <p:cBhvr>
-                                        <p:cTn id="9" dur="500" fill="hold"/>
-                                        <p:tgtEl>
-                                          <p:spTgt spid="10">
-                                            <p:txEl>
-                                              <p:pRg st="0" end="0"/>
-                                            </p:txEl>
-                                          </p:spTgt>
-                                        </p:tgtEl>
-                                        <p:attrNameLst>
-                                          <p:attrName>ppt_h</p:attrName>
-                                        </p:attrNameLst>
-                                      </p:cBhvr>
-                                      <p:tavLst>
-                                        <p:tav tm="0">
-                                          <p:val>
-                                            <p:strVal val="#ppt_h/10"/>
-                                          </p:val>
-                                        </p:tav>
-                                        <p:tav tm="50000">
-                                          <p:val>
-                                            <p:strVal val="#ppt_h+.01"/>
-                                          </p:val>
-                                        </p:tav>
-                                        <p:tav tm="100000">
-                                          <p:val>
-                                            <p:strVal val="#ppt_h"/>
-                                          </p:val>
-                                        </p:tav>
-                                      </p:tavLst>
-                                    </p:anim>
-                                    <p:anim calcmode="lin" valueType="num">
-                                      <p:cBhvr>
-                                        <p:cTn id="10" dur="500" fill="hold"/>
-                                        <p:tgtEl>
-                                          <p:spTgt spid="10">
-                                            <p:txEl>
-                                              <p:pRg st="0" end="0"/>
-                                            </p:txEl>
-                                          </p:spTgt>
-                                        </p:tgtEl>
-                                        <p:attrNameLst>
-                                          <p:attrName>ppt_w</p:attrName>
-                                        </p:attrNameLst>
-                                      </p:cBhvr>
-                                      <p:tavLst>
-                                        <p:tav tm="0">
-                                          <p:val>
-                                            <p:strVal val="#ppt_w/10"/>
-                                          </p:val>
-                                        </p:tav>
-                                        <p:tav tm="50000">
-                                          <p:val>
-                                            <p:strVal val="#ppt_w+.01"/>
-                                          </p:val>
-                                        </p:tav>
-                                        <p:tav tm="100000">
-                                          <p:val>
-                                            <p:strVal val="#ppt_w"/>
-                                          </p:val>
-                                        </p:tav>
-                                      </p:tavLst>
-                                    </p:anim>
-                                    <p:animEffect transition="in" filter="fade">
-                                      <p:cBhvr>
-                                        <p:cTn id="11" dur="500" tmFilter="0,0; .5, 1; 1, 1"/>
-                                        <p:tgtEl>
-                                          <p:spTgt spid="10">
-                                            <p:txEl>
-                                              <p:pRg st="0" end="0"/>
-                                            </p:txEl>
-                                          </p:spTgt>
-                                        </p:tgtEl>
-                                      </p:cBhvr>
-                                    </p:animEffect>
-                                  </p:childTnLst>
-                                </p:cTn>
-                              </p:par>
-                            </p:childTnLst>
-                          </p:cTn>
-                        </p:par>
-                      </p:childTnLst>
-                    </p:cTn>
-                  </p:par>
-                  <p:par>
-                    <p:cTn id="12" fill="hold">
-                      <p:stCondLst>
-                        <p:cond delay="indefinite"/>
-                      </p:stCondLst>
-                      <p:childTnLst>
-                        <p:par>
-                          <p:cTn id="13" fill="hold">
-                            <p:stCondLst>
-                              <p:cond delay="0"/>
-                            </p:stCondLst>
-                            <p:childTnLst>
-                              <p:par>
-                                <p:cTn id="14" presetID="41" presetClass="entr" presetSubtype="0" fill="hold" nodeType="clickEffect">
-                                  <p:stCondLst>
-                                    <p:cond delay="0"/>
-                                  </p:stCondLst>
-                                  <p:iterate type="wd">
-                                    <p:tmPct val="10000"/>
-                                  </p:iterate>
-                                  <p:childTnLst>
-                                    <p:set>
-                                      <p:cBhvr>
-                                        <p:cTn id="15" dur="1" fill="hold">
-                                          <p:stCondLst>
-                                            <p:cond delay="0"/>
-                                          </p:stCondLst>
-                                        </p:cTn>
-                                        <p:tgtEl>
-                                          <p:spTgt spid="10">
-                                            <p:txEl>
-                                              <p:pRg st="1" end="1"/>
-                                            </p:txEl>
-                                          </p:spTgt>
-                                        </p:tgtEl>
-                                        <p:attrNameLst>
-                                          <p:attrName>style.visibility</p:attrName>
-                                        </p:attrNameLst>
-                                      </p:cBhvr>
-                                      <p:to>
-                                        <p:strVal val="visible"/>
-                                      </p:to>
-                                    </p:set>
-                                    <p:anim calcmode="lin" valueType="num">
-                                      <p:cBhvr>
-                                        <p:cTn id="16" dur="500" fill="hold"/>
-                                        <p:tgtEl>
-                                          <p:spTgt spid="10">
-                                            <p:txEl>
-                                              <p:pRg st="1" end="1"/>
-                                            </p:txEl>
-                                          </p:spTgt>
-                                        </p:tgtEl>
-                                        <p:attrNameLst>
-                                          <p:attrName>ppt_x</p:attrName>
-                                        </p:attrNameLst>
-                                      </p:cBhvr>
-                                      <p:tavLst>
-                                        <p:tav tm="0">
-                                          <p:val>
-                                            <p:strVal val="#ppt_x"/>
-                                          </p:val>
-                                        </p:tav>
-                                        <p:tav tm="50000">
-                                          <p:val>
-                                            <p:strVal val="#ppt_x+.1"/>
-                                          </p:val>
-                                        </p:tav>
-                                        <p:tav tm="100000">
-                                          <p:val>
-                                            <p:strVal val="#ppt_x"/>
-                                          </p:val>
-                                        </p:tav>
-                                      </p:tavLst>
-                                    </p:anim>
-                                    <p:anim calcmode="lin" valueType="num">
-                                      <p:cBhvr>
-                                        <p:cTn id="17" dur="500" fill="hold"/>
-                                        <p:tgtEl>
-                                          <p:spTgt spid="10">
-                                            <p:txEl>
-                                              <p:pRg st="1" end="1"/>
-                                            </p:txEl>
-                                          </p:spTgt>
-                                        </p:tgtEl>
-                                        <p:attrNameLst>
-                                          <p:attrName>ppt_y</p:attrName>
-                                        </p:attrNameLst>
-                                      </p:cBhvr>
-                                      <p:tavLst>
-                                        <p:tav tm="0">
-                                          <p:val>
-                                            <p:strVal val="#ppt_y"/>
-                                          </p:val>
-                                        </p:tav>
-                                        <p:tav tm="100000">
-                                          <p:val>
-                                            <p:strVal val="#ppt_y"/>
-                                          </p:val>
-                                        </p:tav>
-                                      </p:tavLst>
-                                    </p:anim>
-                                    <p:anim calcmode="lin" valueType="num">
-                                      <p:cBhvr>
-                                        <p:cTn id="18" dur="500" fill="hold"/>
-                                        <p:tgtEl>
-                                          <p:spTgt spid="10">
-                                            <p:txEl>
-                                              <p:pRg st="1" end="1"/>
-                                            </p:txEl>
-                                          </p:spTgt>
-                                        </p:tgtEl>
-                                        <p:attrNameLst>
-                                          <p:attrName>ppt_h</p:attrName>
-                                        </p:attrNameLst>
-                                      </p:cBhvr>
-                                      <p:tavLst>
-                                        <p:tav tm="0">
-                                          <p:val>
-                                            <p:strVal val="#ppt_h/10"/>
-                                          </p:val>
-                                        </p:tav>
-                                        <p:tav tm="50000">
-                                          <p:val>
-                                            <p:strVal val="#ppt_h+.01"/>
-                                          </p:val>
-                                        </p:tav>
-                                        <p:tav tm="100000">
-                                          <p:val>
-                                            <p:strVal val="#ppt_h"/>
-                                          </p:val>
-                                        </p:tav>
-                                      </p:tavLst>
-                                    </p:anim>
-                                    <p:anim calcmode="lin" valueType="num">
-                                      <p:cBhvr>
-                                        <p:cTn id="19" dur="500" fill="hold"/>
-                                        <p:tgtEl>
-                                          <p:spTgt spid="10">
-                                            <p:txEl>
-                                              <p:pRg st="1" end="1"/>
-                                            </p:txEl>
-                                          </p:spTgt>
-                                        </p:tgtEl>
-                                        <p:attrNameLst>
-                                          <p:attrName>ppt_w</p:attrName>
-                                        </p:attrNameLst>
-                                      </p:cBhvr>
-                                      <p:tavLst>
-                                        <p:tav tm="0">
-                                          <p:val>
-                                            <p:strVal val="#ppt_w/10"/>
-                                          </p:val>
-                                        </p:tav>
-                                        <p:tav tm="50000">
-                                          <p:val>
-                                            <p:strVal val="#ppt_w+.01"/>
-                                          </p:val>
-                                        </p:tav>
-                                        <p:tav tm="100000">
-                                          <p:val>
-                                            <p:strVal val="#ppt_w"/>
-                                          </p:val>
-                                        </p:tav>
-                                      </p:tavLst>
-                                    </p:anim>
-                                    <p:animEffect transition="in" filter="fade">
-                                      <p:cBhvr>
-                                        <p:cTn id="20" dur="500" tmFilter="0,0; .5, 1; 1, 1"/>
-                                        <p:tgtEl>
-                                          <p:spTgt spid="10">
-                                            <p:txEl>
-                                              <p:pRg st="1" end="1"/>
-                                            </p:txEl>
-                                          </p:spTgt>
-                                        </p:tgtEl>
-                                      </p:cBhvr>
-                                    </p:animEffect>
-                                  </p:childTnLst>
-                                  <p:subTnLst>
-                                    <p:audio>
-                                      <p:cMediaNode>
-                                        <p:cTn display="0" masterRel="sameClick">
-                                          <p:stCondLst>
-                                            <p:cond evt="begin" delay="0">
-                                              <p:tn val="14"/>
-                                            </p:cond>
-                                          </p:stCondLst>
-                                          <p:endCondLst>
-                                            <p:cond evt="onStopAudio" delay="0">
-                                              <p:tgtEl>
-                                                <p:sldTgt/>
-                                              </p:tgtEl>
-                                            </p:cond>
-                                          </p:endCondLst>
-                                        </p:cTn>
-                                        <p:tgtEl>
-                                          <p:sndTgt r:embed="rId3" name="applause.wav"/>
-                                        </p:tgtEl>
-                                      </p:cMediaNode>
-                                    </p:audio>
-                                  </p:subTnLst>
-                                </p:cTn>
-                              </p:par>
-                            </p:childTnLst>
-                          </p:cTn>
-                        </p:par>
-                      </p:childTnLst>
-                    </p:cTn>
-                  </p:par>
-                </p:childTnLst>
-              </p:cTn>
-              <p:prevCondLst>
-                <p:cond evt="onPrev" delay="0">
-                  <p:tgtEl>
-                    <p:sldTgt/>
-                  </p:tgtEl>
-                </p:cond>
-              </p:prevCondLst>
-              <p:nextCondLst>
-                <p:cond evt="onNext" delay="0">
-                  <p:tgtEl>
-                    <p:sldTgt/>
-                  </p:tgtEl>
-                </p:cond>
-              </p:nextCondLst>
-            </p:seq>
-          </p:childTnLst>
-        </p:cTn>
+        <p:cTn id="1" dur="indefinite" restart="never" nodeType="tmRoot"/>
       </p:par>
     </p:tnLst>
   </p:timing>
@@ -21288,1055 +21638,9 @@
           <a:chExt cx="0" cy="0"/>
         </a:xfrm>
       </p:grpSpPr>
-      <p:grpSp>
-        <p:nvGrpSpPr>
-          <p:cNvPr id="6" name="Group 5"/>
-          <p:cNvGrpSpPr/>
-          <p:nvPr/>
-        </p:nvGrpSpPr>
-        <p:grpSpPr>
-          <a:xfrm>
-            <a:off x="1634850" y="1433956"/>
-            <a:ext cx="5932437" cy="4923657"/>
-            <a:chOff x="1814004" y="1544166"/>
-            <a:chExt cx="4572000" cy="4532042"/>
-          </a:xfrm>
-        </p:grpSpPr>
-        <p:grpSp>
-          <p:nvGrpSpPr>
-            <p:cNvPr id="7" name="Group 6"/>
-            <p:cNvGrpSpPr/>
-            <p:nvPr/>
-          </p:nvGrpSpPr>
-          <p:grpSpPr>
-            <a:xfrm>
-              <a:off x="1814004" y="1544166"/>
-              <a:ext cx="4572000" cy="600122"/>
-              <a:chOff x="870474" y="1122231"/>
-              <a:chExt cx="4572000" cy="545565"/>
-            </a:xfrm>
-          </p:grpSpPr>
-          <p:sp>
-            <p:nvSpPr>
-              <p:cNvPr id="32" name="Rectangle: Top Corners Rounded 69">
-                <a:extLst>
-                  <a:ext uri="{FF2B5EF4-FFF2-40B4-BE49-F238E27FC236}">
-                    <a16:creationId xmlns:a16="http://schemas.microsoft.com/office/drawing/2014/main" xmlns="" id="{26FEAD48-C54F-4EA2-85D2-D847AE0E5FBA}"/>
-                  </a:ext>
-                </a:extLst>
-              </p:cNvPr>
-              <p:cNvSpPr/>
-              <p:nvPr/>
-            </p:nvSpPr>
-            <p:spPr>
-              <a:xfrm rot="5400000">
-                <a:off x="2927874" y="-935169"/>
-                <a:ext cx="457200" cy="4572000"/>
-              </a:xfrm>
-              <a:prstGeom prst="round2SameRect">
-                <a:avLst>
-                  <a:gd name="adj1" fmla="val 50000"/>
-                  <a:gd name="adj2" fmla="val 0"/>
-                </a:avLst>
-              </a:prstGeom>
-              <a:ln/>
-            </p:spPr>
-            <p:style>
-              <a:lnRef idx="1">
-                <a:schemeClr val="accent5"/>
-              </a:lnRef>
-              <a:fillRef idx="2">
-                <a:schemeClr val="accent5"/>
-              </a:fillRef>
-              <a:effectRef idx="1">
-                <a:schemeClr val="accent5"/>
-              </a:effectRef>
-              <a:fontRef idx="minor">
-                <a:schemeClr val="dk1"/>
-              </a:fontRef>
-            </p:style>
-            <p:txBody>
-              <a:bodyPr tIns="0" bIns="0" rtlCol="0" anchor="ctr"/>
-              <a:lstStyle/>
-              <a:p>
-                <a:pPr algn="ctr"/>
-                <a:endParaRPr lang="en-ID" dirty="0"/>
-              </a:p>
-            </p:txBody>
-          </p:sp>
-          <p:sp>
-            <p:nvSpPr>
-              <p:cNvPr id="33" name="TextBox 32">
-                <a:extLst>
-                  <a:ext uri="{FF2B5EF4-FFF2-40B4-BE49-F238E27FC236}">
-                    <a16:creationId xmlns="" xmlns:a16="http://schemas.microsoft.com/office/drawing/2014/main" id="{37617BA8-4B08-4BF4-9472-C431DF73FFEC}"/>
-                  </a:ext>
-                </a:extLst>
-              </p:cNvPr>
-              <p:cNvSpPr txBox="1"/>
-              <p:nvPr/>
-            </p:nvSpPr>
-            <p:spPr>
-              <a:xfrm>
-                <a:off x="937800" y="1152711"/>
-                <a:ext cx="3523541" cy="515085"/>
-              </a:xfrm>
-              <a:prstGeom prst="rect">
-                <a:avLst/>
-              </a:prstGeom>
-              <a:noFill/>
-              <a:ln>
-                <a:noFill/>
-              </a:ln>
-            </p:spPr>
-            <p:style>
-              <a:lnRef idx="1">
-                <a:schemeClr val="accent5"/>
-              </a:lnRef>
-              <a:fillRef idx="2">
-                <a:schemeClr val="accent5"/>
-              </a:fillRef>
-              <a:effectRef idx="1">
-                <a:schemeClr val="accent5"/>
-              </a:effectRef>
-              <a:fontRef idx="minor">
-                <a:schemeClr val="dk1"/>
-              </a:fontRef>
-            </p:style>
-            <p:txBody>
-              <a:bodyPr wrap="square" lIns="0" tIns="0" rIns="0" bIns="0" rtlCol="0">
-                <a:spAutoFit/>
-              </a:bodyPr>
-              <a:lstStyle/>
-              <a:p>
-                <a:r>
-                  <a:rPr lang="en-US" sz="2000" b="1" dirty="0">
-                    <a:solidFill>
-                      <a:srgbClr val="115EC7"/>
-                    </a:solidFill>
-                  </a:rPr>
-                  <a:t>Define empty list</a:t>
-                </a:r>
-              </a:p>
-              <a:p>
-                <a:endParaRPr lang="en-ID" sz="2000" b="1" dirty="0">
-                  <a:solidFill>
-                    <a:srgbClr val="115EC7"/>
-                  </a:solidFill>
-                </a:endParaRPr>
-              </a:p>
-            </p:txBody>
-          </p:sp>
-        </p:grpSp>
-        <p:grpSp>
-          <p:nvGrpSpPr>
-            <p:cNvPr id="8" name="Group 7"/>
-            <p:cNvGrpSpPr/>
-            <p:nvPr/>
-          </p:nvGrpSpPr>
-          <p:grpSpPr>
-            <a:xfrm>
-              <a:off x="1814004" y="2108044"/>
-              <a:ext cx="4572000" cy="600120"/>
-              <a:chOff x="870474" y="1122231"/>
-              <a:chExt cx="4572000" cy="545564"/>
-            </a:xfrm>
-          </p:grpSpPr>
-          <p:sp>
-            <p:nvSpPr>
-              <p:cNvPr id="30" name="Rectangle: Top Corners Rounded 69">
-                <a:extLst>
-                  <a:ext uri="{FF2B5EF4-FFF2-40B4-BE49-F238E27FC236}">
-                    <a16:creationId xmlns:a16="http://schemas.microsoft.com/office/drawing/2014/main" xmlns="" id="{26FEAD48-C54F-4EA2-85D2-D847AE0E5FBA}"/>
-                  </a:ext>
-                </a:extLst>
-              </p:cNvPr>
-              <p:cNvSpPr/>
-              <p:nvPr/>
-            </p:nvSpPr>
-            <p:spPr>
-              <a:xfrm rot="5400000">
-                <a:off x="2927874" y="-935169"/>
-                <a:ext cx="457200" cy="4572000"/>
-              </a:xfrm>
-              <a:prstGeom prst="round2SameRect">
-                <a:avLst>
-                  <a:gd name="adj1" fmla="val 50000"/>
-                  <a:gd name="adj2" fmla="val 0"/>
-                </a:avLst>
-              </a:prstGeom>
-              <a:ln/>
-            </p:spPr>
-            <p:style>
-              <a:lnRef idx="1">
-                <a:schemeClr val="accent5"/>
-              </a:lnRef>
-              <a:fillRef idx="2">
-                <a:schemeClr val="accent5"/>
-              </a:fillRef>
-              <a:effectRef idx="1">
-                <a:schemeClr val="accent5"/>
-              </a:effectRef>
-              <a:fontRef idx="minor">
-                <a:schemeClr val="dk1"/>
-              </a:fontRef>
-            </p:style>
-            <p:txBody>
-              <a:bodyPr tIns="0" bIns="0" rtlCol="0" anchor="ctr"/>
-              <a:lstStyle/>
-              <a:p>
-                <a:pPr algn="ctr"/>
-                <a:endParaRPr lang="en-ID" dirty="0"/>
-              </a:p>
-            </p:txBody>
-          </p:sp>
-          <p:sp>
-            <p:nvSpPr>
-              <p:cNvPr id="31" name="TextBox 30">
-                <a:extLst>
-                  <a:ext uri="{FF2B5EF4-FFF2-40B4-BE49-F238E27FC236}">
-                    <a16:creationId xmlns="" xmlns:a16="http://schemas.microsoft.com/office/drawing/2014/main" id="{37617BA8-4B08-4BF4-9472-C431DF73FFEC}"/>
-                  </a:ext>
-                </a:extLst>
-              </p:cNvPr>
-              <p:cNvSpPr txBox="1"/>
-              <p:nvPr/>
-            </p:nvSpPr>
-            <p:spPr>
-              <a:xfrm>
-                <a:off x="937803" y="1152710"/>
-                <a:ext cx="2818833" cy="515085"/>
-              </a:xfrm>
-              <a:prstGeom prst="rect">
-                <a:avLst/>
-              </a:prstGeom>
-              <a:noFill/>
-              <a:ln>
-                <a:noFill/>
-              </a:ln>
-            </p:spPr>
-            <p:style>
-              <a:lnRef idx="1">
-                <a:schemeClr val="accent5"/>
-              </a:lnRef>
-              <a:fillRef idx="2">
-                <a:schemeClr val="accent5"/>
-              </a:fillRef>
-              <a:effectRef idx="1">
-                <a:schemeClr val="accent5"/>
-              </a:effectRef>
-              <a:fontRef idx="minor">
-                <a:schemeClr val="dk1"/>
-              </a:fontRef>
-            </p:style>
-            <p:txBody>
-              <a:bodyPr wrap="square" lIns="0" tIns="0" rIns="0" bIns="0" rtlCol="0">
-                <a:spAutoFit/>
-              </a:bodyPr>
-              <a:lstStyle/>
-              <a:p>
-                <a:r>
-                  <a:rPr lang="en-US" sz="2000" b="1" dirty="0">
-                    <a:solidFill>
-                      <a:srgbClr val="115EC7"/>
-                    </a:solidFill>
-                  </a:rPr>
-                  <a:t>Define and assign items</a:t>
-                </a:r>
-              </a:p>
-              <a:p>
-                <a:endParaRPr lang="en-US" sz="2000" b="1" dirty="0">
-                  <a:solidFill>
-                    <a:srgbClr val="115EC7"/>
-                  </a:solidFill>
-                </a:endParaRPr>
-              </a:p>
-            </p:txBody>
-          </p:sp>
-        </p:grpSp>
-        <p:grpSp>
-          <p:nvGrpSpPr>
-            <p:cNvPr id="9" name="Group 8"/>
-            <p:cNvGrpSpPr/>
-            <p:nvPr/>
-          </p:nvGrpSpPr>
-          <p:grpSpPr>
-            <a:xfrm>
-              <a:off x="1814004" y="2671927"/>
-              <a:ext cx="4572000" cy="600122"/>
-              <a:chOff x="870474" y="1122231"/>
-              <a:chExt cx="4572000" cy="545565"/>
-            </a:xfrm>
-          </p:grpSpPr>
-          <p:sp>
-            <p:nvSpPr>
-              <p:cNvPr id="28" name="Rectangle: Top Corners Rounded 69">
-                <a:extLst>
-                  <a:ext uri="{FF2B5EF4-FFF2-40B4-BE49-F238E27FC236}">
-                    <a16:creationId xmlns:a16="http://schemas.microsoft.com/office/drawing/2014/main" xmlns="" id="{26FEAD48-C54F-4EA2-85D2-D847AE0E5FBA}"/>
-                  </a:ext>
-                </a:extLst>
-              </p:cNvPr>
-              <p:cNvSpPr/>
-              <p:nvPr/>
-            </p:nvSpPr>
-            <p:spPr>
-              <a:xfrm rot="5400000">
-                <a:off x="2927874" y="-935169"/>
-                <a:ext cx="457200" cy="4572000"/>
-              </a:xfrm>
-              <a:prstGeom prst="round2SameRect">
-                <a:avLst>
-                  <a:gd name="adj1" fmla="val 50000"/>
-                  <a:gd name="adj2" fmla="val 0"/>
-                </a:avLst>
-              </a:prstGeom>
-              <a:ln/>
-            </p:spPr>
-            <p:style>
-              <a:lnRef idx="1">
-                <a:schemeClr val="accent5"/>
-              </a:lnRef>
-              <a:fillRef idx="2">
-                <a:schemeClr val="accent5"/>
-              </a:fillRef>
-              <a:effectRef idx="1">
-                <a:schemeClr val="accent5"/>
-              </a:effectRef>
-              <a:fontRef idx="minor">
-                <a:schemeClr val="dk1"/>
-              </a:fontRef>
-            </p:style>
-            <p:txBody>
-              <a:bodyPr tIns="0" bIns="0" rtlCol="0" anchor="ctr"/>
-              <a:lstStyle/>
-              <a:p>
-                <a:pPr algn="ctr"/>
-                <a:endParaRPr lang="en-ID" dirty="0"/>
-              </a:p>
-            </p:txBody>
-          </p:sp>
-          <p:sp>
-            <p:nvSpPr>
-              <p:cNvPr id="29" name="TextBox 28">
-                <a:extLst>
-                  <a:ext uri="{FF2B5EF4-FFF2-40B4-BE49-F238E27FC236}">
-                    <a16:creationId xmlns="" xmlns:a16="http://schemas.microsoft.com/office/drawing/2014/main" id="{37617BA8-4B08-4BF4-9472-C431DF73FFEC}"/>
-                  </a:ext>
-                </a:extLst>
-              </p:cNvPr>
-              <p:cNvSpPr txBox="1"/>
-              <p:nvPr/>
-            </p:nvSpPr>
-            <p:spPr>
-              <a:xfrm>
-                <a:off x="937803" y="1152711"/>
-                <a:ext cx="2818833" cy="515085"/>
-              </a:xfrm>
-              <a:prstGeom prst="rect">
-                <a:avLst/>
-              </a:prstGeom>
-              <a:noFill/>
-              <a:ln>
-                <a:noFill/>
-              </a:ln>
-            </p:spPr>
-            <p:style>
-              <a:lnRef idx="1">
-                <a:schemeClr val="accent5"/>
-              </a:lnRef>
-              <a:fillRef idx="2">
-                <a:schemeClr val="accent5"/>
-              </a:fillRef>
-              <a:effectRef idx="1">
-                <a:schemeClr val="accent5"/>
-              </a:effectRef>
-              <a:fontRef idx="minor">
-                <a:schemeClr val="dk1"/>
-              </a:fontRef>
-            </p:style>
-            <p:txBody>
-              <a:bodyPr wrap="square" lIns="0" tIns="0" rIns="0" bIns="0" rtlCol="0">
-                <a:spAutoFit/>
-              </a:bodyPr>
-              <a:lstStyle/>
-              <a:p>
-                <a:r>
-                  <a:rPr lang="en-US" sz="2000" b="1" dirty="0">
-                    <a:solidFill>
-                      <a:srgbClr val="115EC7"/>
-                    </a:solidFill>
-                  </a:rPr>
-                  <a:t>Printing items</a:t>
-                </a:r>
-              </a:p>
-              <a:p>
-                <a:endParaRPr lang="en-ID" sz="2000" b="1" dirty="0">
-                  <a:solidFill>
-                    <a:srgbClr val="115EC7"/>
-                  </a:solidFill>
-                </a:endParaRPr>
-              </a:p>
-            </p:txBody>
-          </p:sp>
-        </p:grpSp>
-        <p:grpSp>
-          <p:nvGrpSpPr>
-            <p:cNvPr id="10" name="Group 9"/>
-            <p:cNvGrpSpPr/>
-            <p:nvPr/>
-          </p:nvGrpSpPr>
-          <p:grpSpPr>
-            <a:xfrm>
-              <a:off x="1814004" y="3235804"/>
-              <a:ext cx="4572000" cy="600120"/>
-              <a:chOff x="870474" y="1122231"/>
-              <a:chExt cx="4572000" cy="545564"/>
-            </a:xfrm>
-          </p:grpSpPr>
-          <p:sp>
-            <p:nvSpPr>
-              <p:cNvPr id="26" name="Rectangle: Top Corners Rounded 69">
-                <a:extLst>
-                  <a:ext uri="{FF2B5EF4-FFF2-40B4-BE49-F238E27FC236}">
-                    <a16:creationId xmlns:a16="http://schemas.microsoft.com/office/drawing/2014/main" xmlns="" id="{26FEAD48-C54F-4EA2-85D2-D847AE0E5FBA}"/>
-                  </a:ext>
-                </a:extLst>
-              </p:cNvPr>
-              <p:cNvSpPr/>
-              <p:nvPr/>
-            </p:nvSpPr>
-            <p:spPr>
-              <a:xfrm rot="5400000">
-                <a:off x="2927874" y="-935169"/>
-                <a:ext cx="457200" cy="4572000"/>
-              </a:xfrm>
-              <a:prstGeom prst="round2SameRect">
-                <a:avLst>
-                  <a:gd name="adj1" fmla="val 50000"/>
-                  <a:gd name="adj2" fmla="val 0"/>
-                </a:avLst>
-              </a:prstGeom>
-              <a:ln/>
-            </p:spPr>
-            <p:style>
-              <a:lnRef idx="1">
-                <a:schemeClr val="accent5"/>
-              </a:lnRef>
-              <a:fillRef idx="2">
-                <a:schemeClr val="accent5"/>
-              </a:fillRef>
-              <a:effectRef idx="1">
-                <a:schemeClr val="accent5"/>
-              </a:effectRef>
-              <a:fontRef idx="minor">
-                <a:schemeClr val="dk1"/>
-              </a:fontRef>
-            </p:style>
-            <p:txBody>
-              <a:bodyPr tIns="0" bIns="0" rtlCol="0" anchor="ctr"/>
-              <a:lstStyle/>
-              <a:p>
-                <a:pPr algn="ctr"/>
-                <a:endParaRPr lang="en-ID" dirty="0"/>
-              </a:p>
-            </p:txBody>
-          </p:sp>
-          <p:sp>
-            <p:nvSpPr>
-              <p:cNvPr id="27" name="TextBox 26">
-                <a:extLst>
-                  <a:ext uri="{FF2B5EF4-FFF2-40B4-BE49-F238E27FC236}">
-                    <a16:creationId xmlns="" xmlns:a16="http://schemas.microsoft.com/office/drawing/2014/main" id="{37617BA8-4B08-4BF4-9472-C431DF73FFEC}"/>
-                  </a:ext>
-                </a:extLst>
-              </p:cNvPr>
-              <p:cNvSpPr txBox="1"/>
-              <p:nvPr/>
-            </p:nvSpPr>
-            <p:spPr>
-              <a:xfrm>
-                <a:off x="937803" y="1152710"/>
-                <a:ext cx="2818833" cy="515085"/>
-              </a:xfrm>
-              <a:prstGeom prst="rect">
-                <a:avLst/>
-              </a:prstGeom>
-              <a:noFill/>
-              <a:ln>
-                <a:noFill/>
-              </a:ln>
-            </p:spPr>
-            <p:style>
-              <a:lnRef idx="1">
-                <a:schemeClr val="accent5"/>
-              </a:lnRef>
-              <a:fillRef idx="2">
-                <a:schemeClr val="accent5"/>
-              </a:fillRef>
-              <a:effectRef idx="1">
-                <a:schemeClr val="accent5"/>
-              </a:effectRef>
-              <a:fontRef idx="minor">
-                <a:schemeClr val="dk1"/>
-              </a:fontRef>
-            </p:style>
-            <p:txBody>
-              <a:bodyPr wrap="square" lIns="0" tIns="0" rIns="0" bIns="0" rtlCol="0">
-                <a:spAutoFit/>
-              </a:bodyPr>
-              <a:lstStyle>
-                <a:defPPr>
-                  <a:defRPr lang="en-US"/>
-                </a:defPPr>
-                <a:lvl1pPr>
-                  <a:defRPr sz="2000" b="1">
-                    <a:solidFill>
-                      <a:srgbClr val="115EC7"/>
-                    </a:solidFill>
-                  </a:defRPr>
-                </a:lvl1pPr>
-              </a:lstStyle>
-              <a:p>
-                <a:r>
-                  <a:rPr lang="en-US" dirty="0"/>
-                  <a:t>Access by index</a:t>
-                </a:r>
-              </a:p>
-              <a:p>
-                <a:endParaRPr lang="en-ID" dirty="0"/>
-              </a:p>
-            </p:txBody>
-          </p:sp>
-        </p:grpSp>
-        <p:grpSp>
-          <p:nvGrpSpPr>
-            <p:cNvPr id="11" name="Group 10"/>
-            <p:cNvGrpSpPr/>
-            <p:nvPr/>
-          </p:nvGrpSpPr>
-          <p:grpSpPr>
-            <a:xfrm>
-              <a:off x="1814004" y="3784444"/>
-              <a:ext cx="4572000" cy="600120"/>
-              <a:chOff x="870474" y="1122231"/>
-              <a:chExt cx="4572000" cy="545564"/>
-            </a:xfrm>
-          </p:grpSpPr>
-          <p:sp>
-            <p:nvSpPr>
-              <p:cNvPr id="24" name="Rectangle: Top Corners Rounded 69">
-                <a:extLst>
-                  <a:ext uri="{FF2B5EF4-FFF2-40B4-BE49-F238E27FC236}">
-                    <a16:creationId xmlns:a16="http://schemas.microsoft.com/office/drawing/2014/main" xmlns="" id="{26FEAD48-C54F-4EA2-85D2-D847AE0E5FBA}"/>
-                  </a:ext>
-                </a:extLst>
-              </p:cNvPr>
-              <p:cNvSpPr/>
-              <p:nvPr/>
-            </p:nvSpPr>
-            <p:spPr>
-              <a:xfrm rot="5400000">
-                <a:off x="2927874" y="-935169"/>
-                <a:ext cx="457200" cy="4572000"/>
-              </a:xfrm>
-              <a:prstGeom prst="round2SameRect">
-                <a:avLst>
-                  <a:gd name="adj1" fmla="val 50000"/>
-                  <a:gd name="adj2" fmla="val 0"/>
-                </a:avLst>
-              </a:prstGeom>
-              <a:ln/>
-            </p:spPr>
-            <p:style>
-              <a:lnRef idx="1">
-                <a:schemeClr val="accent5"/>
-              </a:lnRef>
-              <a:fillRef idx="2">
-                <a:schemeClr val="accent5"/>
-              </a:fillRef>
-              <a:effectRef idx="1">
-                <a:schemeClr val="accent5"/>
-              </a:effectRef>
-              <a:fontRef idx="minor">
-                <a:schemeClr val="dk1"/>
-              </a:fontRef>
-            </p:style>
-            <p:txBody>
-              <a:bodyPr tIns="0" bIns="0" rtlCol="0" anchor="ctr"/>
-              <a:lstStyle/>
-              <a:p>
-                <a:pPr algn="ctr"/>
-                <a:endParaRPr lang="en-ID" dirty="0"/>
-              </a:p>
-            </p:txBody>
-          </p:sp>
-          <p:sp>
-            <p:nvSpPr>
-              <p:cNvPr id="25" name="TextBox 24">
-                <a:extLst>
-                  <a:ext uri="{FF2B5EF4-FFF2-40B4-BE49-F238E27FC236}">
-                    <a16:creationId xmlns="" xmlns:a16="http://schemas.microsoft.com/office/drawing/2014/main" id="{37617BA8-4B08-4BF4-9472-C431DF73FFEC}"/>
-                  </a:ext>
-                </a:extLst>
-              </p:cNvPr>
-              <p:cNvSpPr txBox="1"/>
-              <p:nvPr/>
-            </p:nvSpPr>
-            <p:spPr>
-              <a:xfrm>
-                <a:off x="937803" y="1152710"/>
-                <a:ext cx="2818833" cy="515085"/>
-              </a:xfrm>
-              <a:prstGeom prst="rect">
-                <a:avLst/>
-              </a:prstGeom>
-              <a:noFill/>
-              <a:ln>
-                <a:noFill/>
-              </a:ln>
-            </p:spPr>
-            <p:style>
-              <a:lnRef idx="1">
-                <a:schemeClr val="accent5"/>
-              </a:lnRef>
-              <a:fillRef idx="2">
-                <a:schemeClr val="accent5"/>
-              </a:fillRef>
-              <a:effectRef idx="1">
-                <a:schemeClr val="accent5"/>
-              </a:effectRef>
-              <a:fontRef idx="minor">
-                <a:schemeClr val="dk1"/>
-              </a:fontRef>
-            </p:style>
-            <p:txBody>
-              <a:bodyPr wrap="square" lIns="0" tIns="0" rIns="0" bIns="0" rtlCol="0">
-                <a:spAutoFit/>
-              </a:bodyPr>
-              <a:lstStyle>
-                <a:defPPr>
-                  <a:defRPr lang="en-US"/>
-                </a:defPPr>
-                <a:lvl1pPr>
-                  <a:defRPr sz="2000" b="1">
-                    <a:solidFill>
-                      <a:srgbClr val="115EC7"/>
-                    </a:solidFill>
-                  </a:defRPr>
-                </a:lvl1pPr>
-              </a:lstStyle>
-              <a:p>
-                <a:r>
-                  <a:rPr lang="en-US" dirty="0"/>
-                  <a:t>len() function</a:t>
-                </a:r>
-              </a:p>
-              <a:p>
-                <a:endParaRPr lang="en-ID" dirty="0"/>
-              </a:p>
-            </p:txBody>
-          </p:sp>
-        </p:grpSp>
-        <p:grpSp>
-          <p:nvGrpSpPr>
-            <p:cNvPr id="15" name="Group 14"/>
-            <p:cNvGrpSpPr/>
-            <p:nvPr/>
-          </p:nvGrpSpPr>
-          <p:grpSpPr>
-            <a:xfrm>
-              <a:off x="1814004" y="4348326"/>
-              <a:ext cx="4572000" cy="600122"/>
-              <a:chOff x="870474" y="1122231"/>
-              <a:chExt cx="4572000" cy="545565"/>
-            </a:xfrm>
-          </p:grpSpPr>
-          <p:sp>
-            <p:nvSpPr>
-              <p:cNvPr id="22" name="Rectangle: Top Corners Rounded 69">
-                <a:extLst>
-                  <a:ext uri="{FF2B5EF4-FFF2-40B4-BE49-F238E27FC236}">
-                    <a16:creationId xmlns:a16="http://schemas.microsoft.com/office/drawing/2014/main" xmlns="" id="{26FEAD48-C54F-4EA2-85D2-D847AE0E5FBA}"/>
-                  </a:ext>
-                </a:extLst>
-              </p:cNvPr>
-              <p:cNvSpPr/>
-              <p:nvPr/>
-            </p:nvSpPr>
-            <p:spPr>
-              <a:xfrm rot="5400000">
-                <a:off x="2927874" y="-935169"/>
-                <a:ext cx="457200" cy="4572000"/>
-              </a:xfrm>
-              <a:prstGeom prst="round2SameRect">
-                <a:avLst>
-                  <a:gd name="adj1" fmla="val 50000"/>
-                  <a:gd name="adj2" fmla="val 0"/>
-                </a:avLst>
-              </a:prstGeom>
-              <a:ln/>
-            </p:spPr>
-            <p:style>
-              <a:lnRef idx="1">
-                <a:schemeClr val="accent5"/>
-              </a:lnRef>
-              <a:fillRef idx="2">
-                <a:schemeClr val="accent5"/>
-              </a:fillRef>
-              <a:effectRef idx="1">
-                <a:schemeClr val="accent5"/>
-              </a:effectRef>
-              <a:fontRef idx="minor">
-                <a:schemeClr val="dk1"/>
-              </a:fontRef>
-            </p:style>
-            <p:txBody>
-              <a:bodyPr tIns="0" bIns="0" rtlCol="0" anchor="ctr"/>
-              <a:lstStyle/>
-              <a:p>
-                <a:pPr algn="ctr"/>
-                <a:endParaRPr lang="en-ID" dirty="0"/>
-              </a:p>
-            </p:txBody>
-          </p:sp>
-          <p:sp>
-            <p:nvSpPr>
-              <p:cNvPr id="23" name="TextBox 22">
-                <a:extLst>
-                  <a:ext uri="{FF2B5EF4-FFF2-40B4-BE49-F238E27FC236}">
-                    <a16:creationId xmlns="" xmlns:a16="http://schemas.microsoft.com/office/drawing/2014/main" id="{37617BA8-4B08-4BF4-9472-C431DF73FFEC}"/>
-                  </a:ext>
-                </a:extLst>
-              </p:cNvPr>
-              <p:cNvSpPr txBox="1"/>
-              <p:nvPr/>
-            </p:nvSpPr>
-            <p:spPr>
-              <a:xfrm>
-                <a:off x="937803" y="1152711"/>
-                <a:ext cx="2818833" cy="515085"/>
-              </a:xfrm>
-              <a:prstGeom prst="rect">
-                <a:avLst/>
-              </a:prstGeom>
-              <a:noFill/>
-              <a:ln>
-                <a:noFill/>
-              </a:ln>
-            </p:spPr>
-            <p:style>
-              <a:lnRef idx="1">
-                <a:schemeClr val="accent5"/>
-              </a:lnRef>
-              <a:fillRef idx="2">
-                <a:schemeClr val="accent5"/>
-              </a:fillRef>
-              <a:effectRef idx="1">
-                <a:schemeClr val="accent5"/>
-              </a:effectRef>
-              <a:fontRef idx="minor">
-                <a:schemeClr val="dk1"/>
-              </a:fontRef>
-            </p:style>
-            <p:txBody>
-              <a:bodyPr wrap="square" lIns="0" tIns="0" rIns="0" bIns="0" rtlCol="0">
-                <a:spAutoFit/>
-              </a:bodyPr>
-              <a:lstStyle>
-                <a:defPPr>
-                  <a:defRPr lang="en-US"/>
-                </a:defPPr>
-                <a:lvl1pPr>
-                  <a:defRPr sz="2000" b="1">
-                    <a:solidFill>
-                      <a:srgbClr val="115EC7"/>
-                    </a:solidFill>
-                  </a:defRPr>
-                </a:lvl1pPr>
-              </a:lstStyle>
-              <a:p>
-                <a:r>
-                  <a:rPr lang="en-US" dirty="0"/>
-                  <a:t>remove() function</a:t>
-                </a:r>
-              </a:p>
-              <a:p>
-                <a:endParaRPr lang="en-ID" dirty="0"/>
-              </a:p>
-            </p:txBody>
-          </p:sp>
-        </p:grpSp>
-        <p:grpSp>
-          <p:nvGrpSpPr>
-            <p:cNvPr id="16" name="Group 15"/>
-            <p:cNvGrpSpPr/>
-            <p:nvPr/>
-          </p:nvGrpSpPr>
-          <p:grpSpPr>
-            <a:xfrm>
-              <a:off x="1814004" y="4912204"/>
-              <a:ext cx="4572000" cy="600119"/>
-              <a:chOff x="870474" y="1122231"/>
-              <a:chExt cx="4572000" cy="545563"/>
-            </a:xfrm>
-          </p:grpSpPr>
-          <p:sp>
-            <p:nvSpPr>
-              <p:cNvPr id="20" name="Rectangle: Top Corners Rounded 69">
-                <a:extLst>
-                  <a:ext uri="{FF2B5EF4-FFF2-40B4-BE49-F238E27FC236}">
-                    <a16:creationId xmlns:a16="http://schemas.microsoft.com/office/drawing/2014/main" xmlns="" id="{26FEAD48-C54F-4EA2-85D2-D847AE0E5FBA}"/>
-                  </a:ext>
-                </a:extLst>
-              </p:cNvPr>
-              <p:cNvSpPr/>
-              <p:nvPr/>
-            </p:nvSpPr>
-            <p:spPr>
-              <a:xfrm rot="5400000">
-                <a:off x="2927874" y="-935169"/>
-                <a:ext cx="457200" cy="4572000"/>
-              </a:xfrm>
-              <a:prstGeom prst="round2SameRect">
-                <a:avLst>
-                  <a:gd name="adj1" fmla="val 50000"/>
-                  <a:gd name="adj2" fmla="val 0"/>
-                </a:avLst>
-              </a:prstGeom>
-              <a:ln/>
-            </p:spPr>
-            <p:style>
-              <a:lnRef idx="1">
-                <a:schemeClr val="accent5"/>
-              </a:lnRef>
-              <a:fillRef idx="2">
-                <a:schemeClr val="accent5"/>
-              </a:fillRef>
-              <a:effectRef idx="1">
-                <a:schemeClr val="accent5"/>
-              </a:effectRef>
-              <a:fontRef idx="minor">
-                <a:schemeClr val="dk1"/>
-              </a:fontRef>
-            </p:style>
-            <p:txBody>
-              <a:bodyPr tIns="0" bIns="0" rtlCol="0" anchor="ctr"/>
-              <a:lstStyle/>
-              <a:p>
-                <a:pPr algn="ctr"/>
-                <a:endParaRPr lang="en-ID" dirty="0"/>
-              </a:p>
-            </p:txBody>
-          </p:sp>
-          <p:sp>
-            <p:nvSpPr>
-              <p:cNvPr id="21" name="TextBox 20">
-                <a:extLst>
-                  <a:ext uri="{FF2B5EF4-FFF2-40B4-BE49-F238E27FC236}">
-                    <a16:creationId xmlns="" xmlns:a16="http://schemas.microsoft.com/office/drawing/2014/main" id="{37617BA8-4B08-4BF4-9472-C431DF73FFEC}"/>
-                  </a:ext>
-                </a:extLst>
-              </p:cNvPr>
-              <p:cNvSpPr txBox="1"/>
-              <p:nvPr/>
-            </p:nvSpPr>
-            <p:spPr>
-              <a:xfrm>
-                <a:off x="937803" y="1152709"/>
-                <a:ext cx="2818833" cy="515085"/>
-              </a:xfrm>
-              <a:prstGeom prst="rect">
-                <a:avLst/>
-              </a:prstGeom>
-              <a:noFill/>
-              <a:ln>
-                <a:noFill/>
-              </a:ln>
-            </p:spPr>
-            <p:style>
-              <a:lnRef idx="1">
-                <a:schemeClr val="accent5"/>
-              </a:lnRef>
-              <a:fillRef idx="2">
-                <a:schemeClr val="accent5"/>
-              </a:fillRef>
-              <a:effectRef idx="1">
-                <a:schemeClr val="accent5"/>
-              </a:effectRef>
-              <a:fontRef idx="minor">
-                <a:schemeClr val="dk1"/>
-              </a:fontRef>
-            </p:style>
-            <p:txBody>
-              <a:bodyPr wrap="square" lIns="0" tIns="0" rIns="0" bIns="0" rtlCol="0">
-                <a:spAutoFit/>
-              </a:bodyPr>
-              <a:lstStyle>
-                <a:defPPr>
-                  <a:defRPr lang="en-US"/>
-                </a:defPPr>
-                <a:lvl1pPr>
-                  <a:defRPr sz="2000" b="1">
-                    <a:solidFill>
-                      <a:srgbClr val="115EC7"/>
-                    </a:solidFill>
-                  </a:defRPr>
-                </a:lvl1pPr>
-              </a:lstStyle>
-              <a:p>
-                <a:r>
-                  <a:rPr lang="en-US" dirty="0"/>
-                  <a:t>append() function</a:t>
-                </a:r>
-              </a:p>
-              <a:p>
-                <a:endParaRPr lang="en-ID" dirty="0"/>
-              </a:p>
-            </p:txBody>
-          </p:sp>
-        </p:grpSp>
-        <p:grpSp>
-          <p:nvGrpSpPr>
-            <p:cNvPr id="17" name="Group 16"/>
-            <p:cNvGrpSpPr/>
-            <p:nvPr/>
-          </p:nvGrpSpPr>
-          <p:grpSpPr>
-            <a:xfrm>
-              <a:off x="1814004" y="5476086"/>
-              <a:ext cx="4572000" cy="600122"/>
-              <a:chOff x="870474" y="1122231"/>
-              <a:chExt cx="4572000" cy="545565"/>
-            </a:xfrm>
-          </p:grpSpPr>
-          <p:sp>
-            <p:nvSpPr>
-              <p:cNvPr id="18" name="Rectangle: Top Corners Rounded 69">
-                <a:extLst>
-                  <a:ext uri="{FF2B5EF4-FFF2-40B4-BE49-F238E27FC236}">
-                    <a16:creationId xmlns:a16="http://schemas.microsoft.com/office/drawing/2014/main" xmlns="" id="{26FEAD48-C54F-4EA2-85D2-D847AE0E5FBA}"/>
-                  </a:ext>
-                </a:extLst>
-              </p:cNvPr>
-              <p:cNvSpPr/>
-              <p:nvPr/>
-            </p:nvSpPr>
-            <p:spPr>
-              <a:xfrm rot="5400000">
-                <a:off x="2927874" y="-935169"/>
-                <a:ext cx="457200" cy="4572000"/>
-              </a:xfrm>
-              <a:prstGeom prst="round2SameRect">
-                <a:avLst>
-                  <a:gd name="adj1" fmla="val 50000"/>
-                  <a:gd name="adj2" fmla="val 0"/>
-                </a:avLst>
-              </a:prstGeom>
-              <a:ln/>
-            </p:spPr>
-            <p:style>
-              <a:lnRef idx="1">
-                <a:schemeClr val="accent5"/>
-              </a:lnRef>
-              <a:fillRef idx="2">
-                <a:schemeClr val="accent5"/>
-              </a:fillRef>
-              <a:effectRef idx="1">
-                <a:schemeClr val="accent5"/>
-              </a:effectRef>
-              <a:fontRef idx="minor">
-                <a:schemeClr val="dk1"/>
-              </a:fontRef>
-            </p:style>
-            <p:txBody>
-              <a:bodyPr tIns="0" bIns="0" rtlCol="0" anchor="ctr"/>
-              <a:lstStyle/>
-              <a:p>
-                <a:pPr algn="ctr"/>
-                <a:endParaRPr lang="en-ID" dirty="0"/>
-              </a:p>
-            </p:txBody>
-          </p:sp>
-          <p:sp>
-            <p:nvSpPr>
-              <p:cNvPr id="19" name="TextBox 18">
-                <a:extLst>
-                  <a:ext uri="{FF2B5EF4-FFF2-40B4-BE49-F238E27FC236}">
-                    <a16:creationId xmlns="" xmlns:a16="http://schemas.microsoft.com/office/drawing/2014/main" id="{37617BA8-4B08-4BF4-9472-C431DF73FFEC}"/>
-                  </a:ext>
-                </a:extLst>
-              </p:cNvPr>
-              <p:cNvSpPr txBox="1"/>
-              <p:nvPr/>
-            </p:nvSpPr>
-            <p:spPr>
-              <a:xfrm>
-                <a:off x="937803" y="1152711"/>
-                <a:ext cx="2818833" cy="515085"/>
-              </a:xfrm>
-              <a:prstGeom prst="rect">
-                <a:avLst/>
-              </a:prstGeom>
-              <a:noFill/>
-              <a:ln>
-                <a:noFill/>
-              </a:ln>
-            </p:spPr>
-            <p:style>
-              <a:lnRef idx="1">
-                <a:schemeClr val="accent5"/>
-              </a:lnRef>
-              <a:fillRef idx="2">
-                <a:schemeClr val="accent5"/>
-              </a:fillRef>
-              <a:effectRef idx="1">
-                <a:schemeClr val="accent5"/>
-              </a:effectRef>
-              <a:fontRef idx="minor">
-                <a:schemeClr val="dk1"/>
-              </a:fontRef>
-            </p:style>
-            <p:txBody>
-              <a:bodyPr wrap="square" lIns="0" tIns="0" rIns="0" bIns="0" rtlCol="0">
-                <a:spAutoFit/>
-              </a:bodyPr>
-              <a:lstStyle>
-                <a:defPPr>
-                  <a:defRPr lang="en-US"/>
-                </a:defPPr>
-                <a:lvl1pPr>
-                  <a:defRPr sz="2000" b="1">
-                    <a:solidFill>
-                      <a:srgbClr val="115EC7"/>
-                    </a:solidFill>
-                  </a:defRPr>
-                </a:lvl1pPr>
-              </a:lstStyle>
-              <a:p>
-                <a:r>
-                  <a:rPr lang="en-US" dirty="0"/>
-                  <a:t>Insert(</a:t>
-                </a:r>
-                <a:r>
-                  <a:rPr lang="en-US" dirty="0" err="1"/>
-                  <a:t>index,object</a:t>
-                </a:r>
-                <a:r>
-                  <a:rPr lang="en-US" dirty="0"/>
-                  <a:t>)</a:t>
-                </a:r>
-              </a:p>
-              <a:p>
-                <a:endParaRPr lang="en-ID" dirty="0"/>
-              </a:p>
-            </p:txBody>
-          </p:sp>
-        </p:grpSp>
-      </p:grpSp>
       <p:sp>
         <p:nvSpPr>
-          <p:cNvPr id="34" name="TextBox 33">
+          <p:cNvPr id="2" name="TextBox 1">
             <a:extLst>
               <a:ext uri="{FF2B5EF4-FFF2-40B4-BE49-F238E27FC236}">
                 <a16:creationId xmlns:a16="http://schemas.microsoft.com/office/drawing/2014/main" xmlns="" id="{024BFC35-B5E8-4439-83D0-19E2AFB2B4E7}"/>
@@ -22363,12 +21667,12 @@
           <a:lstStyle/>
           <a:p>
             <a:r>
-              <a:rPr lang="en-US" sz="4000" b="1" dirty="0">
+              <a:rPr lang="en-US" sz="4000" b="1" dirty="0" smtClean="0">
                 <a:solidFill>
                   <a:srgbClr val="115EC7"/>
                 </a:solidFill>
               </a:rPr>
-              <a:t>Lists</a:t>
+              <a:t>Variables</a:t>
             </a:r>
             <a:endParaRPr lang="en-ID" sz="4000" b="1" dirty="0">
               <a:solidFill>
@@ -22380,7 +21684,7 @@
       </p:sp>
       <p:grpSp>
         <p:nvGrpSpPr>
-          <p:cNvPr id="36" name="Group 35">
+          <p:cNvPr id="3" name="Group 2">
             <a:extLst>
               <a:ext uri="{FF2B5EF4-FFF2-40B4-BE49-F238E27FC236}">
                 <a16:creationId xmlns:a16="http://schemas.microsoft.com/office/drawing/2014/main" xmlns="" id="{5D8DE4FD-E6D1-4C54-B938-C6F866A57542}"/>
@@ -22403,7 +21707,7 @@
         </p:grpSpPr>
         <p:sp>
           <p:nvSpPr>
-            <p:cNvPr id="37" name="Oval 36">
+            <p:cNvPr id="4" name="Oval 3">
               <a:extLst>
                 <a:ext uri="{FF2B5EF4-FFF2-40B4-BE49-F238E27FC236}">
                   <a16:creationId xmlns:a16="http://schemas.microsoft.com/office/drawing/2014/main" xmlns="" id="{455DBA60-1427-45CD-9944-E2F57D44E38D}"/>
@@ -22453,7 +21757,7 @@
         </p:sp>
         <p:sp>
           <p:nvSpPr>
-            <p:cNvPr id="38" name="Oval 37">
+            <p:cNvPr id="5" name="Oval 4">
               <a:extLst>
                 <a:ext uri="{FF2B5EF4-FFF2-40B4-BE49-F238E27FC236}">
                   <a16:creationId xmlns:a16="http://schemas.microsoft.com/office/drawing/2014/main" xmlns="" id="{A9BB70D0-8988-49AE-B212-B65BB6ABD56E}"/>
@@ -22503,7 +21807,7 @@
         </p:sp>
         <p:sp>
           <p:nvSpPr>
-            <p:cNvPr id="39" name="Oval 38">
+            <p:cNvPr id="6" name="Oval 5">
               <a:extLst>
                 <a:ext uri="{FF2B5EF4-FFF2-40B4-BE49-F238E27FC236}">
                   <a16:creationId xmlns:a16="http://schemas.microsoft.com/office/drawing/2014/main" xmlns="" id="{90784469-927E-4927-AEBC-C484D3B27A7F}"/>
@@ -22554,14 +21858,14 @@
       </p:grpSp>
       <p:pic>
         <p:nvPicPr>
-          <p:cNvPr id="40" name="Picture 9" descr="C:\Users\hi\Desktop\1.png"/>
+          <p:cNvPr id="7" name="Picture 9" descr="C:\Users\hi\Desktop\1.png"/>
           <p:cNvPicPr>
             <a:picLocks noChangeAspect="1" noChangeArrowheads="1"/>
           </p:cNvPicPr>
           <p:nvPr/>
         </p:nvPicPr>
         <p:blipFill>
-          <a:blip r:embed="rId3"/>
+          <a:blip r:embed="rId2"/>
           <a:srcRect/>
           <a:stretch>
             <a:fillRect/>
@@ -22580,14 +21884,14 @@
       </p:pic>
       <p:pic>
         <p:nvPicPr>
-          <p:cNvPr id="41" name="Picture 10" descr="C:\Users\hi\Desktop\2.png"/>
+          <p:cNvPr id="8" name="Picture 10" descr="C:\Users\hi\Desktop\2.png"/>
           <p:cNvPicPr>
             <a:picLocks noChangeAspect="1" noChangeArrowheads="1"/>
           </p:cNvPicPr>
           <p:nvPr/>
         </p:nvPicPr>
         <p:blipFill>
-          <a:blip r:embed="rId4"/>
+          <a:blip r:embed="rId3"/>
           <a:srcRect/>
           <a:stretch>
             <a:fillRect/>
@@ -22604,23 +21908,445 @@
           <a:noFill/>
         </p:spPr>
       </p:pic>
+      <p:sp>
+        <p:nvSpPr>
+          <p:cNvPr id="9" name="Content Placeholder 2"/>
+          <p:cNvSpPr txBox="1">
+            <a:spLocks/>
+          </p:cNvSpPr>
+          <p:nvPr/>
+        </p:nvSpPr>
+        <p:spPr>
+          <a:xfrm>
+            <a:off x="457200" y="1600200"/>
+            <a:ext cx="8229600" cy="4525963"/>
+          </a:xfrm>
+          <a:prstGeom prst="rect">
+            <a:avLst/>
+          </a:prstGeom>
+        </p:spPr>
+        <p:txBody>
+          <a:bodyPr>
+            <a:noAutofit/>
+          </a:bodyPr>
+          <a:lstStyle>
+            <a:lvl1pPr marL="342900" indent="-342900" algn="l" defTabSz="914400" rtl="0" eaLnBrk="1" latinLnBrk="0" hangingPunct="1">
+              <a:spcBef>
+                <a:spcPct val="20000"/>
+              </a:spcBef>
+              <a:buFont typeface="Arial" pitchFamily="34" charset="0"/>
+              <a:buChar char="•"/>
+              <a:defRPr sz="3200" kern="1200">
+                <a:solidFill>
+                  <a:schemeClr val="tx1"/>
+                </a:solidFill>
+                <a:latin typeface="+mn-lt"/>
+                <a:ea typeface="+mn-ea"/>
+                <a:cs typeface="+mn-cs"/>
+              </a:defRPr>
+            </a:lvl1pPr>
+            <a:lvl2pPr marL="742950" indent="-285750" algn="l" defTabSz="914400" rtl="0" eaLnBrk="1" latinLnBrk="0" hangingPunct="1">
+              <a:spcBef>
+                <a:spcPct val="20000"/>
+              </a:spcBef>
+              <a:buFont typeface="Arial" pitchFamily="34" charset="0"/>
+              <a:buChar char="–"/>
+              <a:defRPr sz="2800" kern="1200">
+                <a:solidFill>
+                  <a:schemeClr val="tx1"/>
+                </a:solidFill>
+                <a:latin typeface="+mn-lt"/>
+                <a:ea typeface="+mn-ea"/>
+                <a:cs typeface="+mn-cs"/>
+              </a:defRPr>
+            </a:lvl2pPr>
+            <a:lvl3pPr marL="1143000" indent="-228600" algn="l" defTabSz="914400" rtl="0" eaLnBrk="1" latinLnBrk="0" hangingPunct="1">
+              <a:spcBef>
+                <a:spcPct val="20000"/>
+              </a:spcBef>
+              <a:buFont typeface="Arial" pitchFamily="34" charset="0"/>
+              <a:buChar char="•"/>
+              <a:defRPr sz="2400" kern="1200">
+                <a:solidFill>
+                  <a:schemeClr val="tx1"/>
+                </a:solidFill>
+                <a:latin typeface="+mn-lt"/>
+                <a:ea typeface="+mn-ea"/>
+                <a:cs typeface="+mn-cs"/>
+              </a:defRPr>
+            </a:lvl3pPr>
+            <a:lvl4pPr marL="1600200" indent="-228600" algn="l" defTabSz="914400" rtl="0" eaLnBrk="1" latinLnBrk="0" hangingPunct="1">
+              <a:spcBef>
+                <a:spcPct val="20000"/>
+              </a:spcBef>
+              <a:buFont typeface="Arial" pitchFamily="34" charset="0"/>
+              <a:buChar char="–"/>
+              <a:defRPr sz="2000" kern="1200">
+                <a:solidFill>
+                  <a:schemeClr val="tx1"/>
+                </a:solidFill>
+                <a:latin typeface="+mn-lt"/>
+                <a:ea typeface="+mn-ea"/>
+                <a:cs typeface="+mn-cs"/>
+              </a:defRPr>
+            </a:lvl4pPr>
+            <a:lvl5pPr marL="2057400" indent="-228600" algn="l" defTabSz="914400" rtl="0" eaLnBrk="1" latinLnBrk="0" hangingPunct="1">
+              <a:spcBef>
+                <a:spcPct val="20000"/>
+              </a:spcBef>
+              <a:buFont typeface="Arial" pitchFamily="34" charset="0"/>
+              <a:buChar char="»"/>
+              <a:defRPr sz="2000" kern="1200">
+                <a:solidFill>
+                  <a:schemeClr val="tx1"/>
+                </a:solidFill>
+                <a:latin typeface="+mn-lt"/>
+                <a:ea typeface="+mn-ea"/>
+                <a:cs typeface="+mn-cs"/>
+              </a:defRPr>
+            </a:lvl5pPr>
+            <a:lvl6pPr marL="2514600" indent="-228600" algn="l" defTabSz="914400" rtl="0" eaLnBrk="1" latinLnBrk="0" hangingPunct="1">
+              <a:spcBef>
+                <a:spcPct val="20000"/>
+              </a:spcBef>
+              <a:buFont typeface="Arial" pitchFamily="34" charset="0"/>
+              <a:buChar char="•"/>
+              <a:defRPr sz="2000" kern="1200">
+                <a:solidFill>
+                  <a:schemeClr val="tx1"/>
+                </a:solidFill>
+                <a:latin typeface="+mn-lt"/>
+                <a:ea typeface="+mn-ea"/>
+                <a:cs typeface="+mn-cs"/>
+              </a:defRPr>
+            </a:lvl6pPr>
+            <a:lvl7pPr marL="2971800" indent="-228600" algn="l" defTabSz="914400" rtl="0" eaLnBrk="1" latinLnBrk="0" hangingPunct="1">
+              <a:spcBef>
+                <a:spcPct val="20000"/>
+              </a:spcBef>
+              <a:buFont typeface="Arial" pitchFamily="34" charset="0"/>
+              <a:buChar char="•"/>
+              <a:defRPr sz="2000" kern="1200">
+                <a:solidFill>
+                  <a:schemeClr val="tx1"/>
+                </a:solidFill>
+                <a:latin typeface="+mn-lt"/>
+                <a:ea typeface="+mn-ea"/>
+                <a:cs typeface="+mn-cs"/>
+              </a:defRPr>
+            </a:lvl7pPr>
+            <a:lvl8pPr marL="3429000" indent="-228600" algn="l" defTabSz="914400" rtl="0" eaLnBrk="1" latinLnBrk="0" hangingPunct="1">
+              <a:spcBef>
+                <a:spcPct val="20000"/>
+              </a:spcBef>
+              <a:buFont typeface="Arial" pitchFamily="34" charset="0"/>
+              <a:buChar char="•"/>
+              <a:defRPr sz="2000" kern="1200">
+                <a:solidFill>
+                  <a:schemeClr val="tx1"/>
+                </a:solidFill>
+                <a:latin typeface="+mn-lt"/>
+                <a:ea typeface="+mn-ea"/>
+                <a:cs typeface="+mn-cs"/>
+              </a:defRPr>
+            </a:lvl8pPr>
+            <a:lvl9pPr marL="3886200" indent="-228600" algn="l" defTabSz="914400" rtl="0" eaLnBrk="1" latinLnBrk="0" hangingPunct="1">
+              <a:spcBef>
+                <a:spcPct val="20000"/>
+              </a:spcBef>
+              <a:buFont typeface="Arial" pitchFamily="34" charset="0"/>
+              <a:buChar char="•"/>
+              <a:defRPr sz="2000" kern="1200">
+                <a:solidFill>
+                  <a:schemeClr val="tx1"/>
+                </a:solidFill>
+                <a:latin typeface="+mn-lt"/>
+                <a:ea typeface="+mn-ea"/>
+                <a:cs typeface="+mn-cs"/>
+              </a:defRPr>
+            </a:lvl9pPr>
+          </a:lstStyle>
+          <a:p>
+            <a:r>
+              <a:rPr lang="en-US" sz="1600" dirty="0" smtClean="0">
+                <a:solidFill>
+                  <a:schemeClr val="tx2">
+                    <a:lumMod val="60000"/>
+                    <a:lumOff val="40000"/>
+                  </a:schemeClr>
+                </a:solidFill>
+              </a:rPr>
+              <a:t>Variables are containers for storing data values.</a:t>
+            </a:r>
+          </a:p>
+          <a:p>
+            <a:r>
+              <a:rPr lang="en-US" sz="1600" dirty="0" smtClean="0">
+                <a:solidFill>
+                  <a:schemeClr val="tx2">
+                    <a:lumMod val="60000"/>
+                    <a:lumOff val="40000"/>
+                  </a:schemeClr>
+                </a:solidFill>
+              </a:rPr>
+              <a:t>Unlike other programming languages, </a:t>
+            </a:r>
+            <a:r>
+              <a:rPr lang="en-US" sz="1600" dirty="0" smtClean="0">
+                <a:solidFill>
+                  <a:schemeClr val="tx2">
+                    <a:lumMod val="60000"/>
+                    <a:lumOff val="40000"/>
+                  </a:schemeClr>
+                </a:solidFill>
+              </a:rPr>
+              <a:t>it is not required to declare a </a:t>
+            </a:r>
+            <a:r>
+              <a:rPr lang="en-US" sz="1600" dirty="0" smtClean="0">
+                <a:solidFill>
+                  <a:schemeClr val="tx2">
+                    <a:lumMod val="60000"/>
+                    <a:lumOff val="40000"/>
+                  </a:schemeClr>
+                </a:solidFill>
+              </a:rPr>
+              <a:t>variable.</a:t>
+            </a:r>
+          </a:p>
+          <a:p>
+            <a:r>
+              <a:rPr lang="en-US" sz="1600" dirty="0" smtClean="0">
+                <a:solidFill>
+                  <a:schemeClr val="tx2">
+                    <a:lumMod val="60000"/>
+                    <a:lumOff val="40000"/>
+                  </a:schemeClr>
+                </a:solidFill>
+              </a:rPr>
+              <a:t>A variable is created the moment you first assign a value to it</a:t>
+            </a:r>
+            <a:r>
+              <a:rPr lang="en-US" sz="1600" dirty="0" smtClean="0">
+                <a:solidFill>
+                  <a:schemeClr val="tx2">
+                    <a:lumMod val="60000"/>
+                    <a:lumOff val="40000"/>
+                  </a:schemeClr>
+                </a:solidFill>
+              </a:rPr>
+              <a:t>.</a:t>
+            </a:r>
+          </a:p>
+          <a:p>
+            <a:r>
+              <a:rPr lang="en-US" sz="1600" dirty="0" smtClean="0">
+                <a:solidFill>
+                  <a:schemeClr val="tx2">
+                    <a:lumMod val="60000"/>
+                    <a:lumOff val="40000"/>
+                  </a:schemeClr>
+                </a:solidFill>
+              </a:rPr>
+              <a:t>A variable can have a short name (like x and y) or a more descriptive name (age, </a:t>
+            </a:r>
+            <a:r>
+              <a:rPr lang="en-US" sz="1600" dirty="0" err="1" smtClean="0">
+                <a:solidFill>
+                  <a:schemeClr val="tx2">
+                    <a:lumMod val="60000"/>
+                    <a:lumOff val="40000"/>
+                  </a:schemeClr>
+                </a:solidFill>
+              </a:rPr>
+              <a:t>carname</a:t>
+            </a:r>
+            <a:r>
+              <a:rPr lang="en-US" sz="1600" dirty="0" smtClean="0">
+                <a:solidFill>
+                  <a:schemeClr val="tx2">
+                    <a:lumMod val="60000"/>
+                    <a:lumOff val="40000"/>
+                  </a:schemeClr>
+                </a:solidFill>
+              </a:rPr>
+              <a:t>, </a:t>
+            </a:r>
+            <a:r>
+              <a:rPr lang="en-US" sz="1600" dirty="0" err="1" smtClean="0">
+                <a:solidFill>
+                  <a:schemeClr val="tx2">
+                    <a:lumMod val="60000"/>
+                    <a:lumOff val="40000"/>
+                  </a:schemeClr>
+                </a:solidFill>
+              </a:rPr>
+              <a:t>total_volume</a:t>
+            </a:r>
+            <a:r>
+              <a:rPr lang="en-US" sz="1600" dirty="0" smtClean="0">
+                <a:solidFill>
+                  <a:schemeClr val="tx2">
+                    <a:lumMod val="60000"/>
+                    <a:lumOff val="40000"/>
+                  </a:schemeClr>
+                </a:solidFill>
+              </a:rPr>
+              <a:t>). Rules for Python </a:t>
+            </a:r>
+            <a:r>
+              <a:rPr lang="en-US" sz="1600" dirty="0" err="1" smtClean="0">
+                <a:solidFill>
+                  <a:schemeClr val="tx2">
+                    <a:lumMod val="60000"/>
+                    <a:lumOff val="40000"/>
+                  </a:schemeClr>
+                </a:solidFill>
+              </a:rPr>
+              <a:t>variables:A</a:t>
+            </a:r>
+            <a:r>
+              <a:rPr lang="en-US" sz="1600" dirty="0" smtClean="0">
+                <a:solidFill>
+                  <a:schemeClr val="tx2">
+                    <a:lumMod val="60000"/>
+                    <a:lumOff val="40000"/>
+                  </a:schemeClr>
+                </a:solidFill>
+              </a:rPr>
+              <a:t> variable name must start with a letter or the underscore character</a:t>
+            </a:r>
+          </a:p>
+          <a:p>
+            <a:r>
+              <a:rPr lang="en-US" sz="1600" dirty="0" smtClean="0">
+                <a:solidFill>
+                  <a:schemeClr val="tx2">
+                    <a:lumMod val="60000"/>
+                    <a:lumOff val="40000"/>
+                  </a:schemeClr>
+                </a:solidFill>
+              </a:rPr>
+              <a:t>A variable name cannot start with a number</a:t>
+            </a:r>
+          </a:p>
+          <a:p>
+            <a:r>
+              <a:rPr lang="en-US" sz="1600" dirty="0" smtClean="0">
+                <a:solidFill>
+                  <a:schemeClr val="tx2">
+                    <a:lumMod val="60000"/>
+                    <a:lumOff val="40000"/>
+                  </a:schemeClr>
+                </a:solidFill>
+              </a:rPr>
+              <a:t>A variable name can only contain alpha-numeric characters and underscores (A-z, 0-9, and _ )</a:t>
+            </a:r>
+          </a:p>
+          <a:p>
+            <a:r>
+              <a:rPr lang="en-US" sz="1600" dirty="0" smtClean="0">
+                <a:solidFill>
+                  <a:schemeClr val="tx2">
+                    <a:lumMod val="60000"/>
+                    <a:lumOff val="40000"/>
+                  </a:schemeClr>
+                </a:solidFill>
+              </a:rPr>
+              <a:t>Variable names are case-sensitive (age, Age and AGE are three different variables)</a:t>
+            </a:r>
+          </a:p>
+          <a:p>
+            <a:endParaRPr lang="en-US" sz="1600" dirty="0" smtClean="0">
+              <a:solidFill>
+                <a:schemeClr val="tx2">
+                  <a:lumMod val="60000"/>
+                  <a:lumOff val="40000"/>
+                </a:schemeClr>
+              </a:solidFill>
+            </a:endParaRPr>
+          </a:p>
+          <a:p>
+            <a:pPr>
+              <a:buNone/>
+            </a:pPr>
+            <a:r>
+              <a:rPr lang="en-US" sz="1600" dirty="0" smtClean="0">
+                <a:solidFill>
+                  <a:schemeClr val="tx2">
+                    <a:lumMod val="60000"/>
+                    <a:lumOff val="40000"/>
+                  </a:schemeClr>
+                </a:solidFill>
+              </a:rPr>
+              <a:t>Example</a:t>
+            </a:r>
+          </a:p>
+          <a:p>
+            <a:pPr>
+              <a:buNone/>
+            </a:pPr>
+            <a:r>
+              <a:rPr lang="en-US" sz="1600" dirty="0" smtClean="0"/>
+              <a:t>	 x =5</a:t>
+            </a:r>
+          </a:p>
+          <a:p>
+            <a:pPr>
+              <a:buNone/>
+            </a:pPr>
+            <a:r>
+              <a:rPr lang="en-US" sz="1600" dirty="0" smtClean="0"/>
+              <a:t>	y</a:t>
+            </a:r>
+            <a:r>
+              <a:rPr lang="en-US" sz="1600" dirty="0" smtClean="0"/>
+              <a:t>="AIML"</a:t>
+            </a:r>
+          </a:p>
+          <a:p>
+            <a:pPr>
+              <a:buNone/>
+            </a:pPr>
+            <a:r>
+              <a:rPr lang="en-US" sz="1600" dirty="0" smtClean="0"/>
+              <a:t>	print(x</a:t>
+            </a:r>
+            <a:r>
+              <a:rPr lang="en-US" sz="1600" dirty="0" smtClean="0"/>
+              <a:t>)</a:t>
+            </a:r>
+          </a:p>
+          <a:p>
+            <a:pPr>
+              <a:buNone/>
+            </a:pPr>
+            <a:r>
+              <a:rPr lang="en-US" sz="1600" dirty="0" smtClean="0"/>
+              <a:t>	print(y</a:t>
+            </a:r>
+            <a:r>
+              <a:rPr lang="en-US" sz="1600" dirty="0" smtClean="0"/>
+              <a:t>)</a:t>
+            </a:r>
+          </a:p>
+          <a:p>
+            <a:endParaRPr lang="en-US" sz="1600" dirty="0" smtClean="0">
+              <a:solidFill>
+                <a:schemeClr val="tx2">
+                  <a:lumMod val="60000"/>
+                  <a:lumOff val="40000"/>
+                </a:schemeClr>
+              </a:solidFill>
+            </a:endParaRPr>
+          </a:p>
+        </p:txBody>
+      </p:sp>
     </p:spTree>
-    <p:extLst>
-      <p:ext uri="{BB962C8B-B14F-4D97-AF65-F5344CB8AC3E}">
-        <p14:creationId xmlns:p14="http://schemas.microsoft.com/office/powerpoint/2010/main" val="690575643"/>
-      </p:ext>
-    </p:extLst>
   </p:cSld>
   <p:clrMapOvr>
     <a:masterClrMapping/>
   </p:clrMapOvr>
-  <p:timing>
-    <p:tnLst>
-      <p:par>
-        <p:cTn id="1" dur="indefinite" restart="never" nodeType="tmRoot"/>
-      </p:par>
-    </p:tnLst>
-  </p:timing>
 </p:sld>
 </file>
 
@@ -22643,52 +22369,64 @@
       </p:grpSpPr>
       <p:sp>
         <p:nvSpPr>
-          <p:cNvPr id="2027" name="Freeform: Shape 2026">
+          <p:cNvPr id="2" name="TextBox 1">
             <a:extLst>
               <a:ext uri="{FF2B5EF4-FFF2-40B4-BE49-F238E27FC236}">
-                <a16:creationId xmlns:a16="http://schemas.microsoft.com/office/drawing/2014/main" xmlns="" id="{EB16E126-2224-47E1-8E05-1A64845B74F2}"/>
+                <a16:creationId xmlns:a16="http://schemas.microsoft.com/office/drawing/2014/main" xmlns="" id="{024BFC35-B5E8-4439-83D0-19E2AFB2B4E7}"/>
               </a:ext>
             </a:extLst>
           </p:cNvPr>
-          <p:cNvSpPr/>
+          <p:cNvSpPr txBox="1"/>
           <p:nvPr/>
         </p:nvSpPr>
         <p:spPr>
           <a:xfrm>
-            <a:off x="-11196466" y="2095727"/>
-            <a:ext cx="11303" cy="15070"/>
+            <a:off x="467916" y="500840"/>
+            <a:ext cx="7990279" cy="1231106"/>
           </a:xfrm>
-          <a:custGeom>
+          <a:prstGeom prst="rect">
             <a:avLst/>
-            <a:gdLst/>
-            <a:ahLst/>
-            <a:cxnLst/>
-            <a:rect l="l" t="t" r="r" b="b"/>
-            <a:pathLst>
-              <a:path/>
-            </a:pathLst>
-          </a:custGeom>
+          </a:prstGeom>
           <a:noFill/>
-          <a:ln w="15064" cap="flat">
-            <a:noFill/>
-            <a:prstDash val="solid"/>
-            <a:miter/>
-          </a:ln>
         </p:spPr>
         <p:txBody>
-          <a:bodyPr rtlCol="0" anchor="ctr"/>
+          <a:bodyPr wrap="square" lIns="0" tIns="0" rIns="0" bIns="0" rtlCol="0">
+            <a:spAutoFit/>
+          </a:bodyPr>
           <a:lstStyle/>
           <a:p>
-            <a:endParaRPr lang="en-ID"/>
+            <a:r>
+              <a:rPr lang="en-US" sz="4000" b="1" dirty="0" smtClean="0">
+                <a:solidFill>
+                  <a:srgbClr val="115EC7"/>
+                </a:solidFill>
+              </a:rPr>
+              <a:t>Built-in </a:t>
+            </a:r>
+            <a:r>
+              <a:rPr lang="en-US" sz="4000" b="1" dirty="0" smtClean="0">
+                <a:solidFill>
+                  <a:srgbClr val="115EC7"/>
+                </a:solidFill>
+              </a:rPr>
+              <a:t>Data Types</a:t>
+            </a:r>
+          </a:p>
+          <a:p>
+            <a:endParaRPr lang="en-ID" sz="4000" b="1" dirty="0">
+              <a:solidFill>
+                <a:srgbClr val="115EC7"/>
+              </a:solidFill>
+            </a:endParaRPr>
           </a:p>
         </p:txBody>
       </p:sp>
       <p:grpSp>
         <p:nvGrpSpPr>
-          <p:cNvPr id="5" name="Group 4">
+          <p:cNvPr id="3" name="Group 2">
             <a:extLst>
               <a:ext uri="{FF2B5EF4-FFF2-40B4-BE49-F238E27FC236}">
-                <a16:creationId xmlns:a16="http://schemas.microsoft.com/office/drawing/2014/main" xmlns="" id="{3A9FF41D-44EE-4D9C-ADC1-831CAA1535C3}"/>
+                <a16:creationId xmlns:a16="http://schemas.microsoft.com/office/drawing/2014/main" xmlns="" id="{5D8DE4FD-E6D1-4C54-B938-C6F866A57542}"/>
               </a:ext>
             </a:extLst>
           </p:cNvPr>
@@ -22697,216 +22435,21 @@
         </p:nvGrpSpPr>
         <p:grpSpPr>
           <a:xfrm>
-            <a:off x="5806508" y="2202653"/>
-            <a:ext cx="2869578" cy="997074"/>
-            <a:chOff x="6095998" y="2208008"/>
-            <a:chExt cx="3826104" cy="997074"/>
+            <a:off x="467915" y="1134412"/>
+            <a:ext cx="271704" cy="73025"/>
+            <a:chOff x="7340600" y="4686300"/>
+            <a:chExt cx="504030" cy="101600"/>
           </a:xfrm>
+          <a:solidFill>
+            <a:srgbClr val="5EE2B1"/>
+          </a:solidFill>
         </p:grpSpPr>
         <p:sp>
           <p:nvSpPr>
-            <p:cNvPr id="25" name="TextBox 24">
+            <p:cNvPr id="4" name="Oval 3">
               <a:extLst>
                 <a:ext uri="{FF2B5EF4-FFF2-40B4-BE49-F238E27FC236}">
-                  <a16:creationId xmlns:a16="http://schemas.microsoft.com/office/drawing/2014/main" xmlns="" id="{C063EEBF-654A-46E5-933D-B35C37933986}"/>
-                </a:ext>
-              </a:extLst>
-            </p:cNvPr>
-            <p:cNvSpPr txBox="1"/>
-            <p:nvPr/>
-          </p:nvSpPr>
-          <p:spPr>
-            <a:xfrm>
-              <a:off x="6096000" y="2466418"/>
-              <a:ext cx="3826102" cy="738664"/>
-            </a:xfrm>
-            <a:prstGeom prst="rect">
-              <a:avLst/>
-            </a:prstGeom>
-            <a:noFill/>
-          </p:spPr>
-          <p:txBody>
-            <a:bodyPr wrap="square" lIns="0" tIns="0" rIns="0" bIns="0" rtlCol="0">
-              <a:spAutoFit/>
-            </a:bodyPr>
-            <a:lstStyle/>
-            <a:p>
-              <a:r>
-                <a:rPr lang="en-US" sz="4800" b="1" dirty="0">
-                  <a:solidFill>
-                    <a:srgbClr val="115EC7"/>
-                  </a:solidFill>
-                </a:rPr>
-                <a:t>Thank You</a:t>
-              </a:r>
-              <a:endParaRPr lang="en-ID" sz="4800" b="1" dirty="0">
-                <a:solidFill>
-                  <a:srgbClr val="115EC7"/>
-                </a:solidFill>
-              </a:endParaRPr>
-            </a:p>
-          </p:txBody>
-        </p:sp>
-        <p:grpSp>
-          <p:nvGrpSpPr>
-            <p:cNvPr id="28" name="Group 27">
-              <a:extLst>
-                <a:ext uri="{FF2B5EF4-FFF2-40B4-BE49-F238E27FC236}">
-                  <a16:creationId xmlns:a16="http://schemas.microsoft.com/office/drawing/2014/main" xmlns="" id="{82BF499E-F381-4274-93D7-6AFECA403872}"/>
-                </a:ext>
-              </a:extLst>
-            </p:cNvPr>
-            <p:cNvGrpSpPr/>
-            <p:nvPr/>
-          </p:nvGrpSpPr>
-          <p:grpSpPr>
-            <a:xfrm>
-              <a:off x="6095998" y="2208008"/>
-              <a:ext cx="2415542" cy="73718"/>
-              <a:chOff x="6095998" y="2141926"/>
-              <a:chExt cx="2415542" cy="73718"/>
-            </a:xfrm>
-          </p:grpSpPr>
-          <p:sp>
-            <p:nvSpPr>
-              <p:cNvPr id="29" name="Rectangle: Rounded Corners 28">
-                <a:extLst>
-                  <a:ext uri="{FF2B5EF4-FFF2-40B4-BE49-F238E27FC236}">
-                    <a16:creationId xmlns:a16="http://schemas.microsoft.com/office/drawing/2014/main" xmlns="" id="{007A8125-9D7A-4999-924B-2F792D9C4BBE}"/>
-                  </a:ext>
-                </a:extLst>
-              </p:cNvPr>
-              <p:cNvSpPr/>
-              <p:nvPr/>
-            </p:nvSpPr>
-            <p:spPr>
-              <a:xfrm flipH="1">
-                <a:off x="6095998" y="2141926"/>
-                <a:ext cx="540546" cy="73718"/>
-              </a:xfrm>
-              <a:prstGeom prst="roundRect">
-                <a:avLst>
-                  <a:gd name="adj" fmla="val 50000"/>
-                </a:avLst>
-              </a:prstGeom>
-              <a:solidFill>
-                <a:srgbClr val="115EC7"/>
-              </a:solidFill>
-              <a:ln>
-                <a:noFill/>
-              </a:ln>
-            </p:spPr>
-            <p:style>
-              <a:lnRef idx="2">
-                <a:schemeClr val="accent1">
-                  <a:shade val="50000"/>
-                </a:schemeClr>
-              </a:lnRef>
-              <a:fillRef idx="1">
-                <a:schemeClr val="accent1"/>
-              </a:fillRef>
-              <a:effectRef idx="0">
-                <a:schemeClr val="accent1"/>
-              </a:effectRef>
-              <a:fontRef idx="minor">
-                <a:schemeClr val="lt1"/>
-              </a:fontRef>
-            </p:style>
-            <p:txBody>
-              <a:bodyPr rtlCol="0" anchor="ctr"/>
-              <a:lstStyle/>
-              <a:p>
-                <a:pPr algn="ctr"/>
-                <a:endParaRPr lang="en-ID" sz="1400" dirty="0">
-                  <a:solidFill>
-                    <a:srgbClr val="115EC7"/>
-                  </a:solidFill>
-                </a:endParaRPr>
-              </a:p>
-            </p:txBody>
-          </p:sp>
-          <p:cxnSp>
-            <p:nvCxnSpPr>
-              <p:cNvPr id="30" name="Straight Connector 29">
-                <a:extLst>
-                  <a:ext uri="{FF2B5EF4-FFF2-40B4-BE49-F238E27FC236}">
-                    <a16:creationId xmlns:a16="http://schemas.microsoft.com/office/drawing/2014/main" xmlns="" id="{6A775C84-AAF9-4999-BEEE-9CB0F6433497}"/>
-                  </a:ext>
-                </a:extLst>
-              </p:cNvPr>
-              <p:cNvCxnSpPr>
-                <a:cxnSpLocks/>
-                <a:stCxn id="29" idx="1"/>
-              </p:cNvCxnSpPr>
-              <p:nvPr/>
-            </p:nvCxnSpPr>
-            <p:spPr>
-              <a:xfrm>
-                <a:off x="6636544" y="2178785"/>
-                <a:ext cx="1874996" cy="0"/>
-              </a:xfrm>
-              <a:prstGeom prst="line">
-                <a:avLst/>
-              </a:prstGeom>
-              <a:ln w="6350">
-                <a:gradFill flip="none" rotWithShape="1">
-                  <a:gsLst>
-                    <a:gs pos="0">
-                      <a:srgbClr val="115EC7"/>
-                    </a:gs>
-                    <a:gs pos="100000">
-                      <a:srgbClr val="5EE2B1"/>
-                    </a:gs>
-                  </a:gsLst>
-                  <a:lin ang="0" scaled="1"/>
-                  <a:tileRect/>
-                </a:gradFill>
-                <a:tailEnd type="diamond"/>
-              </a:ln>
-            </p:spPr>
-            <p:style>
-              <a:lnRef idx="1">
-                <a:schemeClr val="accent1"/>
-              </a:lnRef>
-              <a:fillRef idx="0">
-                <a:schemeClr val="accent1"/>
-              </a:fillRef>
-              <a:effectRef idx="0">
-                <a:schemeClr val="accent1"/>
-              </a:effectRef>
-              <a:fontRef idx="minor">
-                <a:schemeClr val="tx1"/>
-              </a:fontRef>
-            </p:style>
-          </p:cxnSp>
-        </p:grpSp>
-      </p:grpSp>
-      <p:grpSp>
-        <p:nvGrpSpPr>
-          <p:cNvPr id="6" name="Group 5">
-            <a:extLst>
-              <a:ext uri="{FF2B5EF4-FFF2-40B4-BE49-F238E27FC236}">
-                <a16:creationId xmlns:a16="http://schemas.microsoft.com/office/drawing/2014/main" xmlns="" id="{D5CCD555-EDE4-4332-90D8-81E61806DB1E}"/>
-              </a:ext>
-            </a:extLst>
-          </p:cNvPr>
-          <p:cNvGrpSpPr/>
-          <p:nvPr/>
-        </p:nvGrpSpPr>
-        <p:grpSpPr>
-          <a:xfrm>
-            <a:off x="5806508" y="3347907"/>
-            <a:ext cx="271704" cy="73025"/>
-            <a:chOff x="9288257" y="5173813"/>
-            <a:chExt cx="362272" cy="73025"/>
-          </a:xfrm>
-        </p:grpSpPr>
-        <p:sp>
-          <p:nvSpPr>
-            <p:cNvPr id="35" name="Oval 34">
-              <a:extLst>
-                <a:ext uri="{FF2B5EF4-FFF2-40B4-BE49-F238E27FC236}">
-                  <a16:creationId xmlns:a16="http://schemas.microsoft.com/office/drawing/2014/main" xmlns="" id="{30633530-4923-4F2F-B22E-BD9A67F14FC8}"/>
+                  <a16:creationId xmlns:a16="http://schemas.microsoft.com/office/drawing/2014/main" xmlns="" id="{455DBA60-1427-45CD-9944-E2F57D44E38D}"/>
                 </a:ext>
               </a:extLst>
             </p:cNvPr>
@@ -22915,15 +22458,13 @@
           </p:nvSpPr>
           <p:spPr>
             <a:xfrm>
-              <a:off x="9288257" y="5173813"/>
-              <a:ext cx="73025" cy="73025"/>
+              <a:off x="7340600" y="4686300"/>
+              <a:ext cx="101600" cy="101600"/>
             </a:xfrm>
             <a:prstGeom prst="ellipse">
               <a:avLst/>
             </a:prstGeom>
-            <a:solidFill>
-              <a:srgbClr val="5EE2B1"/>
-            </a:solidFill>
+            <a:grpFill/>
             <a:ln w="9525">
               <a:noFill/>
             </a:ln>
@@ -22955,10 +22496,10 @@
         </p:sp>
         <p:sp>
           <p:nvSpPr>
-            <p:cNvPr id="36" name="Oval 35">
+            <p:cNvPr id="5" name="Oval 4">
               <a:extLst>
                 <a:ext uri="{FF2B5EF4-FFF2-40B4-BE49-F238E27FC236}">
-                  <a16:creationId xmlns:a16="http://schemas.microsoft.com/office/drawing/2014/main" xmlns="" id="{E0FE56E5-1737-429F-AA10-1430992A9640}"/>
+                  <a16:creationId xmlns:a16="http://schemas.microsoft.com/office/drawing/2014/main" xmlns="" id="{A9BB70D0-8988-49AE-B212-B65BB6ABD56E}"/>
                 </a:ext>
               </a:extLst>
             </p:cNvPr>
@@ -22967,15 +22508,13 @@
           </p:nvSpPr>
           <p:spPr>
             <a:xfrm>
-              <a:off x="9432880" y="5173813"/>
-              <a:ext cx="73025" cy="73025"/>
+              <a:off x="7541815" y="4686300"/>
+              <a:ext cx="101600" cy="101600"/>
             </a:xfrm>
             <a:prstGeom prst="ellipse">
               <a:avLst/>
             </a:prstGeom>
-            <a:solidFill>
-              <a:srgbClr val="5EE2B1"/>
-            </a:solidFill>
+            <a:grpFill/>
             <a:ln w="9525">
               <a:noFill/>
             </a:ln>
@@ -23007,10 +22546,10 @@
         </p:sp>
         <p:sp>
           <p:nvSpPr>
-            <p:cNvPr id="37" name="Oval 36">
+            <p:cNvPr id="6" name="Oval 5">
               <a:extLst>
                 <a:ext uri="{FF2B5EF4-FFF2-40B4-BE49-F238E27FC236}">
-                  <a16:creationId xmlns:a16="http://schemas.microsoft.com/office/drawing/2014/main" xmlns="" id="{20EB77FB-BB1A-468D-AF41-1FBBA48C0A91}"/>
+                  <a16:creationId xmlns:a16="http://schemas.microsoft.com/office/drawing/2014/main" xmlns="" id="{90784469-927E-4927-AEBC-C484D3B27A7F}"/>
                 </a:ext>
               </a:extLst>
             </p:cNvPr>
@@ -23019,15 +22558,13 @@
           </p:nvSpPr>
           <p:spPr>
             <a:xfrm>
-              <a:off x="9577504" y="5173813"/>
-              <a:ext cx="73025" cy="73025"/>
+              <a:off x="7743030" y="4686300"/>
+              <a:ext cx="101600" cy="101600"/>
             </a:xfrm>
             <a:prstGeom prst="ellipse">
               <a:avLst/>
             </a:prstGeom>
-            <a:solidFill>
-              <a:srgbClr val="5EE2B1"/>
-            </a:solidFill>
+            <a:grpFill/>
             <a:ln w="9525">
               <a:noFill/>
             </a:ln>
@@ -23058,23 +22595,407 @@
           </p:txBody>
         </p:sp>
       </p:grpSp>
+      <p:pic>
+        <p:nvPicPr>
+          <p:cNvPr id="7" name="Picture 9" descr="C:\Users\hi\Desktop\1.png"/>
+          <p:cNvPicPr>
+            <a:picLocks noChangeAspect="1" noChangeArrowheads="1"/>
+          </p:cNvPicPr>
+          <p:nvPr/>
+        </p:nvPicPr>
+        <p:blipFill>
+          <a:blip r:embed="rId2"/>
+          <a:srcRect/>
+          <a:stretch>
+            <a:fillRect/>
+          </a:stretch>
+        </p:blipFill>
+        <p:spPr bwMode="auto">
+          <a:xfrm>
+            <a:off x="7772400" y="5867400"/>
+            <a:ext cx="523875" cy="523875"/>
+          </a:xfrm>
+          <a:prstGeom prst="rect">
+            <a:avLst/>
+          </a:prstGeom>
+          <a:noFill/>
+        </p:spPr>
+      </p:pic>
+      <p:pic>
+        <p:nvPicPr>
+          <p:cNvPr id="8" name="Picture 10" descr="C:\Users\hi\Desktop\2.png"/>
+          <p:cNvPicPr>
+            <a:picLocks noChangeAspect="1" noChangeArrowheads="1"/>
+          </p:cNvPicPr>
+          <p:nvPr/>
+        </p:nvPicPr>
+        <p:blipFill>
+          <a:blip r:embed="rId3"/>
+          <a:srcRect/>
+          <a:stretch>
+            <a:fillRect/>
+          </a:stretch>
+        </p:blipFill>
+        <p:spPr bwMode="auto">
+          <a:xfrm>
+            <a:off x="6096000" y="6353175"/>
+            <a:ext cx="2324100" cy="504825"/>
+          </a:xfrm>
+          <a:prstGeom prst="rect">
+            <a:avLst/>
+          </a:prstGeom>
+          <a:noFill/>
+        </p:spPr>
+      </p:pic>
+      <p:sp>
+        <p:nvSpPr>
+          <p:cNvPr id="9" name="Content Placeholder 2"/>
+          <p:cNvSpPr txBox="1">
+            <a:spLocks/>
+          </p:cNvSpPr>
+          <p:nvPr/>
+        </p:nvSpPr>
+        <p:spPr>
+          <a:xfrm>
+            <a:off x="457200" y="1600200"/>
+            <a:ext cx="8229600" cy="4525963"/>
+          </a:xfrm>
+          <a:prstGeom prst="rect">
+            <a:avLst/>
+          </a:prstGeom>
+        </p:spPr>
+        <p:txBody>
+          <a:bodyPr>
+            <a:noAutofit/>
+          </a:bodyPr>
+          <a:lstStyle>
+            <a:lvl1pPr marL="342900" indent="-342900" algn="l" defTabSz="914400" rtl="0" eaLnBrk="1" latinLnBrk="0" hangingPunct="1">
+              <a:spcBef>
+                <a:spcPct val="20000"/>
+              </a:spcBef>
+              <a:buFont typeface="Arial" pitchFamily="34" charset="0"/>
+              <a:buChar char="•"/>
+              <a:defRPr sz="3200" kern="1200">
+                <a:solidFill>
+                  <a:schemeClr val="tx1"/>
+                </a:solidFill>
+                <a:latin typeface="+mn-lt"/>
+                <a:ea typeface="+mn-ea"/>
+                <a:cs typeface="+mn-cs"/>
+              </a:defRPr>
+            </a:lvl1pPr>
+            <a:lvl2pPr marL="742950" indent="-285750" algn="l" defTabSz="914400" rtl="0" eaLnBrk="1" latinLnBrk="0" hangingPunct="1">
+              <a:spcBef>
+                <a:spcPct val="20000"/>
+              </a:spcBef>
+              <a:buFont typeface="Arial" pitchFamily="34" charset="0"/>
+              <a:buChar char="–"/>
+              <a:defRPr sz="2800" kern="1200">
+                <a:solidFill>
+                  <a:schemeClr val="tx1"/>
+                </a:solidFill>
+                <a:latin typeface="+mn-lt"/>
+                <a:ea typeface="+mn-ea"/>
+                <a:cs typeface="+mn-cs"/>
+              </a:defRPr>
+            </a:lvl2pPr>
+            <a:lvl3pPr marL="1143000" indent="-228600" algn="l" defTabSz="914400" rtl="0" eaLnBrk="1" latinLnBrk="0" hangingPunct="1">
+              <a:spcBef>
+                <a:spcPct val="20000"/>
+              </a:spcBef>
+              <a:buFont typeface="Arial" pitchFamily="34" charset="0"/>
+              <a:buChar char="•"/>
+              <a:defRPr sz="2400" kern="1200">
+                <a:solidFill>
+                  <a:schemeClr val="tx1"/>
+                </a:solidFill>
+                <a:latin typeface="+mn-lt"/>
+                <a:ea typeface="+mn-ea"/>
+                <a:cs typeface="+mn-cs"/>
+              </a:defRPr>
+            </a:lvl3pPr>
+            <a:lvl4pPr marL="1600200" indent="-228600" algn="l" defTabSz="914400" rtl="0" eaLnBrk="1" latinLnBrk="0" hangingPunct="1">
+              <a:spcBef>
+                <a:spcPct val="20000"/>
+              </a:spcBef>
+              <a:buFont typeface="Arial" pitchFamily="34" charset="0"/>
+              <a:buChar char="–"/>
+              <a:defRPr sz="2000" kern="1200">
+                <a:solidFill>
+                  <a:schemeClr val="tx1"/>
+                </a:solidFill>
+                <a:latin typeface="+mn-lt"/>
+                <a:ea typeface="+mn-ea"/>
+                <a:cs typeface="+mn-cs"/>
+              </a:defRPr>
+            </a:lvl4pPr>
+            <a:lvl5pPr marL="2057400" indent="-228600" algn="l" defTabSz="914400" rtl="0" eaLnBrk="1" latinLnBrk="0" hangingPunct="1">
+              <a:spcBef>
+                <a:spcPct val="20000"/>
+              </a:spcBef>
+              <a:buFont typeface="Arial" pitchFamily="34" charset="0"/>
+              <a:buChar char="»"/>
+              <a:defRPr sz="2000" kern="1200">
+                <a:solidFill>
+                  <a:schemeClr val="tx1"/>
+                </a:solidFill>
+                <a:latin typeface="+mn-lt"/>
+                <a:ea typeface="+mn-ea"/>
+                <a:cs typeface="+mn-cs"/>
+              </a:defRPr>
+            </a:lvl5pPr>
+            <a:lvl6pPr marL="2514600" indent="-228600" algn="l" defTabSz="914400" rtl="0" eaLnBrk="1" latinLnBrk="0" hangingPunct="1">
+              <a:spcBef>
+                <a:spcPct val="20000"/>
+              </a:spcBef>
+              <a:buFont typeface="Arial" pitchFamily="34" charset="0"/>
+              <a:buChar char="•"/>
+              <a:defRPr sz="2000" kern="1200">
+                <a:solidFill>
+                  <a:schemeClr val="tx1"/>
+                </a:solidFill>
+                <a:latin typeface="+mn-lt"/>
+                <a:ea typeface="+mn-ea"/>
+                <a:cs typeface="+mn-cs"/>
+              </a:defRPr>
+            </a:lvl6pPr>
+            <a:lvl7pPr marL="2971800" indent="-228600" algn="l" defTabSz="914400" rtl="0" eaLnBrk="1" latinLnBrk="0" hangingPunct="1">
+              <a:spcBef>
+                <a:spcPct val="20000"/>
+              </a:spcBef>
+              <a:buFont typeface="Arial" pitchFamily="34" charset="0"/>
+              <a:buChar char="•"/>
+              <a:defRPr sz="2000" kern="1200">
+                <a:solidFill>
+                  <a:schemeClr val="tx1"/>
+                </a:solidFill>
+                <a:latin typeface="+mn-lt"/>
+                <a:ea typeface="+mn-ea"/>
+                <a:cs typeface="+mn-cs"/>
+              </a:defRPr>
+            </a:lvl7pPr>
+            <a:lvl8pPr marL="3429000" indent="-228600" algn="l" defTabSz="914400" rtl="0" eaLnBrk="1" latinLnBrk="0" hangingPunct="1">
+              <a:spcBef>
+                <a:spcPct val="20000"/>
+              </a:spcBef>
+              <a:buFont typeface="Arial" pitchFamily="34" charset="0"/>
+              <a:buChar char="•"/>
+              <a:defRPr sz="2000" kern="1200">
+                <a:solidFill>
+                  <a:schemeClr val="tx1"/>
+                </a:solidFill>
+                <a:latin typeface="+mn-lt"/>
+                <a:ea typeface="+mn-ea"/>
+                <a:cs typeface="+mn-cs"/>
+              </a:defRPr>
+            </a:lvl8pPr>
+            <a:lvl9pPr marL="3886200" indent="-228600" algn="l" defTabSz="914400" rtl="0" eaLnBrk="1" latinLnBrk="0" hangingPunct="1">
+              <a:spcBef>
+                <a:spcPct val="20000"/>
+              </a:spcBef>
+              <a:buFont typeface="Arial" pitchFamily="34" charset="0"/>
+              <a:buChar char="•"/>
+              <a:defRPr sz="2000" kern="1200">
+                <a:solidFill>
+                  <a:schemeClr val="tx1"/>
+                </a:solidFill>
+                <a:latin typeface="+mn-lt"/>
+                <a:ea typeface="+mn-ea"/>
+                <a:cs typeface="+mn-cs"/>
+              </a:defRPr>
+            </a:lvl9pPr>
+          </a:lstStyle>
+          <a:p>
+            <a:r>
+              <a:rPr lang="en-US" sz="1600" dirty="0" smtClean="0"/>
+              <a:t>Text </a:t>
+            </a:r>
+            <a:r>
+              <a:rPr lang="en-US" sz="1600" dirty="0" err="1" smtClean="0"/>
+              <a:t>Type:str</a:t>
+            </a:r>
+            <a:endParaRPr lang="en-US" sz="1600" dirty="0" smtClean="0"/>
+          </a:p>
+          <a:p>
+            <a:r>
+              <a:rPr lang="en-US" sz="1600" dirty="0" smtClean="0"/>
+              <a:t>Numeric </a:t>
+            </a:r>
+            <a:r>
+              <a:rPr lang="en-US" sz="1600" dirty="0" err="1" smtClean="0"/>
+              <a:t>Types:int</a:t>
+            </a:r>
+            <a:r>
+              <a:rPr lang="en-US" sz="1600" dirty="0" smtClean="0"/>
+              <a:t>, float, </a:t>
+            </a:r>
+            <a:r>
+              <a:rPr lang="en-US" sz="1600" dirty="0" smtClean="0"/>
+              <a:t>complex</a:t>
+            </a:r>
+          </a:p>
+          <a:p>
+            <a:r>
+              <a:rPr lang="en-US" sz="1600" dirty="0" smtClean="0"/>
+              <a:t>Sequence </a:t>
+            </a:r>
+            <a:r>
+              <a:rPr lang="en-US" sz="1600" dirty="0" smtClean="0"/>
+              <a:t>Types</a:t>
+            </a:r>
+            <a:r>
+              <a:rPr lang="en-US" sz="1600" dirty="0" smtClean="0"/>
+              <a:t>:</a:t>
+            </a:r>
+          </a:p>
+          <a:p>
+            <a:pPr lvl="1"/>
+            <a:r>
+              <a:rPr lang="en-US" sz="1200" dirty="0" smtClean="0"/>
+              <a:t>list</a:t>
+            </a:r>
+            <a:r>
+              <a:rPr lang="en-US" sz="1200" dirty="0" smtClean="0"/>
+              <a:t>, </a:t>
+            </a:r>
+            <a:r>
+              <a:rPr lang="en-US" sz="1200" dirty="0" smtClean="0"/>
+              <a:t>(ordered </a:t>
+            </a:r>
+            <a:r>
+              <a:rPr lang="en-US" sz="1200" dirty="0" smtClean="0"/>
+              <a:t>and </a:t>
+            </a:r>
+            <a:r>
+              <a:rPr lang="en-US" sz="1200" dirty="0" smtClean="0"/>
+              <a:t>changeable collection. </a:t>
+            </a:r>
+            <a:r>
+              <a:rPr lang="en-US" sz="1200" dirty="0" smtClean="0"/>
+              <a:t>Allows duplicate members</a:t>
+            </a:r>
+            <a:r>
+              <a:rPr lang="en-US" sz="1200" dirty="0" smtClean="0"/>
+              <a:t>)</a:t>
+            </a:r>
+          </a:p>
+          <a:p>
+            <a:pPr lvl="1"/>
+            <a:r>
+              <a:rPr lang="en-US" sz="1200" dirty="0" err="1" smtClean="0"/>
+              <a:t>tuple</a:t>
+            </a:r>
+            <a:r>
+              <a:rPr lang="en-US" sz="1200" dirty="0" smtClean="0"/>
+              <a:t>, </a:t>
+            </a:r>
+            <a:r>
+              <a:rPr lang="en-US" sz="1200" dirty="0" smtClean="0"/>
+              <a:t>(</a:t>
+            </a:r>
+            <a:r>
+              <a:rPr lang="en-US" sz="1200" dirty="0" smtClean="0"/>
+              <a:t>ordered </a:t>
+            </a:r>
+            <a:r>
+              <a:rPr lang="en-US" sz="1200" smtClean="0"/>
+              <a:t>and </a:t>
+            </a:r>
+            <a:r>
+              <a:rPr lang="en-US" sz="1200" smtClean="0"/>
+              <a:t>unchangeable collection.)</a:t>
+            </a:r>
+            <a:endParaRPr lang="en-US" sz="1200" dirty="0" smtClean="0"/>
+          </a:p>
+          <a:p>
+            <a:pPr lvl="1"/>
+            <a:r>
+              <a:rPr lang="en-US" sz="1200" dirty="0" smtClean="0"/>
+              <a:t>range</a:t>
+            </a:r>
+          </a:p>
+          <a:p>
+            <a:r>
+              <a:rPr lang="en-US" sz="1600" dirty="0" smtClean="0"/>
+              <a:t>Mapping </a:t>
+            </a:r>
+            <a:r>
+              <a:rPr lang="en-US" sz="1600" dirty="0" err="1" smtClean="0"/>
+              <a:t>Type:dict</a:t>
+            </a:r>
+            <a:endParaRPr lang="en-US" sz="1600" dirty="0" smtClean="0"/>
+          </a:p>
+          <a:p>
+            <a:r>
+              <a:rPr lang="en-US" sz="1600" dirty="0" smtClean="0"/>
+              <a:t>Set </a:t>
+            </a:r>
+            <a:r>
+              <a:rPr lang="en-US" sz="1600" dirty="0" err="1" smtClean="0"/>
+              <a:t>Types:set</a:t>
+            </a:r>
+            <a:r>
+              <a:rPr lang="en-US" sz="1600" dirty="0" smtClean="0"/>
+              <a:t>, </a:t>
+            </a:r>
+            <a:r>
+              <a:rPr lang="en-US" sz="1600" dirty="0" err="1" smtClean="0"/>
+              <a:t>frozenset</a:t>
+            </a:r>
+            <a:endParaRPr lang="en-US" sz="1600" dirty="0" smtClean="0"/>
+          </a:p>
+          <a:p>
+            <a:r>
+              <a:rPr lang="en-US" sz="1600" dirty="0" smtClean="0"/>
+              <a:t>Boolean </a:t>
+            </a:r>
+            <a:r>
+              <a:rPr lang="en-US" sz="1600" dirty="0" err="1" smtClean="0"/>
+              <a:t>Type:bool</a:t>
+            </a:r>
+            <a:endParaRPr lang="en-US" sz="1600" dirty="0" smtClean="0"/>
+          </a:p>
+          <a:p>
+            <a:r>
+              <a:rPr lang="en-US" sz="1600" dirty="0" smtClean="0"/>
+              <a:t>Binary </a:t>
+            </a:r>
+            <a:r>
+              <a:rPr lang="en-US" sz="1600" dirty="0" err="1" smtClean="0"/>
+              <a:t>Types:bytes</a:t>
+            </a:r>
+            <a:r>
+              <a:rPr lang="en-US" sz="1600" dirty="0" smtClean="0"/>
+              <a:t>, </a:t>
+            </a:r>
+            <a:r>
+              <a:rPr lang="en-US" sz="1600" dirty="0" err="1" smtClean="0"/>
+              <a:t>bytearray</a:t>
+            </a:r>
+            <a:r>
+              <a:rPr lang="en-US" sz="1600" dirty="0" smtClean="0"/>
+              <a:t>, </a:t>
+            </a:r>
+            <a:r>
+              <a:rPr lang="en-US" sz="1600" dirty="0" err="1" smtClean="0"/>
+              <a:t>memoryview</a:t>
+            </a:r>
+            <a:r>
+              <a:rPr lang="en-US" sz="1600" dirty="0" smtClean="0"/>
+              <a:t/>
+            </a:r>
+            <a:br>
+              <a:rPr lang="en-US" sz="1600" dirty="0" smtClean="0"/>
+            </a:br>
+            <a:endParaRPr lang="en-US" sz="1600" dirty="0" smtClean="0"/>
+          </a:p>
+        </p:txBody>
+      </p:sp>
     </p:spTree>
-    <p:extLst>
-      <p:ext uri="{BB962C8B-B14F-4D97-AF65-F5344CB8AC3E}">
-        <p14:creationId xmlns:p14="http://schemas.microsoft.com/office/powerpoint/2010/main" val="1478642158"/>
-      </p:ext>
-    </p:extLst>
   </p:cSld>
   <p:clrMapOvr>
     <a:masterClrMapping/>
   </p:clrMapOvr>
-  <p:timing>
-    <p:tnLst>
-      <p:par>
-        <p:cTn id="1" dur="indefinite" restart="never" nodeType="tmRoot"/>
-      </p:par>
-    </p:tnLst>
-  </p:timing>
 </p:sld>
 </file>
 
